--- a/02_C/02_Types-et-operateurs/Types et opérateurs en C.pptx
+++ b/02_C/02_Types-et-operateurs/Types et opérateurs en C.pptx
@@ -32,19 +32,24 @@
     <p:sldId id="294" r:id="rId26"/>
     <p:sldId id="295" r:id="rId27"/>
     <p:sldId id="300" r:id="rId28"/>
-    <p:sldId id="263" r:id="rId29"/>
-    <p:sldId id="280" r:id="rId30"/>
-    <p:sldId id="265" r:id="rId31"/>
-    <p:sldId id="266" r:id="rId32"/>
-    <p:sldId id="282" r:id="rId33"/>
-    <p:sldId id="272" r:id="rId34"/>
-    <p:sldId id="268" r:id="rId35"/>
-    <p:sldId id="269" r:id="rId36"/>
-    <p:sldId id="271" r:id="rId37"/>
-    <p:sldId id="301" r:id="rId38"/>
-    <p:sldId id="302" r:id="rId39"/>
-    <p:sldId id="304" r:id="rId40"/>
-    <p:sldId id="305" r:id="rId41"/>
+    <p:sldId id="309" r:id="rId29"/>
+    <p:sldId id="258" r:id="rId30"/>
+    <p:sldId id="263" r:id="rId31"/>
+    <p:sldId id="280" r:id="rId32"/>
+    <p:sldId id="265" r:id="rId33"/>
+    <p:sldId id="266" r:id="rId34"/>
+    <p:sldId id="282" r:id="rId35"/>
+    <p:sldId id="307" r:id="rId36"/>
+    <p:sldId id="259" r:id="rId37"/>
+    <p:sldId id="308" r:id="rId38"/>
+    <p:sldId id="272" r:id="rId39"/>
+    <p:sldId id="268" r:id="rId40"/>
+    <p:sldId id="269" r:id="rId41"/>
+    <p:sldId id="271" r:id="rId42"/>
+    <p:sldId id="301" r:id="rId43"/>
+    <p:sldId id="302" r:id="rId44"/>
+    <p:sldId id="304" r:id="rId45"/>
+    <p:sldId id="305" r:id="rId46"/>
   </p:sldIdLst>
   <p:sldSz cx="12192000" cy="6858000"/>
   <p:notesSz cx="6858000" cy="9144000"/>
@@ -298,7 +303,7 @@
           <a:p>
             <a:fld id="{3D7E93A0-1782-4C26-9AF0-7379E6D8C1A8}" type="datetimeFigureOut">
               <a:rPr lang="fr-FR" smtClean="0"/>
-              <a:t>03/10/2020</a:t>
+              <a:t>13/10/2020</a:t>
             </a:fld>
             <a:endParaRPr lang="fr-FR"/>
           </a:p>
@@ -496,7 +501,7 @@
           <a:p>
             <a:fld id="{3D7E93A0-1782-4C26-9AF0-7379E6D8C1A8}" type="datetimeFigureOut">
               <a:rPr lang="fr-FR" smtClean="0"/>
-              <a:t>03/10/2020</a:t>
+              <a:t>13/10/2020</a:t>
             </a:fld>
             <a:endParaRPr lang="fr-FR"/>
           </a:p>
@@ -704,7 +709,7 @@
           <a:p>
             <a:fld id="{3D7E93A0-1782-4C26-9AF0-7379E6D8C1A8}" type="datetimeFigureOut">
               <a:rPr lang="fr-FR" smtClean="0"/>
-              <a:t>03/10/2020</a:t>
+              <a:t>13/10/2020</a:t>
             </a:fld>
             <a:endParaRPr lang="fr-FR"/>
           </a:p>
@@ -902,7 +907,7 @@
           <a:p>
             <a:fld id="{3D7E93A0-1782-4C26-9AF0-7379E6D8C1A8}" type="datetimeFigureOut">
               <a:rPr lang="fr-FR" smtClean="0"/>
-              <a:t>03/10/2020</a:t>
+              <a:t>13/10/2020</a:t>
             </a:fld>
             <a:endParaRPr lang="fr-FR"/>
           </a:p>
@@ -1177,7 +1182,7 @@
           <a:p>
             <a:fld id="{3D7E93A0-1782-4C26-9AF0-7379E6D8C1A8}" type="datetimeFigureOut">
               <a:rPr lang="fr-FR" smtClean="0"/>
-              <a:t>03/10/2020</a:t>
+              <a:t>13/10/2020</a:t>
             </a:fld>
             <a:endParaRPr lang="fr-FR"/>
           </a:p>
@@ -1442,7 +1447,7 @@
           <a:p>
             <a:fld id="{3D7E93A0-1782-4C26-9AF0-7379E6D8C1A8}" type="datetimeFigureOut">
               <a:rPr lang="fr-FR" smtClean="0"/>
-              <a:t>03/10/2020</a:t>
+              <a:t>13/10/2020</a:t>
             </a:fld>
             <a:endParaRPr lang="fr-FR"/>
           </a:p>
@@ -1854,7 +1859,7 @@
           <a:p>
             <a:fld id="{3D7E93A0-1782-4C26-9AF0-7379E6D8C1A8}" type="datetimeFigureOut">
               <a:rPr lang="fr-FR" smtClean="0"/>
-              <a:t>03/10/2020</a:t>
+              <a:t>13/10/2020</a:t>
             </a:fld>
             <a:endParaRPr lang="fr-FR"/>
           </a:p>
@@ -1995,7 +2000,7 @@
           <a:p>
             <a:fld id="{3D7E93A0-1782-4C26-9AF0-7379E6D8C1A8}" type="datetimeFigureOut">
               <a:rPr lang="fr-FR" smtClean="0"/>
-              <a:t>03/10/2020</a:t>
+              <a:t>13/10/2020</a:t>
             </a:fld>
             <a:endParaRPr lang="fr-FR"/>
           </a:p>
@@ -2108,7 +2113,7 @@
           <a:p>
             <a:fld id="{3D7E93A0-1782-4C26-9AF0-7379E6D8C1A8}" type="datetimeFigureOut">
               <a:rPr lang="fr-FR" smtClean="0"/>
-              <a:t>03/10/2020</a:t>
+              <a:t>13/10/2020</a:t>
             </a:fld>
             <a:endParaRPr lang="fr-FR"/>
           </a:p>
@@ -2419,7 +2424,7 @@
           <a:p>
             <a:fld id="{3D7E93A0-1782-4C26-9AF0-7379E6D8C1A8}" type="datetimeFigureOut">
               <a:rPr lang="fr-FR" smtClean="0"/>
-              <a:t>03/10/2020</a:t>
+              <a:t>13/10/2020</a:t>
             </a:fld>
             <a:endParaRPr lang="fr-FR"/>
           </a:p>
@@ -2707,7 +2712,7 @@
           <a:p>
             <a:fld id="{3D7E93A0-1782-4C26-9AF0-7379E6D8C1A8}" type="datetimeFigureOut">
               <a:rPr lang="fr-FR" smtClean="0"/>
-              <a:t>03/10/2020</a:t>
+              <a:t>13/10/2020</a:t>
             </a:fld>
             <a:endParaRPr lang="fr-FR"/>
           </a:p>
@@ -2948,7 +2953,7 @@
           <a:p>
             <a:fld id="{3D7E93A0-1782-4C26-9AF0-7379E6D8C1A8}" type="datetimeFigureOut">
               <a:rPr lang="fr-FR" smtClean="0"/>
-              <a:t>03/10/2020</a:t>
+              <a:t>13/10/2020</a:t>
             </a:fld>
             <a:endParaRPr lang="fr-FR"/>
           </a:p>
@@ -6998,8 +7003,8 @@
         </p:blipFill>
         <p:spPr>
           <a:xfrm>
-            <a:off x="8330334" y="504825"/>
-            <a:ext cx="3105150" cy="2371725"/>
+            <a:off x="8908114" y="5135500"/>
+            <a:ext cx="2392065" cy="1827068"/>
           </a:xfrm>
           <a:prstGeom prst="rect">
             <a:avLst/>
@@ -7029,7 +7034,7 @@
           <a:p>
             <a:r>
               <a:rPr lang="fr-FR" dirty="0"/>
-              <a:t>I/O - </a:t>
+              <a:t>I/O : </a:t>
             </a:r>
             <a:r>
               <a:rPr lang="fr-FR" dirty="0" err="1"/>
@@ -7070,19 +7075,11 @@
           </a:bodyPr>
           <a:lstStyle/>
           <a:p>
-            <a:r>
-              <a:rPr lang="fr-FR" dirty="0"/>
-              <a:t>Même chaîne de format que printf</a:t>
-            </a:r>
-          </a:p>
-          <a:p>
-            <a:endParaRPr lang="fr-FR" dirty="0"/>
-          </a:p>
-          <a:p>
-            <a:pPr>
+            <a:pPr marL="0" indent="0">
               <a:lnSpc>
                 <a:spcPct val="120000"/>
               </a:lnSpc>
+              <a:buNone/>
             </a:pPr>
             <a:r>
               <a:rPr lang="fr-FR" dirty="0"/>
@@ -7109,6 +7106,29 @@
             <a:pPr marL="0" indent="0">
               <a:buNone/>
             </a:pPr>
+            <a:endParaRPr lang="fr-FR" b="0" dirty="0">
+              <a:solidFill>
+                <a:srgbClr val="D73A49"/>
+              </a:solidFill>
+              <a:effectLst/>
+              <a:latin typeface="Consolas" panose="020B0609020204030204" pitchFamily="49" charset="0"/>
+            </a:endParaRPr>
+          </a:p>
+          <a:p>
+            <a:pPr marL="0" indent="0">
+              <a:buNone/>
+            </a:pPr>
+            <a:endParaRPr lang="fr-FR" dirty="0">
+              <a:solidFill>
+                <a:srgbClr val="D73A49"/>
+              </a:solidFill>
+              <a:latin typeface="Consolas" panose="020B0609020204030204" pitchFamily="49" charset="0"/>
+            </a:endParaRPr>
+          </a:p>
+          <a:p>
+            <a:pPr marL="0" indent="0">
+              <a:buNone/>
+            </a:pPr>
             <a:r>
               <a:rPr lang="fr-FR" b="0" dirty="0" err="1">
                 <a:solidFill>
@@ -7120,7 +7140,7 @@
               <a:t>int</a:t>
             </a:r>
             <a:r>
-              <a:rPr lang="fr-FR" b="0" dirty="0">
+              <a:rPr lang="fr-FR" b="0">
                 <a:solidFill>
                   <a:srgbClr val="24292E"/>
                 </a:solidFill>
@@ -7130,147 +7150,33 @@
               <a:t> </a:t>
             </a:r>
             <a:r>
+              <a:rPr lang="fr-FR">
+                <a:solidFill>
+                  <a:srgbClr val="24292E"/>
+                </a:solidFill>
+                <a:latin typeface="Consolas" panose="020B0609020204030204" pitchFamily="49" charset="0"/>
+              </a:rPr>
+              <a:t>a</a:t>
+            </a:r>
+            <a:r>
               <a:rPr lang="fr-FR" dirty="0">
                 <a:solidFill>
                   <a:srgbClr val="24292E"/>
                 </a:solidFill>
                 <a:latin typeface="Consolas" panose="020B0609020204030204" pitchFamily="49" charset="0"/>
               </a:rPr>
-              <a:t>a</a:t>
-            </a:r>
-            <a:r>
-              <a:rPr lang="fr-FR" b="0" dirty="0">
-                <a:solidFill>
-                  <a:srgbClr val="24292E"/>
-                </a:solidFill>
-                <a:effectLst/>
-                <a:latin typeface="Consolas" panose="020B0609020204030204" pitchFamily="49" charset="0"/>
-              </a:rPr>
-              <a:t>, </a:t>
-            </a:r>
-          </a:p>
-          <a:p>
-            <a:pPr marL="0" indent="0">
-              <a:buNone/>
-            </a:pPr>
-            <a:r>
-              <a:rPr lang="fr-FR" sz="2900" dirty="0">
-                <a:solidFill>
-                  <a:srgbClr val="D73A49"/>
-                </a:solidFill>
-                <a:latin typeface="Consolas" panose="020B0609020204030204" pitchFamily="49" charset="0"/>
-              </a:rPr>
-              <a:t>char</a:t>
-            </a:r>
-            <a:r>
-              <a:rPr lang="fr-FR" b="0" dirty="0">
-                <a:solidFill>
-                  <a:srgbClr val="24292E"/>
-                </a:solidFill>
-                <a:effectLst/>
-                <a:latin typeface="Consolas" panose="020B0609020204030204" pitchFamily="49" charset="0"/>
-              </a:rPr>
-              <a:t> b;</a:t>
-            </a:r>
-          </a:p>
-          <a:p>
-            <a:pPr marL="0" indent="0">
-              <a:buNone/>
-            </a:pPr>
-            <a:r>
-              <a:rPr lang="fr-FR" b="0" dirty="0" err="1">
-                <a:solidFill>
-                  <a:srgbClr val="6F42C1"/>
-                </a:solidFill>
-                <a:effectLst/>
-                <a:latin typeface="Consolas" panose="020B0609020204030204" pitchFamily="49" charset="0"/>
-              </a:rPr>
-              <a:t>scanf</a:t>
-            </a:r>
-            <a:r>
-              <a:rPr lang="fr-FR" b="0" dirty="0">
-                <a:solidFill>
-                  <a:srgbClr val="24292E"/>
-                </a:solidFill>
-                <a:effectLst/>
-                <a:latin typeface="Consolas" panose="020B0609020204030204" pitchFamily="49" charset="0"/>
-              </a:rPr>
-              <a:t>(</a:t>
-            </a:r>
-            <a:r>
-              <a:rPr lang="fr-FR" b="0" dirty="0">
-                <a:solidFill>
-                  <a:srgbClr val="032F62"/>
-                </a:solidFill>
-                <a:effectLst/>
-                <a:latin typeface="Consolas" panose="020B0609020204030204" pitchFamily="49" charset="0"/>
-              </a:rPr>
-              <a:t>"</a:t>
-            </a:r>
-            <a:r>
-              <a:rPr lang="fr-FR" b="0" dirty="0">
-                <a:solidFill>
-                  <a:srgbClr val="005CC5"/>
-                </a:solidFill>
-                <a:effectLst/>
-                <a:latin typeface="Consolas" panose="020B0609020204030204" pitchFamily="49" charset="0"/>
-              </a:rPr>
-              <a:t>%d</a:t>
-            </a:r>
-            <a:r>
-              <a:rPr lang="fr-FR" b="0" dirty="0">
-                <a:solidFill>
-                  <a:srgbClr val="032F62"/>
-                </a:solidFill>
-                <a:effectLst/>
-                <a:latin typeface="Consolas" panose="020B0609020204030204" pitchFamily="49" charset="0"/>
-              </a:rPr>
-              <a:t>"</a:t>
-            </a:r>
-            <a:r>
-              <a:rPr lang="fr-FR" b="0" dirty="0">
-                <a:solidFill>
-                  <a:srgbClr val="24292E"/>
-                </a:solidFill>
-                <a:effectLst/>
-                <a:latin typeface="Consolas" panose="020B0609020204030204" pitchFamily="49" charset="0"/>
-              </a:rPr>
-              <a:t>, </a:t>
-            </a:r>
-            <a:r>
-              <a:rPr lang="fr-FR" b="0" dirty="0">
-                <a:solidFill>
-                  <a:srgbClr val="D73A49"/>
-                </a:solidFill>
-                <a:effectLst/>
-                <a:latin typeface="Consolas" panose="020B0609020204030204" pitchFamily="49" charset="0"/>
-              </a:rPr>
-              <a:t>&amp;</a:t>
-            </a:r>
-            <a:r>
-              <a:rPr lang="fr-FR" dirty="0">
-                <a:solidFill>
-                  <a:srgbClr val="24292E"/>
-                </a:solidFill>
-                <a:latin typeface="Consolas" panose="020B0609020204030204" pitchFamily="49" charset="0"/>
-              </a:rPr>
-              <a:t>a</a:t>
-            </a:r>
-            <a:r>
-              <a:rPr lang="fr-FR" b="0" dirty="0">
-                <a:solidFill>
-                  <a:srgbClr val="24292E"/>
-                </a:solidFill>
-                <a:effectLst/>
-                <a:latin typeface="Consolas" panose="020B0609020204030204" pitchFamily="49" charset="0"/>
-              </a:rPr>
-              <a:t>);</a:t>
-            </a:r>
-          </a:p>
-          <a:p>
-            <a:pPr marL="0" indent="0">
-              <a:buNone/>
-            </a:pPr>
+              <a:t>;</a:t>
+            </a:r>
+            <a:r>
+              <a:rPr lang="fr-FR" b="0">
+                <a:solidFill>
+                  <a:srgbClr val="24292E"/>
+                </a:solidFill>
+                <a:effectLst/>
+                <a:latin typeface="Consolas" panose="020B0609020204030204" pitchFamily="49" charset="0"/>
+              </a:rPr>
+              <a:t> </a:t>
+            </a:r>
             <a:endParaRPr lang="fr-FR" b="0" dirty="0">
               <a:solidFill>
                 <a:srgbClr val="24292E"/>
@@ -7284,6 +7190,30 @@
               <a:buNone/>
             </a:pPr>
             <a:r>
+              <a:rPr lang="fr-FR" sz="2900" dirty="0">
+                <a:solidFill>
+                  <a:srgbClr val="D73A49"/>
+                </a:solidFill>
+                <a:latin typeface="Consolas" panose="020B0609020204030204" pitchFamily="49" charset="0"/>
+              </a:rPr>
+              <a:t>char</a:t>
+            </a:r>
+            <a:r>
+              <a:rPr lang="fr-FR" b="0" dirty="0">
+                <a:solidFill>
+                  <a:srgbClr val="24292E"/>
+                </a:solidFill>
+                <a:effectLst/>
+                <a:latin typeface="Consolas" panose="020B0609020204030204" pitchFamily="49" charset="0"/>
+              </a:rPr>
+              <a:t> b;</a:t>
+            </a:r>
+          </a:p>
+          <a:p>
+            <a:pPr marL="0" indent="0">
+              <a:buNone/>
+            </a:pPr>
+            <a:r>
               <a:rPr lang="fr-FR" b="0" dirty="0" err="1">
                 <a:solidFill>
                   <a:srgbClr val="6F42C1"/>
@@ -7321,7 +7251,7 @@
                 <a:effectLst/>
                 <a:latin typeface="Consolas" panose="020B0609020204030204" pitchFamily="49" charset="0"/>
               </a:rPr>
-              <a:t>%c</a:t>
+              <a:t>%d</a:t>
             </a:r>
             <a:r>
               <a:rPr lang="fr-FR" b="0" dirty="0">
@@ -7360,7 +7290,7 @@
                 </a:solidFill>
                 <a:latin typeface="Consolas" panose="020B0609020204030204" pitchFamily="49" charset="0"/>
               </a:rPr>
-              <a:t>b</a:t>
+              <a:t>a</a:t>
             </a:r>
             <a:r>
               <a:rPr lang="fr-FR" b="0" dirty="0">
@@ -7390,13 +7320,119 @@
               <a:buNone/>
             </a:pPr>
             <a:r>
-              <a:rPr lang="fr-FR" b="0" dirty="0">
+              <a:rPr lang="fr-FR" b="0" dirty="0" err="1">
                 <a:solidFill>
                   <a:srgbClr val="6F42C1"/>
                 </a:solidFill>
                 <a:effectLst/>
                 <a:latin typeface="Consolas" panose="020B0609020204030204" pitchFamily="49" charset="0"/>
               </a:rPr>
+              <a:t>scanf</a:t>
+            </a:r>
+            <a:r>
+              <a:rPr lang="fr-FR" b="0" dirty="0">
+                <a:solidFill>
+                  <a:srgbClr val="24292E"/>
+                </a:solidFill>
+                <a:effectLst/>
+                <a:latin typeface="Consolas" panose="020B0609020204030204" pitchFamily="49" charset="0"/>
+              </a:rPr>
+              <a:t>(</a:t>
+            </a:r>
+            <a:r>
+              <a:rPr lang="fr-FR" b="0" dirty="0">
+                <a:solidFill>
+                  <a:srgbClr val="032F62"/>
+                </a:solidFill>
+                <a:effectLst/>
+                <a:latin typeface="Consolas" panose="020B0609020204030204" pitchFamily="49" charset="0"/>
+              </a:rPr>
+              <a:t>"</a:t>
+            </a:r>
+            <a:r>
+              <a:rPr lang="fr-FR" b="0" dirty="0">
+                <a:solidFill>
+                  <a:srgbClr val="005CC5"/>
+                </a:solidFill>
+                <a:effectLst/>
+                <a:latin typeface="Consolas" panose="020B0609020204030204" pitchFamily="49" charset="0"/>
+              </a:rPr>
+              <a:t>%c</a:t>
+            </a:r>
+            <a:r>
+              <a:rPr lang="fr-FR" b="0" dirty="0">
+                <a:solidFill>
+                  <a:srgbClr val="032F62"/>
+                </a:solidFill>
+                <a:effectLst/>
+                <a:latin typeface="Consolas" panose="020B0609020204030204" pitchFamily="49" charset="0"/>
+              </a:rPr>
+              <a:t>"</a:t>
+            </a:r>
+            <a:r>
+              <a:rPr lang="fr-FR" b="0" dirty="0">
+                <a:solidFill>
+                  <a:srgbClr val="24292E"/>
+                </a:solidFill>
+                <a:effectLst/>
+                <a:latin typeface="Consolas" panose="020B0609020204030204" pitchFamily="49" charset="0"/>
+              </a:rPr>
+              <a:t>, </a:t>
+            </a:r>
+            <a:r>
+              <a:rPr lang="fr-FR" b="0" dirty="0">
+                <a:solidFill>
+                  <a:srgbClr val="D73A49"/>
+                </a:solidFill>
+                <a:effectLst/>
+                <a:latin typeface="Consolas" panose="020B0609020204030204" pitchFamily="49" charset="0"/>
+              </a:rPr>
+              <a:t>&amp;</a:t>
+            </a:r>
+            <a:r>
+              <a:rPr lang="fr-FR" dirty="0">
+                <a:solidFill>
+                  <a:srgbClr val="24292E"/>
+                </a:solidFill>
+                <a:latin typeface="Consolas" panose="020B0609020204030204" pitchFamily="49" charset="0"/>
+              </a:rPr>
+              <a:t>b</a:t>
+            </a:r>
+            <a:r>
+              <a:rPr lang="fr-FR" b="0" dirty="0">
+                <a:solidFill>
+                  <a:srgbClr val="24292E"/>
+                </a:solidFill>
+                <a:effectLst/>
+                <a:latin typeface="Consolas" panose="020B0609020204030204" pitchFamily="49" charset="0"/>
+              </a:rPr>
+              <a:t>);</a:t>
+            </a:r>
+          </a:p>
+          <a:p>
+            <a:pPr marL="0" indent="0">
+              <a:buNone/>
+            </a:pPr>
+            <a:endParaRPr lang="fr-FR" b="0" dirty="0">
+              <a:solidFill>
+                <a:srgbClr val="24292E"/>
+              </a:solidFill>
+              <a:effectLst/>
+              <a:latin typeface="Consolas" panose="020B0609020204030204" pitchFamily="49" charset="0"/>
+            </a:endParaRPr>
+          </a:p>
+          <a:p>
+            <a:pPr marL="0" indent="0">
+              <a:buNone/>
+            </a:pPr>
+            <a:r>
+              <a:rPr lang="fr-FR" b="0" dirty="0">
+                <a:solidFill>
+                  <a:srgbClr val="6F42C1"/>
+                </a:solidFill>
+                <a:effectLst/>
+                <a:latin typeface="Consolas" panose="020B0609020204030204" pitchFamily="49" charset="0"/>
+              </a:rPr>
               <a:t>printf</a:t>
             </a:r>
             <a:r>
@@ -7447,7 +7483,7 @@
                 <a:effectLst/>
                 <a:latin typeface="Consolas" panose="020B0609020204030204" pitchFamily="49" charset="0"/>
               </a:rPr>
-              <a:t>, i);</a:t>
+              <a:t>, a);</a:t>
             </a:r>
           </a:p>
           <a:p>
@@ -7492,7 +7528,7 @@
                 <a:effectLst/>
                 <a:latin typeface="Consolas" panose="020B0609020204030204" pitchFamily="49" charset="0"/>
               </a:rPr>
-              <a:t>%d</a:t>
+              <a:t>%c</a:t>
             </a:r>
             <a:r>
               <a:rPr lang="fr-FR" b="0" dirty="0">
@@ -7512,7 +7548,7 @@
                 <a:effectLst/>
                 <a:latin typeface="Consolas" panose="020B0609020204030204" pitchFamily="49" charset="0"/>
               </a:rPr>
-              <a:t>, j);</a:t>
+              <a:t>, b);</a:t>
             </a:r>
             <a:endParaRPr lang="fr-FR" dirty="0"/>
           </a:p>
@@ -7905,13 +7941,7 @@
           <p:cNvGraphicFramePr>
             <a:graphicFrameLocks noGrp="1"/>
           </p:cNvGraphicFramePr>
-          <p:nvPr>
-            <p:extLst>
-              <p:ext uri="{D42A27DB-BD31-4B8C-83A1-F6EECF244321}">
-                <p14:modId xmlns:p14="http://schemas.microsoft.com/office/powerpoint/2010/main" val="3797564718"/>
-              </p:ext>
-            </p:extLst>
-          </p:nvPr>
+          <p:nvPr/>
         </p:nvGraphicFramePr>
         <p:xfrm>
           <a:off x="9087714" y="3684441"/>
@@ -8145,13 +8175,7 @@
           <p:cNvGraphicFramePr>
             <a:graphicFrameLocks noGrp="1"/>
           </p:cNvGraphicFramePr>
-          <p:nvPr>
-            <p:extLst>
-              <p:ext uri="{D42A27DB-BD31-4B8C-83A1-F6EECF244321}">
-                <p14:modId xmlns:p14="http://schemas.microsoft.com/office/powerpoint/2010/main" val="1210172722"/>
-              </p:ext>
-            </p:extLst>
-          </p:nvPr>
+          <p:nvPr/>
         </p:nvGraphicFramePr>
         <p:xfrm>
           <a:off x="6096000" y="4311792"/>
@@ -8350,7 +8374,7 @@
                                         <p:tgtEl>
                                           <p:spTgt spid="3">
                                             <p:txEl>
-                                              <p:pRg st="2" end="2"/>
+                                              <p:pRg st="3" end="3"/>
                                             </p:txEl>
                                           </p:spTgt>
                                         </p:tgtEl>
@@ -8365,109 +8389,6 @@
                                     <p:anim calcmode="lin" valueType="num">
                                       <p:cBhvr additive="base">
                                         <p:cTn id="13" dur="500" fill="hold"/>
-                                        <p:tgtEl>
-                                          <p:spTgt spid="3">
-                                            <p:txEl>
-                                              <p:pRg st="2" end="2"/>
-                                            </p:txEl>
-                                          </p:spTgt>
-                                        </p:tgtEl>
-                                        <p:attrNameLst>
-                                          <p:attrName>ppt_x</p:attrName>
-                                        </p:attrNameLst>
-                                      </p:cBhvr>
-                                      <p:tavLst>
-                                        <p:tav tm="0">
-                                          <p:val>
-                                            <p:strVal val="0-#ppt_w/2"/>
-                                          </p:val>
-                                        </p:tav>
-                                        <p:tav tm="100000">
-                                          <p:val>
-                                            <p:strVal val="#ppt_x"/>
-                                          </p:val>
-                                        </p:tav>
-                                      </p:tavLst>
-                                    </p:anim>
-                                    <p:anim calcmode="lin" valueType="num">
-                                      <p:cBhvr additive="base">
-                                        <p:cTn id="14" dur="500" fill="hold"/>
-                                        <p:tgtEl>
-                                          <p:spTgt spid="3">
-                                            <p:txEl>
-                                              <p:pRg st="2" end="2"/>
-                                            </p:txEl>
-                                          </p:spTgt>
-                                        </p:tgtEl>
-                                        <p:attrNameLst>
-                                          <p:attrName>ppt_y</p:attrName>
-                                        </p:attrNameLst>
-                                      </p:cBhvr>
-                                      <p:tavLst>
-                                        <p:tav tm="0">
-                                          <p:val>
-                                            <p:strVal val="#ppt_y"/>
-                                          </p:val>
-                                        </p:tav>
-                                        <p:tav tm="100000">
-                                          <p:val>
-                                            <p:strVal val="#ppt_y"/>
-                                          </p:val>
-                                        </p:tav>
-                                      </p:tavLst>
-                                    </p:anim>
-                                  </p:childTnLst>
-                                </p:cTn>
-                              </p:par>
-                            </p:childTnLst>
-                          </p:cTn>
-                        </p:par>
-                      </p:childTnLst>
-                    </p:cTn>
-                  </p:par>
-                  <p:par>
-                    <p:cTn id="15" fill="hold">
-                      <p:stCondLst>
-                        <p:cond delay="indefinite"/>
-                      </p:stCondLst>
-                      <p:childTnLst>
-                        <p:par>
-                          <p:cTn id="16" fill="hold">
-                            <p:stCondLst>
-                              <p:cond delay="0"/>
-                            </p:stCondLst>
-                            <p:childTnLst>
-                              <p:par>
-                                <p:cTn id="17" presetID="2" presetClass="entr" presetSubtype="8" fill="hold" grpId="0" nodeType="clickEffect">
-                                  <p:stCondLst>
-                                    <p:cond delay="0"/>
-                                  </p:stCondLst>
-                                  <p:childTnLst>
-                                    <p:set>
-                                      <p:cBhvr>
-                                        <p:cTn id="18" dur="1" fill="hold">
-                                          <p:stCondLst>
-                                            <p:cond delay="0"/>
-                                          </p:stCondLst>
-                                        </p:cTn>
-                                        <p:tgtEl>
-                                          <p:spTgt spid="3">
-                                            <p:txEl>
-                                              <p:pRg st="3" end="3"/>
-                                            </p:txEl>
-                                          </p:spTgt>
-                                        </p:tgtEl>
-                                        <p:attrNameLst>
-                                          <p:attrName>style.visibility</p:attrName>
-                                        </p:attrNameLst>
-                                      </p:cBhvr>
-                                      <p:to>
-                                        <p:strVal val="visible"/>
-                                      </p:to>
-                                    </p:set>
-                                    <p:anim calcmode="lin" valueType="num">
-                                      <p:cBhvr additive="base">
-                                        <p:cTn id="19" dur="500" fill="hold"/>
                                         <p:tgtEl>
                                           <p:spTgt spid="3">
                                             <p:txEl>
@@ -8494,7 +8415,7 @@
                                     </p:anim>
                                     <p:anim calcmode="lin" valueType="num">
                                       <p:cBhvr additive="base">
-                                        <p:cTn id="20" dur="500" fill="hold"/>
+                                        <p:cTn id="14" dur="500" fill="hold"/>
                                         <p:tgtEl>
                                           <p:spTgt spid="3">
                                             <p:txEl>
@@ -8522,33 +8443,15 @@
                                   </p:childTnLst>
                                 </p:cTn>
                               </p:par>
-                            </p:childTnLst>
-                          </p:cTn>
-                        </p:par>
-                      </p:childTnLst>
-                    </p:cTn>
-                  </p:par>
-                  <p:par>
-                    <p:cTn id="21" fill="hold">
-                      <p:stCondLst>
-                        <p:cond delay="indefinite"/>
-                      </p:stCondLst>
-                      <p:childTnLst>
-                        <p:par>
-                          <p:cTn id="22" fill="hold">
-                            <p:stCondLst>
-                              <p:cond delay="0"/>
-                            </p:stCondLst>
-                            <p:childTnLst>
                               <p:par>
-                                <p:cTn id="23" presetID="2" presetClass="entr" presetSubtype="8" fill="hold" grpId="0" nodeType="clickEffect">
+                                <p:cTn id="15" presetID="2" presetClass="entr" presetSubtype="8" fill="hold" grpId="0" nodeType="withEffect">
                                   <p:stCondLst>
                                     <p:cond delay="0"/>
                                   </p:stCondLst>
                                   <p:childTnLst>
                                     <p:set>
                                       <p:cBhvr>
-                                        <p:cTn id="24" dur="1" fill="hold">
+                                        <p:cTn id="16" dur="1" fill="hold">
                                           <p:stCondLst>
                                             <p:cond delay="0"/>
                                           </p:stCondLst>
@@ -8570,7 +8473,7 @@
                                     </p:set>
                                     <p:anim calcmode="lin" valueType="num">
                                       <p:cBhvr additive="base">
-                                        <p:cTn id="25" dur="500" fill="hold"/>
+                                        <p:cTn id="17" dur="500" fill="hold"/>
                                         <p:tgtEl>
                                           <p:spTgt spid="3">
                                             <p:txEl>
@@ -8597,11 +8500,181 @@
                                     </p:anim>
                                     <p:anim calcmode="lin" valueType="num">
                                       <p:cBhvr additive="base">
+                                        <p:cTn id="18" dur="500" fill="hold"/>
+                                        <p:tgtEl>
+                                          <p:spTgt spid="3">
+                                            <p:txEl>
+                                              <p:pRg st="4" end="4"/>
+                                            </p:txEl>
+                                          </p:spTgt>
+                                        </p:tgtEl>
+                                        <p:attrNameLst>
+                                          <p:attrName>ppt_y</p:attrName>
+                                        </p:attrNameLst>
+                                      </p:cBhvr>
+                                      <p:tavLst>
+                                        <p:tav tm="0">
+                                          <p:val>
+                                            <p:strVal val="#ppt_y"/>
+                                          </p:val>
+                                        </p:tav>
+                                        <p:tav tm="100000">
+                                          <p:val>
+                                            <p:strVal val="#ppt_y"/>
+                                          </p:val>
+                                        </p:tav>
+                                      </p:tavLst>
+                                    </p:anim>
+                                  </p:childTnLst>
+                                </p:cTn>
+                              </p:par>
+                              <p:par>
+                                <p:cTn id="19" presetID="2" presetClass="entr" presetSubtype="8" fill="hold" grpId="0" nodeType="withEffect">
+                                  <p:stCondLst>
+                                    <p:cond delay="0"/>
+                                  </p:stCondLst>
+                                  <p:childTnLst>
+                                    <p:set>
+                                      <p:cBhvr>
+                                        <p:cTn id="20" dur="1" fill="hold">
+                                          <p:stCondLst>
+                                            <p:cond delay="0"/>
+                                          </p:stCondLst>
+                                        </p:cTn>
+                                        <p:tgtEl>
+                                          <p:spTgt spid="3">
+                                            <p:txEl>
+                                              <p:pRg st="5" end="5"/>
+                                            </p:txEl>
+                                          </p:spTgt>
+                                        </p:tgtEl>
+                                        <p:attrNameLst>
+                                          <p:attrName>style.visibility</p:attrName>
+                                        </p:attrNameLst>
+                                      </p:cBhvr>
+                                      <p:to>
+                                        <p:strVal val="visible"/>
+                                      </p:to>
+                                    </p:set>
+                                    <p:anim calcmode="lin" valueType="num">
+                                      <p:cBhvr additive="base">
+                                        <p:cTn id="21" dur="500" fill="hold"/>
+                                        <p:tgtEl>
+                                          <p:spTgt spid="3">
+                                            <p:txEl>
+                                              <p:pRg st="5" end="5"/>
+                                            </p:txEl>
+                                          </p:spTgt>
+                                        </p:tgtEl>
+                                        <p:attrNameLst>
+                                          <p:attrName>ppt_x</p:attrName>
+                                        </p:attrNameLst>
+                                      </p:cBhvr>
+                                      <p:tavLst>
+                                        <p:tav tm="0">
+                                          <p:val>
+                                            <p:strVal val="0-#ppt_w/2"/>
+                                          </p:val>
+                                        </p:tav>
+                                        <p:tav tm="100000">
+                                          <p:val>
+                                            <p:strVal val="#ppt_x"/>
+                                          </p:val>
+                                        </p:tav>
+                                      </p:tavLst>
+                                    </p:anim>
+                                    <p:anim calcmode="lin" valueType="num">
+                                      <p:cBhvr additive="base">
+                                        <p:cTn id="22" dur="500" fill="hold"/>
+                                        <p:tgtEl>
+                                          <p:spTgt spid="3">
+                                            <p:txEl>
+                                              <p:pRg st="5" end="5"/>
+                                            </p:txEl>
+                                          </p:spTgt>
+                                        </p:tgtEl>
+                                        <p:attrNameLst>
+                                          <p:attrName>ppt_y</p:attrName>
+                                        </p:attrNameLst>
+                                      </p:cBhvr>
+                                      <p:tavLst>
+                                        <p:tav tm="0">
+                                          <p:val>
+                                            <p:strVal val="#ppt_y"/>
+                                          </p:val>
+                                        </p:tav>
+                                        <p:tav tm="100000">
+                                          <p:val>
+                                            <p:strVal val="#ppt_y"/>
+                                          </p:val>
+                                        </p:tav>
+                                      </p:tavLst>
+                                    </p:anim>
+                                  </p:childTnLst>
+                                </p:cTn>
+                              </p:par>
+                              <p:par>
+                                <p:cTn id="23" presetID="2" presetClass="entr" presetSubtype="8" fill="hold" grpId="0" nodeType="withEffect">
+                                  <p:stCondLst>
+                                    <p:cond delay="0"/>
+                                  </p:stCondLst>
+                                  <p:childTnLst>
+                                    <p:set>
+                                      <p:cBhvr>
+                                        <p:cTn id="24" dur="1" fill="hold">
+                                          <p:stCondLst>
+                                            <p:cond delay="0"/>
+                                          </p:stCondLst>
+                                        </p:cTn>
+                                        <p:tgtEl>
+                                          <p:spTgt spid="3">
+                                            <p:txEl>
+                                              <p:pRg st="7" end="7"/>
+                                            </p:txEl>
+                                          </p:spTgt>
+                                        </p:tgtEl>
+                                        <p:attrNameLst>
+                                          <p:attrName>style.visibility</p:attrName>
+                                        </p:attrNameLst>
+                                      </p:cBhvr>
+                                      <p:to>
+                                        <p:strVal val="visible"/>
+                                      </p:to>
+                                    </p:set>
+                                    <p:anim calcmode="lin" valueType="num">
+                                      <p:cBhvr additive="base">
+                                        <p:cTn id="25" dur="500" fill="hold"/>
+                                        <p:tgtEl>
+                                          <p:spTgt spid="3">
+                                            <p:txEl>
+                                              <p:pRg st="7" end="7"/>
+                                            </p:txEl>
+                                          </p:spTgt>
+                                        </p:tgtEl>
+                                        <p:attrNameLst>
+                                          <p:attrName>ppt_x</p:attrName>
+                                        </p:attrNameLst>
+                                      </p:cBhvr>
+                                      <p:tavLst>
+                                        <p:tav tm="0">
+                                          <p:val>
+                                            <p:strVal val="0-#ppt_w/2"/>
+                                          </p:val>
+                                        </p:tav>
+                                        <p:tav tm="100000">
+                                          <p:val>
+                                            <p:strVal val="#ppt_x"/>
+                                          </p:val>
+                                        </p:tav>
+                                      </p:tavLst>
+                                    </p:anim>
+                                    <p:anim calcmode="lin" valueType="num">
+                                      <p:cBhvr additive="base">
                                         <p:cTn id="26" dur="500" fill="hold"/>
                                         <p:tgtEl>
                                           <p:spTgt spid="3">
                                             <p:txEl>
-                                              <p:pRg st="4" end="4"/>
+                                              <p:pRg st="7" end="7"/>
                                             </p:txEl>
                                           </p:spTgt>
                                         </p:tgtEl>
@@ -8641,7 +8714,7 @@
                                         <p:tgtEl>
                                           <p:spTgt spid="3">
                                             <p:txEl>
-                                              <p:pRg st="5" end="5"/>
+                                              <p:pRg st="9" end="9"/>
                                             </p:txEl>
                                           </p:spTgt>
                                         </p:tgtEl>
@@ -8659,7 +8732,7 @@
                                         <p:tgtEl>
                                           <p:spTgt spid="3">
                                             <p:txEl>
-                                              <p:pRg st="5" end="5"/>
+                                              <p:pRg st="9" end="9"/>
                                             </p:txEl>
                                           </p:spTgt>
                                         </p:tgtEl>
@@ -8686,7 +8759,7 @@
                                         <p:tgtEl>
                                           <p:spTgt spid="3">
                                             <p:txEl>
-                                              <p:pRg st="5" end="5"/>
+                                              <p:pRg st="9" end="9"/>
                                             </p:txEl>
                                           </p:spTgt>
                                         </p:tgtEl>
@@ -8726,7 +8799,7 @@
                                         <p:tgtEl>
                                           <p:spTgt spid="3">
                                             <p:txEl>
-                                              <p:pRg st="7" end="7"/>
+                                              <p:pRg st="10" end="10"/>
                                             </p:txEl>
                                           </p:spTgt>
                                         </p:tgtEl>
@@ -8744,7 +8817,7 @@
                                         <p:tgtEl>
                                           <p:spTgt spid="3">
                                             <p:txEl>
-                                              <p:pRg st="7" end="7"/>
+                                              <p:pRg st="10" end="10"/>
                                             </p:txEl>
                                           </p:spTgt>
                                         </p:tgtEl>
@@ -8771,7 +8844,7 @@
                                         <p:tgtEl>
                                           <p:spTgt spid="3">
                                             <p:txEl>
-                                              <p:pRg st="7" end="7"/>
+                                              <p:pRg st="10" end="10"/>
                                             </p:txEl>
                                           </p:spTgt>
                                         </p:tgtEl>
@@ -8795,23 +8868,41 @@
                                   </p:childTnLst>
                                 </p:cTn>
                               </p:par>
+                            </p:childTnLst>
+                          </p:cTn>
+                        </p:par>
+                      </p:childTnLst>
+                    </p:cTn>
+                  </p:par>
+                  <p:par>
+                    <p:cTn id="35" fill="hold">
+                      <p:stCondLst>
+                        <p:cond delay="indefinite"/>
+                      </p:stCondLst>
+                      <p:childTnLst>
+                        <p:par>
+                          <p:cTn id="36" fill="hold">
+                            <p:stCondLst>
+                              <p:cond delay="0"/>
+                            </p:stCondLst>
+                            <p:childTnLst>
                               <p:par>
-                                <p:cTn id="35" presetID="2" presetClass="entr" presetSubtype="8" fill="hold" grpId="0" nodeType="withEffect">
+                                <p:cTn id="37" presetID="2" presetClass="entr" presetSubtype="4" fill="hold" nodeType="clickEffect">
                                   <p:stCondLst>
                                     <p:cond delay="0"/>
                                   </p:stCondLst>
                                   <p:childTnLst>
                                     <p:set>
                                       <p:cBhvr>
-                                        <p:cTn id="36" dur="1" fill="hold">
+                                        <p:cTn id="38" dur="1" fill="hold">
                                           <p:stCondLst>
                                             <p:cond delay="0"/>
                                           </p:stCondLst>
                                         </p:cTn>
                                         <p:tgtEl>
-                                          <p:spTgt spid="3">
+                                          <p:spTgt spid="7">
                                             <p:txEl>
-                                              <p:pRg st="9" end="9"/>
+                                              <p:pRg st="0" end="0"/>
                                             </p:txEl>
                                           </p:spTgt>
                                         </p:tgtEl>
@@ -8825,11 +8916,11 @@
                                     </p:set>
                                     <p:anim calcmode="lin" valueType="num">
                                       <p:cBhvr additive="base">
-                                        <p:cTn id="37" dur="500" fill="hold"/>
+                                        <p:cTn id="39" dur="500" fill="hold"/>
                                         <p:tgtEl>
-                                          <p:spTgt spid="3">
+                                          <p:spTgt spid="7">
                                             <p:txEl>
-                                              <p:pRg st="9" end="9"/>
+                                              <p:pRg st="0" end="0"/>
                                             </p:txEl>
                                           </p:spTgt>
                                         </p:tgtEl>
@@ -8840,7 +8931,7 @@
                                       <p:tavLst>
                                         <p:tav tm="0">
                                           <p:val>
-                                            <p:strVal val="0-#ppt_w/2"/>
+                                            <p:strVal val="#ppt_x"/>
                                           </p:val>
                                         </p:tav>
                                         <p:tav tm="100000">
@@ -8852,11 +8943,11 @@
                                     </p:anim>
                                     <p:anim calcmode="lin" valueType="num">
                                       <p:cBhvr additive="base">
-                                        <p:cTn id="38" dur="500" fill="hold"/>
+                                        <p:cTn id="40" dur="500" fill="hold"/>
                                         <p:tgtEl>
-                                          <p:spTgt spid="3">
+                                          <p:spTgt spid="7">
                                             <p:txEl>
-                                              <p:pRg st="9" end="9"/>
+                                              <p:pRg st="0" end="0"/>
                                             </p:txEl>
                                           </p:spTgt>
                                         </p:tgtEl>
@@ -8867,7 +8958,7 @@
                                       <p:tavLst>
                                         <p:tav tm="0">
                                           <p:val>
-                                            <p:strVal val="#ppt_y"/>
+                                            <p:strVal val="1+#ppt_h/2"/>
                                           </p:val>
                                         </p:tav>
                                         <p:tav tm="100000">
@@ -8881,24 +8972,20 @@
                                 </p:cTn>
                               </p:par>
                               <p:par>
-                                <p:cTn id="39" presetID="2" presetClass="entr" presetSubtype="8" fill="hold" grpId="0" nodeType="withEffect">
+                                <p:cTn id="41" presetID="1" presetClass="entr" presetSubtype="0" fill="hold" nodeType="withEffect">
                                   <p:stCondLst>
                                     <p:cond delay="0"/>
                                   </p:stCondLst>
                                   <p:childTnLst>
                                     <p:set>
                                       <p:cBhvr>
-                                        <p:cTn id="40" dur="1" fill="hold">
+                                        <p:cTn id="42" dur="1" fill="hold">
                                           <p:stCondLst>
                                             <p:cond delay="0"/>
                                           </p:stCondLst>
                                         </p:cTn>
                                         <p:tgtEl>
-                                          <p:spTgt spid="3">
-                                            <p:txEl>
-                                              <p:pRg st="10" end="10"/>
-                                            </p:txEl>
-                                          </p:spTgt>
+                                          <p:spTgt spid="4"/>
                                         </p:tgtEl>
                                         <p:attrNameLst>
                                           <p:attrName>style.visibility</p:attrName>
@@ -8908,60 +8995,6 @@
                                         <p:strVal val="visible"/>
                                       </p:to>
                                     </p:set>
-                                    <p:anim calcmode="lin" valueType="num">
-                                      <p:cBhvr additive="base">
-                                        <p:cTn id="41" dur="500" fill="hold"/>
-                                        <p:tgtEl>
-                                          <p:spTgt spid="3">
-                                            <p:txEl>
-                                              <p:pRg st="10" end="10"/>
-                                            </p:txEl>
-                                          </p:spTgt>
-                                        </p:tgtEl>
-                                        <p:attrNameLst>
-                                          <p:attrName>ppt_x</p:attrName>
-                                        </p:attrNameLst>
-                                      </p:cBhvr>
-                                      <p:tavLst>
-                                        <p:tav tm="0">
-                                          <p:val>
-                                            <p:strVal val="0-#ppt_w/2"/>
-                                          </p:val>
-                                        </p:tav>
-                                        <p:tav tm="100000">
-                                          <p:val>
-                                            <p:strVal val="#ppt_x"/>
-                                          </p:val>
-                                        </p:tav>
-                                      </p:tavLst>
-                                    </p:anim>
-                                    <p:anim calcmode="lin" valueType="num">
-                                      <p:cBhvr additive="base">
-                                        <p:cTn id="42" dur="500" fill="hold"/>
-                                        <p:tgtEl>
-                                          <p:spTgt spid="3">
-                                            <p:txEl>
-                                              <p:pRg st="10" end="10"/>
-                                            </p:txEl>
-                                          </p:spTgt>
-                                        </p:tgtEl>
-                                        <p:attrNameLst>
-                                          <p:attrName>ppt_y</p:attrName>
-                                        </p:attrNameLst>
-                                      </p:cBhvr>
-                                      <p:tavLst>
-                                        <p:tav tm="0">
-                                          <p:val>
-                                            <p:strVal val="#ppt_y"/>
-                                          </p:val>
-                                        </p:tav>
-                                        <p:tav tm="100000">
-                                          <p:val>
-                                            <p:strVal val="#ppt_y"/>
-                                          </p:val>
-                                        </p:tav>
-                                      </p:tavLst>
-                                    </p:anim>
                                   </p:childTnLst>
                                 </p:cTn>
                               </p:par>
@@ -8999,7 +9032,7 @@
                                         <p:tgtEl>
                                           <p:spTgt spid="7">
                                             <p:txEl>
-                                              <p:pRg st="0" end="0"/>
+                                              <p:pRg st="2" end="2"/>
                                             </p:txEl>
                                           </p:spTgt>
                                         </p:tgtEl>
@@ -9014,109 +9047,6 @@
                                     <p:anim calcmode="lin" valueType="num">
                                       <p:cBhvr additive="base">
                                         <p:cTn id="47" dur="500" fill="hold"/>
-                                        <p:tgtEl>
-                                          <p:spTgt spid="7">
-                                            <p:txEl>
-                                              <p:pRg st="0" end="0"/>
-                                            </p:txEl>
-                                          </p:spTgt>
-                                        </p:tgtEl>
-                                        <p:attrNameLst>
-                                          <p:attrName>ppt_x</p:attrName>
-                                        </p:attrNameLst>
-                                      </p:cBhvr>
-                                      <p:tavLst>
-                                        <p:tav tm="0">
-                                          <p:val>
-                                            <p:strVal val="#ppt_x"/>
-                                          </p:val>
-                                        </p:tav>
-                                        <p:tav tm="100000">
-                                          <p:val>
-                                            <p:strVal val="#ppt_x"/>
-                                          </p:val>
-                                        </p:tav>
-                                      </p:tavLst>
-                                    </p:anim>
-                                    <p:anim calcmode="lin" valueType="num">
-                                      <p:cBhvr additive="base">
-                                        <p:cTn id="48" dur="500" fill="hold"/>
-                                        <p:tgtEl>
-                                          <p:spTgt spid="7">
-                                            <p:txEl>
-                                              <p:pRg st="0" end="0"/>
-                                            </p:txEl>
-                                          </p:spTgt>
-                                        </p:tgtEl>
-                                        <p:attrNameLst>
-                                          <p:attrName>ppt_y</p:attrName>
-                                        </p:attrNameLst>
-                                      </p:cBhvr>
-                                      <p:tavLst>
-                                        <p:tav tm="0">
-                                          <p:val>
-                                            <p:strVal val="1+#ppt_h/2"/>
-                                          </p:val>
-                                        </p:tav>
-                                        <p:tav tm="100000">
-                                          <p:val>
-                                            <p:strVal val="#ppt_y"/>
-                                          </p:val>
-                                        </p:tav>
-                                      </p:tavLst>
-                                    </p:anim>
-                                  </p:childTnLst>
-                                </p:cTn>
-                              </p:par>
-                            </p:childTnLst>
-                          </p:cTn>
-                        </p:par>
-                      </p:childTnLst>
-                    </p:cTn>
-                  </p:par>
-                  <p:par>
-                    <p:cTn id="49" fill="hold">
-                      <p:stCondLst>
-                        <p:cond delay="indefinite"/>
-                      </p:stCondLst>
-                      <p:childTnLst>
-                        <p:par>
-                          <p:cTn id="50" fill="hold">
-                            <p:stCondLst>
-                              <p:cond delay="0"/>
-                            </p:stCondLst>
-                            <p:childTnLst>
-                              <p:par>
-                                <p:cTn id="51" presetID="2" presetClass="entr" presetSubtype="4" fill="hold" nodeType="clickEffect">
-                                  <p:stCondLst>
-                                    <p:cond delay="0"/>
-                                  </p:stCondLst>
-                                  <p:childTnLst>
-                                    <p:set>
-                                      <p:cBhvr>
-                                        <p:cTn id="52" dur="1" fill="hold">
-                                          <p:stCondLst>
-                                            <p:cond delay="0"/>
-                                          </p:stCondLst>
-                                        </p:cTn>
-                                        <p:tgtEl>
-                                          <p:spTgt spid="7">
-                                            <p:txEl>
-                                              <p:pRg st="2" end="2"/>
-                                            </p:txEl>
-                                          </p:spTgt>
-                                        </p:tgtEl>
-                                        <p:attrNameLst>
-                                          <p:attrName>style.visibility</p:attrName>
-                                        </p:attrNameLst>
-                                      </p:cBhvr>
-                                      <p:to>
-                                        <p:strVal val="visible"/>
-                                      </p:to>
-                                    </p:set>
-                                    <p:anim calcmode="lin" valueType="num">
-                                      <p:cBhvr additive="base">
-                                        <p:cTn id="53" dur="500" fill="hold"/>
                                         <p:tgtEl>
                                           <p:spTgt spid="7">
                                             <p:txEl>
@@ -9143,7 +9073,7 @@
                                     </p:anim>
                                     <p:anim calcmode="lin" valueType="num">
                                       <p:cBhvr additive="base">
-                                        <p:cTn id="54" dur="500" fill="hold"/>
+                                        <p:cTn id="48" dur="500" fill="hold"/>
                                         <p:tgtEl>
                                           <p:spTgt spid="7">
                                             <p:txEl>
@@ -9171,33 +9101,69 @@
                                   </p:childTnLst>
                                 </p:cTn>
                               </p:par>
-                            </p:childTnLst>
-                          </p:cTn>
-                        </p:par>
-                      </p:childTnLst>
-                    </p:cTn>
-                  </p:par>
-                  <p:par>
-                    <p:cTn id="55" fill="hold">
-                      <p:stCondLst>
-                        <p:cond delay="indefinite"/>
-                      </p:stCondLst>
-                      <p:childTnLst>
-                        <p:par>
-                          <p:cTn id="56" fill="hold">
-                            <p:stCondLst>
-                              <p:cond delay="0"/>
-                            </p:stCondLst>
-                            <p:childTnLst>
                               <p:par>
-                                <p:cTn id="57" presetID="2" presetClass="entr" presetSubtype="4" fill="hold" nodeType="clickEffect">
+                                <p:cTn id="49" presetID="1" presetClass="entr" presetSubtype="0" fill="hold" grpId="0" nodeType="withEffect">
                                   <p:stCondLst>
                                     <p:cond delay="0"/>
                                   </p:stCondLst>
                                   <p:childTnLst>
                                     <p:set>
                                       <p:cBhvr>
-                                        <p:cTn id="58" dur="1" fill="hold">
+                                        <p:cTn id="50" dur="1" fill="hold">
+                                          <p:stCondLst>
+                                            <p:cond delay="0"/>
+                                          </p:stCondLst>
+                                        </p:cTn>
+                                        <p:tgtEl>
+                                          <p:spTgt spid="6"/>
+                                        </p:tgtEl>
+                                        <p:attrNameLst>
+                                          <p:attrName>style.visibility</p:attrName>
+                                        </p:attrNameLst>
+                                      </p:cBhvr>
+                                      <p:to>
+                                        <p:strVal val="visible"/>
+                                      </p:to>
+                                    </p:set>
+                                  </p:childTnLst>
+                                </p:cTn>
+                              </p:par>
+                              <p:par>
+                                <p:cTn id="51" presetID="1" presetClass="entr" presetSubtype="0" fill="hold" nodeType="withEffect">
+                                  <p:stCondLst>
+                                    <p:cond delay="0"/>
+                                  </p:stCondLst>
+                                  <p:childTnLst>
+                                    <p:set>
+                                      <p:cBhvr>
+                                        <p:cTn id="52" dur="1" fill="hold">
+                                          <p:stCondLst>
+                                            <p:cond delay="0"/>
+                                          </p:stCondLst>
+                                        </p:cTn>
+                                        <p:tgtEl>
+                                          <p:spTgt spid="9"/>
+                                        </p:tgtEl>
+                                        <p:attrNameLst>
+                                          <p:attrName>style.visibility</p:attrName>
+                                        </p:attrNameLst>
+                                      </p:cBhvr>
+                                      <p:to>
+                                        <p:strVal val="visible"/>
+                                      </p:to>
+                                    </p:set>
+                                  </p:childTnLst>
+                                </p:cTn>
+                              </p:par>
+                              <p:par>
+                                <p:cTn id="53" presetID="2" presetClass="entr" presetSubtype="4" fill="hold" nodeType="withEffect">
+                                  <p:stCondLst>
+                                    <p:cond delay="0"/>
+                                  </p:stCondLst>
+                                  <p:childTnLst>
+                                    <p:set>
+                                      <p:cBhvr>
+                                        <p:cTn id="54" dur="1" fill="hold">
                                           <p:stCondLst>
                                             <p:cond delay="0"/>
                                           </p:stCondLst>
@@ -9219,7 +9185,7 @@
                                     </p:set>
                                     <p:anim calcmode="lin" valueType="num">
                                       <p:cBhvr additive="base">
-                                        <p:cTn id="59" dur="500" fill="hold"/>
+                                        <p:cTn id="55" dur="500" fill="hold"/>
                                         <p:tgtEl>
                                           <p:spTgt spid="7">
                                             <p:txEl>
@@ -9246,7 +9212,7 @@
                                     </p:anim>
                                     <p:anim calcmode="lin" valueType="num">
                                       <p:cBhvr additive="base">
-                                        <p:cTn id="60" dur="500" fill="hold"/>
+                                        <p:cTn id="56" dur="500" fill="hold"/>
                                         <p:tgtEl>
                                           <p:spTgt spid="7">
                                             <p:txEl>
@@ -9281,26 +9247,26 @@
                     </p:cTn>
                   </p:par>
                   <p:par>
-                    <p:cTn id="61" fill="hold">
+                    <p:cTn id="57" fill="hold">
                       <p:stCondLst>
                         <p:cond delay="indefinite"/>
                       </p:stCondLst>
                       <p:childTnLst>
                         <p:par>
-                          <p:cTn id="62" fill="hold">
+                          <p:cTn id="58" fill="hold">
                             <p:stCondLst>
                               <p:cond delay="0"/>
                             </p:stCondLst>
                             <p:childTnLst>
                               <p:par>
-                                <p:cTn id="63" presetID="2" presetClass="entr" presetSubtype="4" fill="hold" nodeType="clickEffect">
+                                <p:cTn id="59" presetID="2" presetClass="entr" presetSubtype="4" fill="hold" nodeType="clickEffect">
                                   <p:stCondLst>
                                     <p:cond delay="0"/>
                                   </p:stCondLst>
                                   <p:childTnLst>
                                     <p:set>
                                       <p:cBhvr>
-                                        <p:cTn id="64" dur="1" fill="hold">
+                                        <p:cTn id="60" dur="1" fill="hold">
                                           <p:stCondLst>
                                             <p:cond delay="0"/>
                                           </p:stCondLst>
@@ -9322,7 +9288,7 @@
                                     </p:set>
                                     <p:anim calcmode="lin" valueType="num">
                                       <p:cBhvr additive="base">
-                                        <p:cTn id="65" dur="500" fill="hold"/>
+                                        <p:cTn id="61" dur="500" fill="hold"/>
                                         <p:tgtEl>
                                           <p:spTgt spid="7">
                                             <p:txEl>
@@ -9349,7 +9315,7 @@
                                     </p:anim>
                                     <p:anim calcmode="lin" valueType="num">
                                       <p:cBhvr additive="base">
-                                        <p:cTn id="66" dur="500" fill="hold"/>
+                                        <p:cTn id="62" dur="500" fill="hold"/>
                                         <p:tgtEl>
                                           <p:spTgt spid="7">
                                             <p:txEl>
@@ -9378,14 +9344,14 @@
                                 </p:cTn>
                               </p:par>
                               <p:par>
-                                <p:cTn id="67" presetID="2" presetClass="entr" presetSubtype="4" fill="hold" nodeType="withEffect">
+                                <p:cTn id="63" presetID="2" presetClass="entr" presetSubtype="4" fill="hold" nodeType="withEffect">
                                   <p:stCondLst>
                                     <p:cond delay="0"/>
                                   </p:stCondLst>
                                   <p:childTnLst>
                                     <p:set>
                                       <p:cBhvr>
-                                        <p:cTn id="68" dur="1" fill="hold">
+                                        <p:cTn id="64" dur="1" fill="hold">
                                           <p:stCondLst>
                                             <p:cond delay="0"/>
                                           </p:stCondLst>
@@ -9407,7 +9373,7 @@
                                     </p:set>
                                     <p:anim calcmode="lin" valueType="num">
                                       <p:cBhvr additive="base">
-                                        <p:cTn id="69" dur="500" fill="hold"/>
+                                        <p:cTn id="65" dur="500" fill="hold"/>
                                         <p:tgtEl>
                                           <p:spTgt spid="7">
                                             <p:txEl>
@@ -9434,7 +9400,7 @@
                                     </p:anim>
                                     <p:anim calcmode="lin" valueType="num">
                                       <p:cBhvr additive="base">
-                                        <p:cTn id="70" dur="500" fill="hold"/>
+                                        <p:cTn id="66" dur="500" fill="hold"/>
                                         <p:tgtEl>
                                           <p:spTgt spid="7">
                                             <p:txEl>
@@ -9463,14 +9429,14 @@
                                 </p:cTn>
                               </p:par>
                               <p:par>
-                                <p:cTn id="71" presetID="2" presetClass="entr" presetSubtype="2" fill="hold" nodeType="withEffect">
+                                <p:cTn id="67" presetID="2" presetClass="entr" presetSubtype="2" fill="hold" nodeType="withEffect">
                                   <p:stCondLst>
                                     <p:cond delay="0"/>
                                   </p:stCondLst>
                                   <p:childTnLst>
                                     <p:set>
                                       <p:cBhvr>
-                                        <p:cTn id="72" dur="1" fill="hold">
+                                        <p:cTn id="68" dur="1" fill="hold">
                                           <p:stCondLst>
                                             <p:cond delay="0"/>
                                           </p:stCondLst>
@@ -9488,7 +9454,7 @@
                                     </p:set>
                                     <p:anim calcmode="lin" valueType="num">
                                       <p:cBhvr additive="base">
-                                        <p:cTn id="73" dur="500" fill="hold"/>
+                                        <p:cTn id="69" dur="500" fill="hold"/>
                                         <p:tgtEl>
                                           <p:spTgt spid="5"/>
                                         </p:tgtEl>
@@ -9511,7 +9477,7 @@
                                     </p:anim>
                                     <p:anim calcmode="lin" valueType="num">
                                       <p:cBhvr additive="base">
-                                        <p:cTn id="74" dur="500" fill="hold"/>
+                                        <p:cTn id="70" dur="500" fill="hold"/>
                                         <p:tgtEl>
                                           <p:spTgt spid="5"/>
                                         </p:tgtEl>
@@ -9542,26 +9508,26 @@
                     </p:cTn>
                   </p:par>
                   <p:par>
-                    <p:cTn id="75" fill="hold">
+                    <p:cTn id="71" fill="hold">
                       <p:stCondLst>
                         <p:cond delay="indefinite"/>
                       </p:stCondLst>
                       <p:childTnLst>
                         <p:par>
-                          <p:cTn id="76" fill="hold">
+                          <p:cTn id="72" fill="hold">
                             <p:stCondLst>
                               <p:cond delay="0"/>
                             </p:stCondLst>
                             <p:childTnLst>
                               <p:par>
-                                <p:cTn id="77" presetID="2" presetClass="entr" presetSubtype="8" fill="hold" grpId="0" nodeType="clickEffect">
+                                <p:cTn id="73" presetID="2" presetClass="entr" presetSubtype="8" fill="hold" grpId="0" nodeType="clickEffect">
                                   <p:stCondLst>
                                     <p:cond delay="0"/>
                                   </p:stCondLst>
                                   <p:childTnLst>
                                     <p:set>
                                       <p:cBhvr>
-                                        <p:cTn id="78" dur="1" fill="hold">
+                                        <p:cTn id="74" dur="1" fill="hold">
                                           <p:stCondLst>
                                             <p:cond delay="0"/>
                                           </p:stCondLst>
@@ -9583,7 +9549,7 @@
                                     </p:set>
                                     <p:anim calcmode="lin" valueType="num">
                                       <p:cBhvr additive="base">
-                                        <p:cTn id="79" dur="500" fill="hold"/>
+                                        <p:cTn id="75" dur="500" fill="hold"/>
                                         <p:tgtEl>
                                           <p:spTgt spid="3">
                                             <p:txEl>
@@ -9610,7 +9576,7 @@
                                     </p:anim>
                                     <p:anim calcmode="lin" valueType="num">
                                       <p:cBhvr additive="base">
-                                        <p:cTn id="80" dur="500" fill="hold"/>
+                                        <p:cTn id="76" dur="500" fill="hold"/>
                                         <p:tgtEl>
                                           <p:spTgt spid="3">
                                             <p:txEl>
@@ -9667,6 +9633,7 @@
     </p:tnLst>
     <p:bldLst>
       <p:bldP spid="3" grpId="0" uiExpand="1" build="p"/>
+      <p:bldP spid="6" grpId="0" animBg="1"/>
     </p:bldLst>
   </p:timing>
 </p:sld>
@@ -22422,6 +22389,2051 @@
           <p:cNvPr id="2" name="Titre 1">
             <a:extLst>
               <a:ext uri="{FF2B5EF4-FFF2-40B4-BE49-F238E27FC236}">
+                <a16:creationId xmlns:a16="http://schemas.microsoft.com/office/drawing/2014/main" id="{CD2268FD-97CD-45B1-9A7F-9E321650EE43}"/>
+              </a:ext>
+            </a:extLst>
+          </p:cNvPr>
+          <p:cNvSpPr>
+            <a:spLocks noGrp="1"/>
+          </p:cNvSpPr>
+          <p:nvPr>
+            <p:ph type="title"/>
+          </p:nvPr>
+        </p:nvSpPr>
+        <p:spPr/>
+        <p:txBody>
+          <a:bodyPr/>
+          <a:lstStyle/>
+          <a:p>
+            <a:r>
+              <a:rPr lang="fr-FR" dirty="0"/>
+              <a:t>break;</a:t>
+            </a:r>
+          </a:p>
+        </p:txBody>
+      </p:sp>
+      <p:sp>
+        <p:nvSpPr>
+          <p:cNvPr id="3" name="Espace réservé du contenu 2">
+            <a:extLst>
+              <a:ext uri="{FF2B5EF4-FFF2-40B4-BE49-F238E27FC236}">
+                <a16:creationId xmlns:a16="http://schemas.microsoft.com/office/drawing/2014/main" id="{7D29D507-5F58-43FE-8FBD-8A2F95361FB5}"/>
+              </a:ext>
+            </a:extLst>
+          </p:cNvPr>
+          <p:cNvSpPr>
+            <a:spLocks noGrp="1"/>
+          </p:cNvSpPr>
+          <p:nvPr>
+            <p:ph idx="1"/>
+          </p:nvPr>
+        </p:nvSpPr>
+        <p:spPr>
+          <a:xfrm>
+            <a:off x="838200" y="1825625"/>
+            <a:ext cx="10515600" cy="4667250"/>
+          </a:xfrm>
+        </p:spPr>
+        <p:txBody>
+          <a:bodyPr>
+            <a:normAutofit fontScale="92500" lnSpcReduction="10000"/>
+          </a:bodyPr>
+          <a:lstStyle/>
+          <a:p>
+            <a:pPr marL="0" indent="0">
+              <a:buNone/>
+            </a:pPr>
+            <a:r>
+              <a:rPr lang="fr-FR" dirty="0"/>
+              <a:t>permet d'interrompre le déroulement de la boucle immédiatement supérieure en passant immédiatement à l'instruction qui suit cette boucle.</a:t>
+            </a:r>
+          </a:p>
+          <a:p>
+            <a:pPr marL="0" indent="0">
+              <a:buNone/>
+            </a:pPr>
+            <a:endParaRPr lang="fr-FR" dirty="0"/>
+          </a:p>
+          <a:p>
+            <a:pPr marL="0" indent="0">
+              <a:buNone/>
+            </a:pPr>
+            <a:r>
+              <a:rPr lang="fr-FR" sz="2600" b="0" dirty="0" err="1">
+                <a:solidFill>
+                  <a:srgbClr val="D73A49"/>
+                </a:solidFill>
+                <a:effectLst/>
+                <a:latin typeface="Consolas" panose="020B0609020204030204" pitchFamily="49" charset="0"/>
+              </a:rPr>
+              <a:t>int</a:t>
+            </a:r>
+            <a:r>
+              <a:rPr lang="fr-FR" sz="2600" b="0" dirty="0">
+                <a:solidFill>
+                  <a:srgbClr val="24292E"/>
+                </a:solidFill>
+                <a:effectLst/>
+                <a:latin typeface="Consolas" panose="020B0609020204030204" pitchFamily="49" charset="0"/>
+              </a:rPr>
+              <a:t> saisie;</a:t>
+            </a:r>
+          </a:p>
+          <a:p>
+            <a:pPr marL="0" indent="0">
+              <a:buNone/>
+            </a:pPr>
+            <a:r>
+              <a:rPr lang="fr-FR" sz="2600" b="0" dirty="0" err="1">
+                <a:solidFill>
+                  <a:srgbClr val="D73A49"/>
+                </a:solidFill>
+                <a:effectLst/>
+                <a:latin typeface="Consolas" panose="020B0609020204030204" pitchFamily="49" charset="0"/>
+              </a:rPr>
+              <a:t>while</a:t>
+            </a:r>
+            <a:r>
+              <a:rPr lang="fr-FR" sz="2600" b="0" dirty="0">
+                <a:solidFill>
+                  <a:srgbClr val="24292E"/>
+                </a:solidFill>
+                <a:effectLst/>
+                <a:latin typeface="Consolas" panose="020B0609020204030204" pitchFamily="49" charset="0"/>
+              </a:rPr>
+              <a:t> (</a:t>
+            </a:r>
+            <a:r>
+              <a:rPr lang="fr-FR" sz="2600" b="0" dirty="0">
+                <a:solidFill>
+                  <a:srgbClr val="005CC5"/>
+                </a:solidFill>
+                <a:effectLst/>
+                <a:latin typeface="Consolas" panose="020B0609020204030204" pitchFamily="49" charset="0"/>
+              </a:rPr>
+              <a:t>1</a:t>
+            </a:r>
+            <a:r>
+              <a:rPr lang="fr-FR" sz="2600" b="0" dirty="0">
+                <a:solidFill>
+                  <a:srgbClr val="24292E"/>
+                </a:solidFill>
+                <a:effectLst/>
+                <a:latin typeface="Consolas" panose="020B0609020204030204" pitchFamily="49" charset="0"/>
+              </a:rPr>
+              <a:t>) {</a:t>
+            </a:r>
+          </a:p>
+          <a:p>
+            <a:pPr marL="0" indent="0">
+              <a:buNone/>
+            </a:pPr>
+            <a:r>
+              <a:rPr lang="fr-FR" sz="2600" b="0" dirty="0">
+                <a:solidFill>
+                  <a:srgbClr val="24292E"/>
+                </a:solidFill>
+                <a:effectLst/>
+                <a:latin typeface="Consolas" panose="020B0609020204030204" pitchFamily="49" charset="0"/>
+              </a:rPr>
+              <a:t>    </a:t>
+            </a:r>
+            <a:r>
+              <a:rPr lang="fr-FR" sz="2600" b="0" dirty="0" err="1">
+                <a:solidFill>
+                  <a:srgbClr val="6F42C1"/>
+                </a:solidFill>
+                <a:effectLst/>
+                <a:latin typeface="Consolas" panose="020B0609020204030204" pitchFamily="49" charset="0"/>
+              </a:rPr>
+              <a:t>scanf</a:t>
+            </a:r>
+            <a:r>
+              <a:rPr lang="fr-FR" sz="2600" b="0" dirty="0">
+                <a:solidFill>
+                  <a:srgbClr val="24292E"/>
+                </a:solidFill>
+                <a:effectLst/>
+                <a:latin typeface="Consolas" panose="020B0609020204030204" pitchFamily="49" charset="0"/>
+              </a:rPr>
+              <a:t>(</a:t>
+            </a:r>
+            <a:r>
+              <a:rPr lang="fr-FR" sz="2600" b="0" dirty="0">
+                <a:solidFill>
+                  <a:srgbClr val="032F62"/>
+                </a:solidFill>
+                <a:effectLst/>
+                <a:latin typeface="Consolas" panose="020B0609020204030204" pitchFamily="49" charset="0"/>
+              </a:rPr>
+              <a:t>"</a:t>
+            </a:r>
+            <a:r>
+              <a:rPr lang="fr-FR" sz="2600" b="0" dirty="0">
+                <a:solidFill>
+                  <a:srgbClr val="005CC5"/>
+                </a:solidFill>
+                <a:effectLst/>
+                <a:latin typeface="Consolas" panose="020B0609020204030204" pitchFamily="49" charset="0"/>
+              </a:rPr>
+              <a:t>%d</a:t>
+            </a:r>
+            <a:r>
+              <a:rPr lang="fr-FR" sz="2600" b="0" dirty="0">
+                <a:solidFill>
+                  <a:srgbClr val="032F62"/>
+                </a:solidFill>
+                <a:effectLst/>
+                <a:latin typeface="Consolas" panose="020B0609020204030204" pitchFamily="49" charset="0"/>
+              </a:rPr>
+              <a:t>"</a:t>
+            </a:r>
+            <a:r>
+              <a:rPr lang="fr-FR" sz="2600" b="0" dirty="0">
+                <a:solidFill>
+                  <a:srgbClr val="24292E"/>
+                </a:solidFill>
+                <a:effectLst/>
+                <a:latin typeface="Consolas" panose="020B0609020204030204" pitchFamily="49" charset="0"/>
+              </a:rPr>
+              <a:t>, </a:t>
+            </a:r>
+            <a:r>
+              <a:rPr lang="fr-FR" sz="2600" b="0" dirty="0">
+                <a:solidFill>
+                  <a:srgbClr val="D73A49"/>
+                </a:solidFill>
+                <a:effectLst/>
+                <a:latin typeface="Consolas" panose="020B0609020204030204" pitchFamily="49" charset="0"/>
+              </a:rPr>
+              <a:t>&amp;</a:t>
+            </a:r>
+            <a:r>
+              <a:rPr lang="fr-FR" sz="2600" b="0" dirty="0">
+                <a:solidFill>
+                  <a:srgbClr val="24292E"/>
+                </a:solidFill>
+                <a:effectLst/>
+                <a:latin typeface="Consolas" panose="020B0609020204030204" pitchFamily="49" charset="0"/>
+              </a:rPr>
+              <a:t>saisie);</a:t>
+            </a:r>
+          </a:p>
+          <a:p>
+            <a:pPr marL="0" indent="0">
+              <a:buNone/>
+            </a:pPr>
+            <a:r>
+              <a:rPr lang="fr-FR" sz="2600" b="0" dirty="0">
+                <a:solidFill>
+                  <a:srgbClr val="24292E"/>
+                </a:solidFill>
+                <a:effectLst/>
+                <a:latin typeface="Consolas" panose="020B0609020204030204" pitchFamily="49" charset="0"/>
+              </a:rPr>
+              <a:t>    </a:t>
+            </a:r>
+            <a:r>
+              <a:rPr lang="fr-FR" sz="2600" b="0" dirty="0">
+                <a:solidFill>
+                  <a:srgbClr val="D73A49"/>
+                </a:solidFill>
+                <a:effectLst/>
+                <a:latin typeface="Consolas" panose="020B0609020204030204" pitchFamily="49" charset="0"/>
+              </a:rPr>
+              <a:t>if</a:t>
+            </a:r>
+            <a:r>
+              <a:rPr lang="fr-FR" sz="2600" b="0" dirty="0">
+                <a:solidFill>
+                  <a:srgbClr val="24292E"/>
+                </a:solidFill>
+                <a:effectLst/>
+                <a:latin typeface="Consolas" panose="020B0609020204030204" pitchFamily="49" charset="0"/>
+              </a:rPr>
+              <a:t> (saisie </a:t>
+            </a:r>
+            <a:r>
+              <a:rPr lang="fr-FR" sz="2600" b="0" dirty="0">
+                <a:solidFill>
+                  <a:srgbClr val="D73A49"/>
+                </a:solidFill>
+                <a:effectLst/>
+                <a:latin typeface="Consolas" panose="020B0609020204030204" pitchFamily="49" charset="0"/>
+              </a:rPr>
+              <a:t>==</a:t>
+            </a:r>
+            <a:r>
+              <a:rPr lang="fr-FR" sz="2600" b="0" dirty="0">
+                <a:solidFill>
+                  <a:srgbClr val="24292E"/>
+                </a:solidFill>
+                <a:effectLst/>
+                <a:latin typeface="Consolas" panose="020B0609020204030204" pitchFamily="49" charset="0"/>
+              </a:rPr>
+              <a:t> </a:t>
+            </a:r>
+            <a:r>
+              <a:rPr lang="fr-FR" sz="2600" b="0" dirty="0">
+                <a:solidFill>
+                  <a:srgbClr val="005CC5"/>
+                </a:solidFill>
+                <a:effectLst/>
+                <a:latin typeface="Consolas" panose="020B0609020204030204" pitchFamily="49" charset="0"/>
+              </a:rPr>
+              <a:t>100</a:t>
+            </a:r>
+            <a:r>
+              <a:rPr lang="fr-FR" sz="2600" b="0" dirty="0">
+                <a:solidFill>
+                  <a:srgbClr val="24292E"/>
+                </a:solidFill>
+                <a:effectLst/>
+                <a:latin typeface="Consolas" panose="020B0609020204030204" pitchFamily="49" charset="0"/>
+              </a:rPr>
+              <a:t>) {</a:t>
+            </a:r>
+          </a:p>
+          <a:p>
+            <a:pPr marL="0" indent="0">
+              <a:buNone/>
+            </a:pPr>
+            <a:r>
+              <a:rPr lang="fr-FR" sz="2600" b="0" dirty="0">
+                <a:solidFill>
+                  <a:srgbClr val="24292E"/>
+                </a:solidFill>
+                <a:effectLst/>
+                <a:latin typeface="Consolas" panose="020B0609020204030204" pitchFamily="49" charset="0"/>
+              </a:rPr>
+              <a:t>        </a:t>
+            </a:r>
+            <a:r>
+              <a:rPr lang="fr-FR" sz="2600" b="0" dirty="0">
+                <a:solidFill>
+                  <a:srgbClr val="D73A49"/>
+                </a:solidFill>
+                <a:effectLst/>
+                <a:latin typeface="Consolas" panose="020B0609020204030204" pitchFamily="49" charset="0"/>
+              </a:rPr>
+              <a:t>break</a:t>
+            </a:r>
+            <a:r>
+              <a:rPr lang="fr-FR" sz="2600" b="0" dirty="0">
+                <a:solidFill>
+                  <a:srgbClr val="24292E"/>
+                </a:solidFill>
+                <a:effectLst/>
+                <a:latin typeface="Consolas" panose="020B0609020204030204" pitchFamily="49" charset="0"/>
+              </a:rPr>
+              <a:t>;</a:t>
+            </a:r>
+          </a:p>
+          <a:p>
+            <a:pPr marL="0" indent="0">
+              <a:buNone/>
+            </a:pPr>
+            <a:r>
+              <a:rPr lang="fr-FR" sz="2600" b="0" dirty="0">
+                <a:solidFill>
+                  <a:srgbClr val="24292E"/>
+                </a:solidFill>
+                <a:effectLst/>
+                <a:latin typeface="Consolas" panose="020B0609020204030204" pitchFamily="49" charset="0"/>
+              </a:rPr>
+              <a:t>    }</a:t>
+            </a:r>
+          </a:p>
+          <a:p>
+            <a:pPr marL="0" indent="0">
+              <a:buNone/>
+            </a:pPr>
+            <a:r>
+              <a:rPr lang="fr-FR" sz="2600" b="0" dirty="0">
+                <a:solidFill>
+                  <a:srgbClr val="24292E"/>
+                </a:solidFill>
+                <a:effectLst/>
+                <a:latin typeface="Consolas" panose="020B0609020204030204" pitchFamily="49" charset="0"/>
+              </a:rPr>
+              <a:t>}</a:t>
+            </a:r>
+          </a:p>
+          <a:p>
+            <a:pPr marL="0" indent="0">
+              <a:buNone/>
+            </a:pPr>
+            <a:r>
+              <a:rPr lang="fr-FR" sz="2600" b="0" dirty="0">
+                <a:solidFill>
+                  <a:srgbClr val="6F42C1"/>
+                </a:solidFill>
+                <a:effectLst/>
+                <a:latin typeface="Consolas" panose="020B0609020204030204" pitchFamily="49" charset="0"/>
+              </a:rPr>
+              <a:t>printf</a:t>
+            </a:r>
+            <a:r>
+              <a:rPr lang="fr-FR" sz="2600" b="0" dirty="0">
+                <a:solidFill>
+                  <a:srgbClr val="24292E"/>
+                </a:solidFill>
+                <a:effectLst/>
+                <a:latin typeface="Consolas" panose="020B0609020204030204" pitchFamily="49" charset="0"/>
+              </a:rPr>
+              <a:t>(</a:t>
+            </a:r>
+            <a:r>
+              <a:rPr lang="fr-FR" sz="2600" b="0" dirty="0">
+                <a:solidFill>
+                  <a:srgbClr val="032F62"/>
+                </a:solidFill>
+                <a:effectLst/>
+                <a:latin typeface="Consolas" panose="020B0609020204030204" pitchFamily="49" charset="0"/>
+              </a:rPr>
+              <a:t>"T'es cassé !"</a:t>
+            </a:r>
+            <a:r>
+              <a:rPr lang="fr-FR" sz="2600" b="0" dirty="0">
+                <a:solidFill>
+                  <a:srgbClr val="24292E"/>
+                </a:solidFill>
+                <a:effectLst/>
+                <a:latin typeface="Consolas" panose="020B0609020204030204" pitchFamily="49" charset="0"/>
+              </a:rPr>
+              <a:t>);</a:t>
+            </a:r>
+            <a:endParaRPr lang="fr-FR" sz="2600" dirty="0"/>
+          </a:p>
+          <a:p>
+            <a:pPr marL="0" indent="0">
+              <a:buNone/>
+            </a:pPr>
+            <a:endParaRPr lang="fr-FR" dirty="0"/>
+          </a:p>
+        </p:txBody>
+      </p:sp>
+    </p:spTree>
+    <p:extLst>
+      <p:ext uri="{BB962C8B-B14F-4D97-AF65-F5344CB8AC3E}">
+        <p14:creationId xmlns:p14="http://schemas.microsoft.com/office/powerpoint/2010/main" val="3075699267"/>
+      </p:ext>
+    </p:extLst>
+  </p:cSld>
+  <p:clrMapOvr>
+    <a:masterClrMapping/>
+  </p:clrMapOvr>
+</p:sld>
+</file>
+
+<file path=ppt/slides/slide29.xml><?xml version="1.0" encoding="utf-8"?>
+<p:sld xmlns:a="http://schemas.openxmlformats.org/drawingml/2006/main" xmlns:r="http://schemas.openxmlformats.org/officeDocument/2006/relationships" xmlns:p="http://schemas.openxmlformats.org/presentationml/2006/main">
+  <p:cSld>
+    <p:spTree>
+      <p:nvGrpSpPr>
+        <p:cNvPr id="1" name=""/>
+        <p:cNvGrpSpPr/>
+        <p:nvPr/>
+      </p:nvGrpSpPr>
+      <p:grpSpPr>
+        <a:xfrm>
+          <a:off x="0" y="0"/>
+          <a:ext cx="0" cy="0"/>
+          <a:chOff x="0" y="0"/>
+          <a:chExt cx="0" cy="0"/>
+        </a:xfrm>
+      </p:grpSpPr>
+      <p:sp>
+        <p:nvSpPr>
+          <p:cNvPr id="2" name="Titre 1">
+            <a:extLst>
+              <a:ext uri="{FF2B5EF4-FFF2-40B4-BE49-F238E27FC236}">
+                <a16:creationId xmlns:a16="http://schemas.microsoft.com/office/drawing/2014/main" id="{7ED174D0-6B49-453C-BC3D-B3A805113A7C}"/>
+              </a:ext>
+            </a:extLst>
+          </p:cNvPr>
+          <p:cNvSpPr>
+            <a:spLocks noGrp="1"/>
+          </p:cNvSpPr>
+          <p:nvPr>
+            <p:ph type="title"/>
+          </p:nvPr>
+        </p:nvSpPr>
+        <p:spPr/>
+        <p:txBody>
+          <a:bodyPr/>
+          <a:lstStyle/>
+          <a:p>
+            <a:r>
+              <a:rPr lang="fr-FR" dirty="0"/>
+              <a:t>continue;</a:t>
+            </a:r>
+          </a:p>
+        </p:txBody>
+      </p:sp>
+      <p:sp>
+        <p:nvSpPr>
+          <p:cNvPr id="3" name="Espace réservé du contenu 2">
+            <a:extLst>
+              <a:ext uri="{FF2B5EF4-FFF2-40B4-BE49-F238E27FC236}">
+                <a16:creationId xmlns:a16="http://schemas.microsoft.com/office/drawing/2014/main" id="{EB4E454C-D7A5-48F2-BE36-C4AA406DE60A}"/>
+              </a:ext>
+            </a:extLst>
+          </p:cNvPr>
+          <p:cNvSpPr>
+            <a:spLocks noGrp="1"/>
+          </p:cNvSpPr>
+          <p:nvPr>
+            <p:ph idx="1"/>
+          </p:nvPr>
+        </p:nvSpPr>
+        <p:spPr>
+          <a:xfrm>
+            <a:off x="838200" y="1825625"/>
+            <a:ext cx="10515600" cy="4667250"/>
+          </a:xfrm>
+        </p:spPr>
+        <p:txBody>
+          <a:bodyPr>
+            <a:normAutofit fontScale="92500"/>
+          </a:bodyPr>
+          <a:lstStyle/>
+          <a:p>
+            <a:pPr marL="0" indent="0">
+              <a:buNone/>
+            </a:pPr>
+            <a:r>
+              <a:rPr lang="fr-FR" dirty="0"/>
+              <a:t>suspend l’itération en cours (saute les instructions restantes) et reprend l’itération suivante dans la même boucle (break sort de la boucle).</a:t>
+            </a:r>
+          </a:p>
+          <a:p>
+            <a:pPr marL="0" indent="0">
+              <a:buNone/>
+            </a:pPr>
+            <a:endParaRPr lang="fr-FR" dirty="0"/>
+          </a:p>
+          <a:p>
+            <a:pPr marL="0" indent="0">
+              <a:buNone/>
+            </a:pPr>
+            <a:r>
+              <a:rPr lang="fr-FR" sz="2600" b="0" dirty="0" err="1">
+                <a:solidFill>
+                  <a:srgbClr val="D73A49"/>
+                </a:solidFill>
+                <a:effectLst/>
+                <a:latin typeface="Consolas" panose="020B0609020204030204" pitchFamily="49" charset="0"/>
+              </a:rPr>
+              <a:t>int</a:t>
+            </a:r>
+            <a:r>
+              <a:rPr lang="fr-FR" sz="2600" b="0" dirty="0">
+                <a:solidFill>
+                  <a:srgbClr val="24292E"/>
+                </a:solidFill>
+                <a:effectLst/>
+                <a:latin typeface="Consolas" panose="020B0609020204030204" pitchFamily="49" charset="0"/>
+              </a:rPr>
+              <a:t> i;</a:t>
+            </a:r>
+          </a:p>
+          <a:p>
+            <a:pPr marL="0" indent="0">
+              <a:buNone/>
+            </a:pPr>
+            <a:r>
+              <a:rPr lang="fr-FR" sz="2600" b="0" dirty="0">
+                <a:solidFill>
+                  <a:srgbClr val="D73A49"/>
+                </a:solidFill>
+                <a:effectLst/>
+                <a:latin typeface="Consolas" panose="020B0609020204030204" pitchFamily="49" charset="0"/>
+              </a:rPr>
+              <a:t>for</a:t>
+            </a:r>
+            <a:r>
+              <a:rPr lang="fr-FR" sz="2600" b="0" dirty="0">
+                <a:solidFill>
+                  <a:srgbClr val="24292E"/>
+                </a:solidFill>
+                <a:effectLst/>
+                <a:latin typeface="Consolas" panose="020B0609020204030204" pitchFamily="49" charset="0"/>
+              </a:rPr>
+              <a:t> (i </a:t>
+            </a:r>
+            <a:r>
+              <a:rPr lang="fr-FR" sz="2600" b="0" dirty="0">
+                <a:solidFill>
+                  <a:srgbClr val="D73A49"/>
+                </a:solidFill>
+                <a:effectLst/>
+                <a:latin typeface="Consolas" panose="020B0609020204030204" pitchFamily="49" charset="0"/>
+              </a:rPr>
+              <a:t>=</a:t>
+            </a:r>
+            <a:r>
+              <a:rPr lang="fr-FR" sz="2600" b="0" dirty="0">
+                <a:solidFill>
+                  <a:srgbClr val="24292E"/>
+                </a:solidFill>
+                <a:effectLst/>
+                <a:latin typeface="Consolas" panose="020B0609020204030204" pitchFamily="49" charset="0"/>
+              </a:rPr>
+              <a:t> </a:t>
+            </a:r>
+            <a:r>
+              <a:rPr lang="fr-FR" sz="2600" b="0" dirty="0">
+                <a:solidFill>
+                  <a:srgbClr val="005CC5"/>
+                </a:solidFill>
+                <a:effectLst/>
+                <a:latin typeface="Consolas" panose="020B0609020204030204" pitchFamily="49" charset="0"/>
+              </a:rPr>
+              <a:t>1</a:t>
+            </a:r>
+            <a:r>
+              <a:rPr lang="fr-FR" sz="2600" b="0" dirty="0">
+                <a:solidFill>
+                  <a:srgbClr val="24292E"/>
+                </a:solidFill>
+                <a:effectLst/>
+                <a:latin typeface="Consolas" panose="020B0609020204030204" pitchFamily="49" charset="0"/>
+              </a:rPr>
+              <a:t>; i </a:t>
+            </a:r>
+            <a:r>
+              <a:rPr lang="fr-FR" sz="2600" b="0" dirty="0">
+                <a:solidFill>
+                  <a:srgbClr val="D73A49"/>
+                </a:solidFill>
+                <a:effectLst/>
+                <a:latin typeface="Consolas" panose="020B0609020204030204" pitchFamily="49" charset="0"/>
+              </a:rPr>
+              <a:t>&lt;=</a:t>
+            </a:r>
+            <a:r>
+              <a:rPr lang="fr-FR" sz="2600" b="0" dirty="0">
+                <a:solidFill>
+                  <a:srgbClr val="24292E"/>
+                </a:solidFill>
+                <a:effectLst/>
+                <a:latin typeface="Consolas" panose="020B0609020204030204" pitchFamily="49" charset="0"/>
+              </a:rPr>
+              <a:t> </a:t>
+            </a:r>
+            <a:r>
+              <a:rPr lang="fr-FR" sz="2600" b="0" dirty="0">
+                <a:solidFill>
+                  <a:srgbClr val="005CC5"/>
+                </a:solidFill>
+                <a:effectLst/>
+                <a:latin typeface="Consolas" panose="020B0609020204030204" pitchFamily="49" charset="0"/>
+              </a:rPr>
+              <a:t>100</a:t>
+            </a:r>
+            <a:r>
+              <a:rPr lang="fr-FR" sz="2600" b="0" dirty="0">
+                <a:solidFill>
+                  <a:srgbClr val="24292E"/>
+                </a:solidFill>
+                <a:effectLst/>
+                <a:latin typeface="Consolas" panose="020B0609020204030204" pitchFamily="49" charset="0"/>
+              </a:rPr>
+              <a:t>; i</a:t>
+            </a:r>
+            <a:r>
+              <a:rPr lang="fr-FR" sz="2600" b="0" dirty="0">
+                <a:solidFill>
+                  <a:srgbClr val="D73A49"/>
+                </a:solidFill>
+                <a:effectLst/>
+                <a:latin typeface="Consolas" panose="020B0609020204030204" pitchFamily="49" charset="0"/>
+              </a:rPr>
+              <a:t>++</a:t>
+            </a:r>
+            <a:r>
+              <a:rPr lang="fr-FR" sz="2600" b="0" dirty="0">
+                <a:solidFill>
+                  <a:srgbClr val="24292E"/>
+                </a:solidFill>
+                <a:effectLst/>
+                <a:latin typeface="Consolas" panose="020B0609020204030204" pitchFamily="49" charset="0"/>
+              </a:rPr>
+              <a:t>) {</a:t>
+            </a:r>
+          </a:p>
+          <a:p>
+            <a:pPr marL="0" indent="0">
+              <a:buNone/>
+            </a:pPr>
+            <a:r>
+              <a:rPr lang="fr-FR" sz="2600" b="0" dirty="0">
+                <a:solidFill>
+                  <a:srgbClr val="24292E"/>
+                </a:solidFill>
+                <a:effectLst/>
+                <a:latin typeface="Consolas" panose="020B0609020204030204" pitchFamily="49" charset="0"/>
+              </a:rPr>
+              <a:t>    </a:t>
+            </a:r>
+            <a:r>
+              <a:rPr lang="fr-FR" sz="2600" b="0" dirty="0">
+                <a:solidFill>
+                  <a:srgbClr val="D73A49"/>
+                </a:solidFill>
+                <a:effectLst/>
+                <a:latin typeface="Consolas" panose="020B0609020204030204" pitchFamily="49" charset="0"/>
+              </a:rPr>
+              <a:t>if</a:t>
+            </a:r>
+            <a:r>
+              <a:rPr lang="fr-FR" sz="2600" b="0" dirty="0">
+                <a:solidFill>
+                  <a:srgbClr val="24292E"/>
+                </a:solidFill>
+                <a:effectLst/>
+                <a:latin typeface="Consolas" panose="020B0609020204030204" pitchFamily="49" charset="0"/>
+              </a:rPr>
+              <a:t> (i </a:t>
+            </a:r>
+            <a:r>
+              <a:rPr lang="fr-FR" sz="2600" b="0" dirty="0">
+                <a:solidFill>
+                  <a:srgbClr val="D73A49"/>
+                </a:solidFill>
+                <a:effectLst/>
+                <a:latin typeface="Consolas" panose="020B0609020204030204" pitchFamily="49" charset="0"/>
+              </a:rPr>
+              <a:t>%</a:t>
+            </a:r>
+            <a:r>
+              <a:rPr lang="fr-FR" sz="2600" b="0" dirty="0">
+                <a:solidFill>
+                  <a:srgbClr val="24292E"/>
+                </a:solidFill>
+                <a:effectLst/>
+                <a:latin typeface="Consolas" panose="020B0609020204030204" pitchFamily="49" charset="0"/>
+              </a:rPr>
+              <a:t> </a:t>
+            </a:r>
+            <a:r>
+              <a:rPr lang="fr-FR" sz="2600" b="0" dirty="0">
+                <a:solidFill>
+                  <a:srgbClr val="005CC5"/>
+                </a:solidFill>
+                <a:effectLst/>
+                <a:latin typeface="Consolas" panose="020B0609020204030204" pitchFamily="49" charset="0"/>
+              </a:rPr>
+              <a:t>2</a:t>
+            </a:r>
+            <a:r>
+              <a:rPr lang="fr-FR" sz="2600" b="0" dirty="0">
+                <a:solidFill>
+                  <a:srgbClr val="24292E"/>
+                </a:solidFill>
+                <a:effectLst/>
+                <a:latin typeface="Consolas" panose="020B0609020204030204" pitchFamily="49" charset="0"/>
+              </a:rPr>
+              <a:t> </a:t>
+            </a:r>
+            <a:r>
+              <a:rPr lang="fr-FR" sz="2600" b="0" dirty="0">
+                <a:solidFill>
+                  <a:srgbClr val="D73A49"/>
+                </a:solidFill>
+                <a:effectLst/>
+                <a:latin typeface="Consolas" panose="020B0609020204030204" pitchFamily="49" charset="0"/>
+              </a:rPr>
+              <a:t>==</a:t>
+            </a:r>
+            <a:r>
+              <a:rPr lang="fr-FR" sz="2600" b="0" dirty="0">
+                <a:solidFill>
+                  <a:srgbClr val="24292E"/>
+                </a:solidFill>
+                <a:effectLst/>
+                <a:latin typeface="Consolas" panose="020B0609020204030204" pitchFamily="49" charset="0"/>
+              </a:rPr>
+              <a:t> </a:t>
+            </a:r>
+            <a:r>
+              <a:rPr lang="fr-FR" sz="2600" b="0" dirty="0">
+                <a:solidFill>
+                  <a:srgbClr val="005CC5"/>
+                </a:solidFill>
+                <a:effectLst/>
+                <a:latin typeface="Consolas" panose="020B0609020204030204" pitchFamily="49" charset="0"/>
+              </a:rPr>
+              <a:t>0</a:t>
+            </a:r>
+            <a:r>
+              <a:rPr lang="fr-FR" sz="2600" b="0" dirty="0">
+                <a:solidFill>
+                  <a:srgbClr val="24292E"/>
+                </a:solidFill>
+                <a:effectLst/>
+                <a:latin typeface="Consolas" panose="020B0609020204030204" pitchFamily="49" charset="0"/>
+              </a:rPr>
+              <a:t>) {</a:t>
+            </a:r>
+          </a:p>
+          <a:p>
+            <a:pPr marL="0" indent="0">
+              <a:buNone/>
+            </a:pPr>
+            <a:r>
+              <a:rPr lang="fr-FR" sz="2600" b="0" dirty="0">
+                <a:solidFill>
+                  <a:srgbClr val="24292E"/>
+                </a:solidFill>
+                <a:effectLst/>
+                <a:latin typeface="Consolas" panose="020B0609020204030204" pitchFamily="49" charset="0"/>
+              </a:rPr>
+              <a:t>        </a:t>
+            </a:r>
+            <a:r>
+              <a:rPr lang="fr-FR" sz="2600" b="0" dirty="0">
+                <a:solidFill>
+                  <a:srgbClr val="D73A49"/>
+                </a:solidFill>
+                <a:effectLst/>
+                <a:latin typeface="Consolas" panose="020B0609020204030204" pitchFamily="49" charset="0"/>
+              </a:rPr>
+              <a:t>continue</a:t>
+            </a:r>
+            <a:r>
+              <a:rPr lang="fr-FR" sz="2600" b="0" dirty="0">
+                <a:solidFill>
+                  <a:srgbClr val="24292E"/>
+                </a:solidFill>
+                <a:effectLst/>
+                <a:latin typeface="Consolas" panose="020B0609020204030204" pitchFamily="49" charset="0"/>
+              </a:rPr>
+              <a:t>;</a:t>
+            </a:r>
+          </a:p>
+          <a:p>
+            <a:pPr marL="0" indent="0">
+              <a:buNone/>
+            </a:pPr>
+            <a:r>
+              <a:rPr lang="fr-FR" sz="2600" b="0" dirty="0">
+                <a:solidFill>
+                  <a:srgbClr val="24292E"/>
+                </a:solidFill>
+                <a:effectLst/>
+                <a:latin typeface="Consolas" panose="020B0609020204030204" pitchFamily="49" charset="0"/>
+              </a:rPr>
+              <a:t>    }</a:t>
+            </a:r>
+          </a:p>
+          <a:p>
+            <a:pPr marL="0" indent="0">
+              <a:buNone/>
+            </a:pPr>
+            <a:r>
+              <a:rPr lang="fr-FR" sz="2600" b="0" dirty="0">
+                <a:solidFill>
+                  <a:srgbClr val="24292E"/>
+                </a:solidFill>
+                <a:effectLst/>
+                <a:latin typeface="Consolas" panose="020B0609020204030204" pitchFamily="49" charset="0"/>
+              </a:rPr>
+              <a:t>    </a:t>
+            </a:r>
+            <a:r>
+              <a:rPr lang="fr-FR" sz="2600" b="0" dirty="0">
+                <a:solidFill>
+                  <a:srgbClr val="6F42C1"/>
+                </a:solidFill>
+                <a:effectLst/>
+                <a:latin typeface="Consolas" panose="020B0609020204030204" pitchFamily="49" charset="0"/>
+              </a:rPr>
+              <a:t>printf</a:t>
+            </a:r>
+            <a:r>
+              <a:rPr lang="fr-FR" sz="2600" b="0" dirty="0">
+                <a:solidFill>
+                  <a:srgbClr val="24292E"/>
+                </a:solidFill>
+                <a:effectLst/>
+                <a:latin typeface="Consolas" panose="020B0609020204030204" pitchFamily="49" charset="0"/>
+              </a:rPr>
+              <a:t>(</a:t>
+            </a:r>
+            <a:r>
+              <a:rPr lang="fr-FR" sz="2600" b="0" dirty="0">
+                <a:solidFill>
+                  <a:srgbClr val="032F62"/>
+                </a:solidFill>
+                <a:effectLst/>
+                <a:latin typeface="Consolas" panose="020B0609020204030204" pitchFamily="49" charset="0"/>
+              </a:rPr>
+              <a:t>"Voilà un </a:t>
+            </a:r>
+            <a:r>
+              <a:rPr lang="fr-FR" sz="2600" b="0">
+                <a:solidFill>
+                  <a:srgbClr val="032F62"/>
+                </a:solidFill>
+                <a:effectLst/>
+                <a:latin typeface="Consolas" panose="020B0609020204030204" pitchFamily="49" charset="0"/>
+              </a:rPr>
+              <a:t>nombre impair : %d</a:t>
+            </a:r>
+            <a:r>
+              <a:rPr lang="fr-FR" sz="2600" b="0">
+                <a:solidFill>
+                  <a:srgbClr val="005CC5"/>
+                </a:solidFill>
+                <a:effectLst/>
+                <a:latin typeface="Consolas" panose="020B0609020204030204" pitchFamily="49" charset="0"/>
+              </a:rPr>
+              <a:t>\n</a:t>
+            </a:r>
+            <a:r>
+              <a:rPr lang="fr-FR" sz="2600" b="0">
+                <a:solidFill>
+                  <a:srgbClr val="032F62"/>
+                </a:solidFill>
+                <a:effectLst/>
+                <a:latin typeface="Consolas" panose="020B0609020204030204" pitchFamily="49" charset="0"/>
+              </a:rPr>
+              <a:t>« , i</a:t>
+            </a:r>
+            <a:r>
+              <a:rPr lang="fr-FR" sz="2600" b="0">
+                <a:solidFill>
+                  <a:srgbClr val="24292E"/>
+                </a:solidFill>
+                <a:effectLst/>
+                <a:latin typeface="Consolas" panose="020B0609020204030204" pitchFamily="49" charset="0"/>
+              </a:rPr>
+              <a:t>);</a:t>
+            </a:r>
+            <a:endParaRPr lang="fr-FR" sz="2600" b="0" dirty="0">
+              <a:solidFill>
+                <a:srgbClr val="24292E"/>
+              </a:solidFill>
+              <a:effectLst/>
+              <a:latin typeface="Consolas" panose="020B0609020204030204" pitchFamily="49" charset="0"/>
+            </a:endParaRPr>
+          </a:p>
+          <a:p>
+            <a:pPr marL="0" indent="0">
+              <a:buNone/>
+            </a:pPr>
+            <a:r>
+              <a:rPr lang="fr-FR" sz="2600" b="0" dirty="0">
+                <a:solidFill>
+                  <a:srgbClr val="24292E"/>
+                </a:solidFill>
+                <a:effectLst/>
+                <a:latin typeface="Consolas" panose="020B0609020204030204" pitchFamily="49" charset="0"/>
+              </a:rPr>
+              <a:t>}</a:t>
+            </a:r>
+          </a:p>
+        </p:txBody>
+      </p:sp>
+    </p:spTree>
+    <p:extLst>
+      <p:ext uri="{BB962C8B-B14F-4D97-AF65-F5344CB8AC3E}">
+        <p14:creationId xmlns:p14="http://schemas.microsoft.com/office/powerpoint/2010/main" val="3222927874"/>
+      </p:ext>
+    </p:extLst>
+  </p:cSld>
+  <p:clrMapOvr>
+    <a:masterClrMapping/>
+  </p:clrMapOvr>
+</p:sld>
+</file>
+
+<file path=ppt/slides/slide3.xml><?xml version="1.0" encoding="utf-8"?>
+<p:sld xmlns:a="http://schemas.openxmlformats.org/drawingml/2006/main" xmlns:r="http://schemas.openxmlformats.org/officeDocument/2006/relationships" xmlns:p="http://schemas.openxmlformats.org/presentationml/2006/main">
+  <p:cSld>
+    <p:spTree>
+      <p:nvGrpSpPr>
+        <p:cNvPr id="1" name=""/>
+        <p:cNvGrpSpPr/>
+        <p:nvPr/>
+      </p:nvGrpSpPr>
+      <p:grpSpPr>
+        <a:xfrm>
+          <a:off x="0" y="0"/>
+          <a:ext cx="0" cy="0"/>
+          <a:chOff x="0" y="0"/>
+          <a:chExt cx="0" cy="0"/>
+        </a:xfrm>
+      </p:grpSpPr>
+      <p:sp>
+        <p:nvSpPr>
+          <p:cNvPr id="2" name="Titre 1">
+            <a:extLst>
+              <a:ext uri="{FF2B5EF4-FFF2-40B4-BE49-F238E27FC236}">
+                <a16:creationId xmlns:a16="http://schemas.microsoft.com/office/drawing/2014/main" id="{CCC5F13B-0095-4A4E-BAC7-AE523A4D9FF8}"/>
+              </a:ext>
+            </a:extLst>
+          </p:cNvPr>
+          <p:cNvSpPr>
+            <a:spLocks noGrp="1"/>
+          </p:cNvSpPr>
+          <p:nvPr>
+            <p:ph type="title"/>
+          </p:nvPr>
+        </p:nvSpPr>
+        <p:spPr/>
+        <p:txBody>
+          <a:bodyPr/>
+          <a:lstStyle/>
+          <a:p>
+            <a:r>
+              <a:rPr lang="fr-FR" dirty="0"/>
+              <a:t>Variables</a:t>
+            </a:r>
+          </a:p>
+        </p:txBody>
+      </p:sp>
+      <p:sp>
+        <p:nvSpPr>
+          <p:cNvPr id="3" name="Espace réservé du contenu 2">
+            <a:extLst>
+              <a:ext uri="{FF2B5EF4-FFF2-40B4-BE49-F238E27FC236}">
+                <a16:creationId xmlns:a16="http://schemas.microsoft.com/office/drawing/2014/main" id="{0579304D-8FF5-4C4A-8A1C-8B53201561FA}"/>
+              </a:ext>
+            </a:extLst>
+          </p:cNvPr>
+          <p:cNvSpPr>
+            <a:spLocks noGrp="1"/>
+          </p:cNvSpPr>
+          <p:nvPr>
+            <p:ph idx="1"/>
+          </p:nvPr>
+        </p:nvSpPr>
+        <p:spPr>
+          <a:xfrm>
+            <a:off x="838200" y="1403928"/>
+            <a:ext cx="10515600" cy="5347854"/>
+          </a:xfrm>
+        </p:spPr>
+        <p:txBody>
+          <a:bodyPr>
+            <a:normAutofit/>
+          </a:bodyPr>
+          <a:lstStyle/>
+          <a:p>
+            <a:pPr marL="0" indent="0">
+              <a:buNone/>
+            </a:pPr>
+            <a:r>
+              <a:rPr lang="fr-FR" b="0" dirty="0">
+                <a:solidFill>
+                  <a:srgbClr val="D73A49"/>
+                </a:solidFill>
+                <a:effectLst/>
+                <a:latin typeface="Consolas" panose="020B0609020204030204" pitchFamily="49" charset="0"/>
+              </a:rPr>
+              <a:t>#include</a:t>
+            </a:r>
+            <a:r>
+              <a:rPr lang="fr-FR" b="0" dirty="0">
+                <a:solidFill>
+                  <a:srgbClr val="24292E"/>
+                </a:solidFill>
+                <a:effectLst/>
+                <a:latin typeface="Consolas" panose="020B0609020204030204" pitchFamily="49" charset="0"/>
+              </a:rPr>
+              <a:t> </a:t>
+            </a:r>
+            <a:r>
+              <a:rPr lang="fr-FR" b="0" dirty="0">
+                <a:solidFill>
+                  <a:srgbClr val="032F62"/>
+                </a:solidFill>
+                <a:effectLst/>
+                <a:latin typeface="Consolas" panose="020B0609020204030204" pitchFamily="49" charset="0"/>
+              </a:rPr>
+              <a:t>&lt;</a:t>
+            </a:r>
+            <a:r>
+              <a:rPr lang="fr-FR" b="0" dirty="0" err="1">
+                <a:solidFill>
+                  <a:srgbClr val="032F62"/>
+                </a:solidFill>
+                <a:effectLst/>
+                <a:latin typeface="Consolas" panose="020B0609020204030204" pitchFamily="49" charset="0"/>
+              </a:rPr>
+              <a:t>stdio.h</a:t>
+            </a:r>
+            <a:r>
+              <a:rPr lang="fr-FR" b="0" dirty="0">
+                <a:solidFill>
+                  <a:srgbClr val="032F62"/>
+                </a:solidFill>
+                <a:effectLst/>
+                <a:latin typeface="Consolas" panose="020B0609020204030204" pitchFamily="49" charset="0"/>
+              </a:rPr>
+              <a:t>&gt;</a:t>
+            </a:r>
+          </a:p>
+          <a:p>
+            <a:pPr marL="0" indent="0">
+              <a:buNone/>
+            </a:pPr>
+            <a:br>
+              <a:rPr lang="fr-FR" b="0" dirty="0">
+                <a:solidFill>
+                  <a:srgbClr val="24292E"/>
+                </a:solidFill>
+                <a:effectLst/>
+                <a:latin typeface="Consolas" panose="020B0609020204030204" pitchFamily="49" charset="0"/>
+              </a:rPr>
+            </a:br>
+            <a:r>
+              <a:rPr lang="fr-FR" b="0" dirty="0" err="1">
+                <a:solidFill>
+                  <a:srgbClr val="D73A49"/>
+                </a:solidFill>
+                <a:effectLst/>
+                <a:latin typeface="Consolas" panose="020B0609020204030204" pitchFamily="49" charset="0"/>
+              </a:rPr>
+              <a:t>int</a:t>
+            </a:r>
+            <a:r>
+              <a:rPr lang="fr-FR" b="0" dirty="0">
+                <a:solidFill>
+                  <a:srgbClr val="24292E"/>
+                </a:solidFill>
+                <a:effectLst/>
+                <a:latin typeface="Consolas" panose="020B0609020204030204" pitchFamily="49" charset="0"/>
+              </a:rPr>
+              <a:t> </a:t>
+            </a:r>
+            <a:r>
+              <a:rPr lang="fr-FR" b="0" dirty="0">
+                <a:solidFill>
+                  <a:srgbClr val="6F42C1"/>
+                </a:solidFill>
+                <a:effectLst/>
+                <a:latin typeface="Consolas" panose="020B0609020204030204" pitchFamily="49" charset="0"/>
+              </a:rPr>
+              <a:t>main</a:t>
+            </a:r>
+            <a:r>
+              <a:rPr lang="fr-FR" b="0" dirty="0">
+                <a:solidFill>
+                  <a:srgbClr val="24292E"/>
+                </a:solidFill>
+                <a:effectLst/>
+                <a:latin typeface="Consolas" panose="020B0609020204030204" pitchFamily="49" charset="0"/>
+              </a:rPr>
+              <a:t>() {</a:t>
+            </a:r>
+          </a:p>
+          <a:p>
+            <a:pPr marL="0" indent="0">
+              <a:buNone/>
+            </a:pPr>
+            <a:r>
+              <a:rPr lang="fr-FR" b="0" dirty="0">
+                <a:solidFill>
+                  <a:srgbClr val="24292E"/>
+                </a:solidFill>
+                <a:effectLst/>
+                <a:latin typeface="Consolas" panose="020B0609020204030204" pitchFamily="49" charset="0"/>
+              </a:rPr>
+              <a:t>    </a:t>
+            </a:r>
+            <a:r>
+              <a:rPr lang="fr-FR" b="0" dirty="0" err="1">
+                <a:solidFill>
+                  <a:srgbClr val="D73A49"/>
+                </a:solidFill>
+                <a:effectLst/>
+                <a:latin typeface="Consolas" panose="020B0609020204030204" pitchFamily="49" charset="0"/>
+              </a:rPr>
+              <a:t>int</a:t>
+            </a:r>
+            <a:r>
+              <a:rPr lang="fr-FR" b="0" dirty="0">
+                <a:solidFill>
+                  <a:srgbClr val="24292E"/>
+                </a:solidFill>
+                <a:effectLst/>
+                <a:latin typeface="Consolas" panose="020B0609020204030204" pitchFamily="49" charset="0"/>
+              </a:rPr>
+              <a:t> chiffre = 1;</a:t>
+            </a:r>
+          </a:p>
+          <a:p>
+            <a:pPr marL="0" indent="0">
+              <a:buNone/>
+            </a:pPr>
+            <a:r>
+              <a:rPr lang="fr-FR" b="0" dirty="0">
+                <a:solidFill>
+                  <a:srgbClr val="24292E"/>
+                </a:solidFill>
+                <a:effectLst/>
+                <a:latin typeface="Consolas" panose="020B0609020204030204" pitchFamily="49" charset="0"/>
+              </a:rPr>
+              <a:t>    </a:t>
+            </a:r>
+            <a:r>
+              <a:rPr lang="fr-FR" b="0" dirty="0">
+                <a:solidFill>
+                  <a:srgbClr val="6F42C1"/>
+                </a:solidFill>
+                <a:effectLst/>
+                <a:latin typeface="Consolas" panose="020B0609020204030204" pitchFamily="49" charset="0"/>
+              </a:rPr>
+              <a:t>printf</a:t>
+            </a:r>
+            <a:r>
+              <a:rPr lang="fr-FR" b="0" dirty="0">
+                <a:solidFill>
+                  <a:srgbClr val="24292E"/>
+                </a:solidFill>
+                <a:effectLst/>
+                <a:latin typeface="Consolas" panose="020B0609020204030204" pitchFamily="49" charset="0"/>
+              </a:rPr>
+              <a:t>(</a:t>
+            </a:r>
+            <a:r>
+              <a:rPr lang="fr-FR" b="0" dirty="0">
+                <a:solidFill>
+                  <a:srgbClr val="032F62"/>
+                </a:solidFill>
+                <a:effectLst/>
+                <a:latin typeface="Consolas" panose="020B0609020204030204" pitchFamily="49" charset="0"/>
+              </a:rPr>
+              <a:t>"</a:t>
+            </a:r>
+            <a:r>
+              <a:rPr lang="fr-FR" b="0" dirty="0">
+                <a:solidFill>
+                  <a:srgbClr val="005CC5"/>
+                </a:solidFill>
+                <a:effectLst/>
+                <a:latin typeface="Consolas" panose="020B0609020204030204" pitchFamily="49" charset="0"/>
+              </a:rPr>
+              <a:t>%d\n</a:t>
+            </a:r>
+            <a:r>
+              <a:rPr lang="fr-FR" b="0" dirty="0">
+                <a:solidFill>
+                  <a:srgbClr val="032F62"/>
+                </a:solidFill>
+                <a:effectLst/>
+                <a:latin typeface="Consolas" panose="020B0609020204030204" pitchFamily="49" charset="0"/>
+              </a:rPr>
+              <a:t>"</a:t>
+            </a:r>
+            <a:r>
+              <a:rPr lang="fr-FR" b="0" dirty="0">
+                <a:solidFill>
+                  <a:srgbClr val="24292E"/>
+                </a:solidFill>
+                <a:effectLst/>
+                <a:latin typeface="Consolas" panose="020B0609020204030204" pitchFamily="49" charset="0"/>
+              </a:rPr>
+              <a:t>, chiffre);</a:t>
+            </a:r>
+          </a:p>
+          <a:p>
+            <a:pPr marL="0" indent="0">
+              <a:buNone/>
+            </a:pPr>
+            <a:r>
+              <a:rPr lang="fr-FR" b="0" dirty="0">
+                <a:solidFill>
+                  <a:srgbClr val="24292E"/>
+                </a:solidFill>
+                <a:effectLst/>
+                <a:latin typeface="Consolas" panose="020B0609020204030204" pitchFamily="49" charset="0"/>
+              </a:rPr>
+              <a:t>    chiffre = 2;</a:t>
+            </a:r>
+          </a:p>
+          <a:p>
+            <a:pPr marL="0" indent="0">
+              <a:buNone/>
+            </a:pPr>
+            <a:r>
+              <a:rPr lang="fr-FR" b="0" dirty="0">
+                <a:solidFill>
+                  <a:srgbClr val="24292E"/>
+                </a:solidFill>
+                <a:effectLst/>
+                <a:latin typeface="Consolas" panose="020B0609020204030204" pitchFamily="49" charset="0"/>
+              </a:rPr>
+              <a:t>    </a:t>
+            </a:r>
+            <a:r>
+              <a:rPr lang="fr-FR" b="0" dirty="0">
+                <a:solidFill>
+                  <a:srgbClr val="6F42C1"/>
+                </a:solidFill>
+                <a:effectLst/>
+                <a:latin typeface="Consolas" panose="020B0609020204030204" pitchFamily="49" charset="0"/>
+              </a:rPr>
+              <a:t>printf</a:t>
+            </a:r>
+            <a:r>
+              <a:rPr lang="fr-FR" b="0" dirty="0">
+                <a:solidFill>
+                  <a:srgbClr val="24292E"/>
+                </a:solidFill>
+                <a:effectLst/>
+                <a:latin typeface="Consolas" panose="020B0609020204030204" pitchFamily="49" charset="0"/>
+              </a:rPr>
+              <a:t>(</a:t>
+            </a:r>
+            <a:r>
+              <a:rPr lang="fr-FR" b="0" dirty="0">
+                <a:solidFill>
+                  <a:srgbClr val="032F62"/>
+                </a:solidFill>
+                <a:effectLst/>
+                <a:latin typeface="Consolas" panose="020B0609020204030204" pitchFamily="49" charset="0"/>
+              </a:rPr>
+              <a:t>"</a:t>
+            </a:r>
+            <a:r>
+              <a:rPr lang="fr-FR" b="0" dirty="0">
+                <a:solidFill>
+                  <a:srgbClr val="005CC5"/>
+                </a:solidFill>
+                <a:effectLst/>
+                <a:latin typeface="Consolas" panose="020B0609020204030204" pitchFamily="49" charset="0"/>
+              </a:rPr>
+              <a:t>%d\n</a:t>
+            </a:r>
+            <a:r>
+              <a:rPr lang="fr-FR" b="0" dirty="0">
+                <a:solidFill>
+                  <a:srgbClr val="032F62"/>
+                </a:solidFill>
+                <a:effectLst/>
+                <a:latin typeface="Consolas" panose="020B0609020204030204" pitchFamily="49" charset="0"/>
+              </a:rPr>
+              <a:t>"</a:t>
+            </a:r>
+            <a:r>
+              <a:rPr lang="fr-FR" b="0" dirty="0">
+                <a:solidFill>
+                  <a:srgbClr val="24292E"/>
+                </a:solidFill>
+                <a:effectLst/>
+                <a:latin typeface="Consolas" panose="020B0609020204030204" pitchFamily="49" charset="0"/>
+              </a:rPr>
+              <a:t>, chiffre);</a:t>
+            </a:r>
+          </a:p>
+          <a:p>
+            <a:pPr marL="0" indent="0">
+              <a:buNone/>
+            </a:pPr>
+            <a:r>
+              <a:rPr lang="fr-FR" b="0" dirty="0">
+                <a:solidFill>
+                  <a:srgbClr val="24292E"/>
+                </a:solidFill>
+                <a:effectLst/>
+                <a:latin typeface="Consolas" panose="020B0609020204030204" pitchFamily="49" charset="0"/>
+              </a:rPr>
+              <a:t>    </a:t>
+            </a:r>
+            <a:r>
+              <a:rPr lang="fr-FR" b="0" dirty="0">
+                <a:solidFill>
+                  <a:srgbClr val="D73A49"/>
+                </a:solidFill>
+                <a:effectLst/>
+                <a:latin typeface="Consolas" panose="020B0609020204030204" pitchFamily="49" charset="0"/>
+              </a:rPr>
+              <a:t>return</a:t>
+            </a:r>
+            <a:r>
+              <a:rPr lang="fr-FR" b="0" dirty="0">
+                <a:solidFill>
+                  <a:srgbClr val="24292E"/>
+                </a:solidFill>
+                <a:effectLst/>
+                <a:latin typeface="Consolas" panose="020B0609020204030204" pitchFamily="49" charset="0"/>
+              </a:rPr>
+              <a:t> </a:t>
+            </a:r>
+            <a:r>
+              <a:rPr lang="fr-FR" b="0" dirty="0">
+                <a:solidFill>
+                  <a:srgbClr val="005CC5"/>
+                </a:solidFill>
+                <a:effectLst/>
+                <a:latin typeface="Consolas" panose="020B0609020204030204" pitchFamily="49" charset="0"/>
+              </a:rPr>
+              <a:t>0</a:t>
+            </a:r>
+            <a:r>
+              <a:rPr lang="fr-FR" b="0" dirty="0">
+                <a:solidFill>
+                  <a:srgbClr val="24292E"/>
+                </a:solidFill>
+                <a:effectLst/>
+                <a:latin typeface="Consolas" panose="020B0609020204030204" pitchFamily="49" charset="0"/>
+              </a:rPr>
+              <a:t>;</a:t>
+            </a:r>
+          </a:p>
+          <a:p>
+            <a:pPr marL="0" indent="0">
+              <a:buNone/>
+            </a:pPr>
+            <a:r>
+              <a:rPr lang="fr-FR" b="0" dirty="0">
+                <a:solidFill>
+                  <a:srgbClr val="24292E"/>
+                </a:solidFill>
+                <a:effectLst/>
+                <a:latin typeface="Consolas" panose="020B0609020204030204" pitchFamily="49" charset="0"/>
+              </a:rPr>
+              <a:t>}</a:t>
+            </a:r>
+          </a:p>
+        </p:txBody>
+      </p:sp>
+      <p:sp>
+        <p:nvSpPr>
+          <p:cNvPr id="5" name="Espace réservé du contenu 2">
+            <a:extLst>
+              <a:ext uri="{FF2B5EF4-FFF2-40B4-BE49-F238E27FC236}">
+                <a16:creationId xmlns:a16="http://schemas.microsoft.com/office/drawing/2014/main" id="{F10D1959-ABE5-4261-8252-3AE0CE4FFBF7}"/>
+              </a:ext>
+            </a:extLst>
+          </p:cNvPr>
+          <p:cNvSpPr txBox="1">
+            <a:spLocks/>
+          </p:cNvSpPr>
+          <p:nvPr/>
+        </p:nvSpPr>
+        <p:spPr>
+          <a:xfrm>
+            <a:off x="838200" y="1825625"/>
+            <a:ext cx="10515600" cy="4351338"/>
+          </a:xfrm>
+          <a:prstGeom prst="rect">
+            <a:avLst/>
+          </a:prstGeom>
+        </p:spPr>
+        <p:txBody>
+          <a:bodyPr vert="horz" lIns="91440" tIns="45720" rIns="91440" bIns="45720" rtlCol="0">
+            <a:normAutofit/>
+          </a:bodyPr>
+          <a:lstStyle>
+            <a:lvl1pPr marL="228600" indent="-228600" algn="l" defTabSz="914400" rtl="0" eaLnBrk="1" latinLnBrk="0" hangingPunct="1">
+              <a:lnSpc>
+                <a:spcPct val="90000"/>
+              </a:lnSpc>
+              <a:spcBef>
+                <a:spcPts val="1000"/>
+              </a:spcBef>
+              <a:buFont typeface="Arial" panose="020B0604020202020204" pitchFamily="34" charset="0"/>
+              <a:buChar char="•"/>
+              <a:defRPr sz="2800" kern="1200">
+                <a:solidFill>
+                  <a:schemeClr val="tx1"/>
+                </a:solidFill>
+                <a:latin typeface="+mn-lt"/>
+                <a:ea typeface="+mn-ea"/>
+                <a:cs typeface="+mn-cs"/>
+              </a:defRPr>
+            </a:lvl1pPr>
+            <a:lvl2pPr marL="685800" indent="-228600" algn="l" defTabSz="914400" rtl="0" eaLnBrk="1" latinLnBrk="0" hangingPunct="1">
+              <a:lnSpc>
+                <a:spcPct val="90000"/>
+              </a:lnSpc>
+              <a:spcBef>
+                <a:spcPts val="500"/>
+              </a:spcBef>
+              <a:buFont typeface="Arial" panose="020B0604020202020204" pitchFamily="34" charset="0"/>
+              <a:buChar char="•"/>
+              <a:defRPr sz="2400" kern="1200">
+                <a:solidFill>
+                  <a:schemeClr val="tx1"/>
+                </a:solidFill>
+                <a:latin typeface="+mn-lt"/>
+                <a:ea typeface="+mn-ea"/>
+                <a:cs typeface="+mn-cs"/>
+              </a:defRPr>
+            </a:lvl2pPr>
+            <a:lvl3pPr marL="1143000" indent="-228600" algn="l" defTabSz="914400" rtl="0" eaLnBrk="1" latinLnBrk="0" hangingPunct="1">
+              <a:lnSpc>
+                <a:spcPct val="90000"/>
+              </a:lnSpc>
+              <a:spcBef>
+                <a:spcPts val="500"/>
+              </a:spcBef>
+              <a:buFont typeface="Arial" panose="020B0604020202020204" pitchFamily="34" charset="0"/>
+              <a:buChar char="•"/>
+              <a:defRPr sz="2000" kern="1200">
+                <a:solidFill>
+                  <a:schemeClr val="tx1"/>
+                </a:solidFill>
+                <a:latin typeface="+mn-lt"/>
+                <a:ea typeface="+mn-ea"/>
+                <a:cs typeface="+mn-cs"/>
+              </a:defRPr>
+            </a:lvl3pPr>
+            <a:lvl4pPr marL="1600200" indent="-228600" algn="l" defTabSz="914400" rtl="0" eaLnBrk="1" latinLnBrk="0" hangingPunct="1">
+              <a:lnSpc>
+                <a:spcPct val="90000"/>
+              </a:lnSpc>
+              <a:spcBef>
+                <a:spcPts val="500"/>
+              </a:spcBef>
+              <a:buFont typeface="Arial" panose="020B0604020202020204" pitchFamily="34" charset="0"/>
+              <a:buChar char="•"/>
+              <a:defRPr sz="1800" kern="1200">
+                <a:solidFill>
+                  <a:schemeClr val="tx1"/>
+                </a:solidFill>
+                <a:latin typeface="+mn-lt"/>
+                <a:ea typeface="+mn-ea"/>
+                <a:cs typeface="+mn-cs"/>
+              </a:defRPr>
+            </a:lvl4pPr>
+            <a:lvl5pPr marL="2057400" indent="-228600" algn="l" defTabSz="914400" rtl="0" eaLnBrk="1" latinLnBrk="0" hangingPunct="1">
+              <a:lnSpc>
+                <a:spcPct val="90000"/>
+              </a:lnSpc>
+              <a:spcBef>
+                <a:spcPts val="500"/>
+              </a:spcBef>
+              <a:buFont typeface="Arial" panose="020B0604020202020204" pitchFamily="34" charset="0"/>
+              <a:buChar char="•"/>
+              <a:defRPr sz="1800" kern="1200">
+                <a:solidFill>
+                  <a:schemeClr val="tx1"/>
+                </a:solidFill>
+                <a:latin typeface="+mn-lt"/>
+                <a:ea typeface="+mn-ea"/>
+                <a:cs typeface="+mn-cs"/>
+              </a:defRPr>
+            </a:lvl5pPr>
+            <a:lvl6pPr marL="2514600" indent="-228600" algn="l" defTabSz="914400" rtl="0" eaLnBrk="1" latinLnBrk="0" hangingPunct="1">
+              <a:lnSpc>
+                <a:spcPct val="90000"/>
+              </a:lnSpc>
+              <a:spcBef>
+                <a:spcPts val="500"/>
+              </a:spcBef>
+              <a:buFont typeface="Arial" panose="020B0604020202020204" pitchFamily="34" charset="0"/>
+              <a:buChar char="•"/>
+              <a:defRPr sz="1800" kern="1200">
+                <a:solidFill>
+                  <a:schemeClr val="tx1"/>
+                </a:solidFill>
+                <a:latin typeface="+mn-lt"/>
+                <a:ea typeface="+mn-ea"/>
+                <a:cs typeface="+mn-cs"/>
+              </a:defRPr>
+            </a:lvl6pPr>
+            <a:lvl7pPr marL="2971800" indent="-228600" algn="l" defTabSz="914400" rtl="0" eaLnBrk="1" latinLnBrk="0" hangingPunct="1">
+              <a:lnSpc>
+                <a:spcPct val="90000"/>
+              </a:lnSpc>
+              <a:spcBef>
+                <a:spcPts val="500"/>
+              </a:spcBef>
+              <a:buFont typeface="Arial" panose="020B0604020202020204" pitchFamily="34" charset="0"/>
+              <a:buChar char="•"/>
+              <a:defRPr sz="1800" kern="1200">
+                <a:solidFill>
+                  <a:schemeClr val="tx1"/>
+                </a:solidFill>
+                <a:latin typeface="+mn-lt"/>
+                <a:ea typeface="+mn-ea"/>
+                <a:cs typeface="+mn-cs"/>
+              </a:defRPr>
+            </a:lvl7pPr>
+            <a:lvl8pPr marL="3429000" indent="-228600" algn="l" defTabSz="914400" rtl="0" eaLnBrk="1" latinLnBrk="0" hangingPunct="1">
+              <a:lnSpc>
+                <a:spcPct val="90000"/>
+              </a:lnSpc>
+              <a:spcBef>
+                <a:spcPts val="500"/>
+              </a:spcBef>
+              <a:buFont typeface="Arial" panose="020B0604020202020204" pitchFamily="34" charset="0"/>
+              <a:buChar char="•"/>
+              <a:defRPr sz="1800" kern="1200">
+                <a:solidFill>
+                  <a:schemeClr val="tx1"/>
+                </a:solidFill>
+                <a:latin typeface="+mn-lt"/>
+                <a:ea typeface="+mn-ea"/>
+                <a:cs typeface="+mn-cs"/>
+              </a:defRPr>
+            </a:lvl8pPr>
+            <a:lvl9pPr marL="3886200" indent="-228600" algn="l" defTabSz="914400" rtl="0" eaLnBrk="1" latinLnBrk="0" hangingPunct="1">
+              <a:lnSpc>
+                <a:spcPct val="90000"/>
+              </a:lnSpc>
+              <a:spcBef>
+                <a:spcPts val="500"/>
+              </a:spcBef>
+              <a:buFont typeface="Arial" panose="020B0604020202020204" pitchFamily="34" charset="0"/>
+              <a:buChar char="•"/>
+              <a:defRPr sz="1800" kern="1200">
+                <a:solidFill>
+                  <a:schemeClr val="tx1"/>
+                </a:solidFill>
+                <a:latin typeface="+mn-lt"/>
+                <a:ea typeface="+mn-ea"/>
+                <a:cs typeface="+mn-cs"/>
+              </a:defRPr>
+            </a:lvl9pPr>
+          </a:lstStyle>
+          <a:p>
+            <a:pPr marL="0" indent="0" algn="r">
+              <a:buFont typeface="Arial" panose="020B0604020202020204" pitchFamily="34" charset="0"/>
+              <a:buNone/>
+            </a:pPr>
+            <a:r>
+              <a:rPr lang="fr-FR" dirty="0">
+                <a:sym typeface="Wingdings 3" panose="05040102010807070707" pitchFamily="18" charset="2"/>
+              </a:rPr>
+              <a:t> </a:t>
+            </a:r>
+          </a:p>
+          <a:p>
+            <a:pPr marL="0" indent="0" algn="r">
+              <a:buNone/>
+            </a:pPr>
+            <a:endParaRPr lang="fr-FR" dirty="0">
+              <a:sym typeface="Wingdings 3" panose="05040102010807070707" pitchFamily="18" charset="2"/>
+            </a:endParaRPr>
+          </a:p>
+          <a:p>
+            <a:pPr marL="0" indent="0" algn="r">
+              <a:buNone/>
+            </a:pPr>
+            <a:endParaRPr lang="fr-FR" dirty="0">
+              <a:sym typeface="Wingdings 3" panose="05040102010807070707" pitchFamily="18" charset="2"/>
+            </a:endParaRPr>
+          </a:p>
+          <a:p>
+            <a:pPr marL="0" indent="0" algn="r">
+              <a:buNone/>
+            </a:pPr>
+            <a:endParaRPr lang="fr-FR" dirty="0">
+              <a:sym typeface="Wingdings 3" panose="05040102010807070707" pitchFamily="18" charset="2"/>
+            </a:endParaRPr>
+          </a:p>
+          <a:p>
+            <a:pPr marL="0" indent="0" algn="r">
+              <a:buNone/>
+            </a:pPr>
+            <a:endParaRPr lang="fr-FR" dirty="0">
+              <a:sym typeface="Wingdings 3" panose="05040102010807070707" pitchFamily="18" charset="2"/>
+            </a:endParaRPr>
+          </a:p>
+        </p:txBody>
+      </p:sp>
+      <p:sp>
+        <p:nvSpPr>
+          <p:cNvPr id="12" name="Espace réservé du contenu 2">
+            <a:extLst>
+              <a:ext uri="{FF2B5EF4-FFF2-40B4-BE49-F238E27FC236}">
+                <a16:creationId xmlns:a16="http://schemas.microsoft.com/office/drawing/2014/main" id="{B9343F4B-F9DC-4809-8E16-28003E1E1894}"/>
+              </a:ext>
+            </a:extLst>
+          </p:cNvPr>
+          <p:cNvSpPr txBox="1">
+            <a:spLocks/>
+          </p:cNvSpPr>
+          <p:nvPr/>
+        </p:nvSpPr>
+        <p:spPr>
+          <a:xfrm>
+            <a:off x="981364" y="3315849"/>
+            <a:ext cx="10515600" cy="2366963"/>
+          </a:xfrm>
+          <a:prstGeom prst="rect">
+            <a:avLst/>
+          </a:prstGeom>
+        </p:spPr>
+        <p:txBody>
+          <a:bodyPr vert="horz" lIns="91440" tIns="45720" rIns="91440" bIns="45720" rtlCol="0">
+            <a:normAutofit/>
+          </a:bodyPr>
+          <a:lstStyle>
+            <a:lvl1pPr marL="228600" indent="-228600" algn="l" defTabSz="914400" rtl="0" eaLnBrk="1" latinLnBrk="0" hangingPunct="1">
+              <a:lnSpc>
+                <a:spcPct val="90000"/>
+              </a:lnSpc>
+              <a:spcBef>
+                <a:spcPts val="1000"/>
+              </a:spcBef>
+              <a:buFont typeface="Arial" panose="020B0604020202020204" pitchFamily="34" charset="0"/>
+              <a:buChar char="•"/>
+              <a:defRPr sz="2800" kern="1200">
+                <a:solidFill>
+                  <a:schemeClr val="tx1"/>
+                </a:solidFill>
+                <a:latin typeface="+mn-lt"/>
+                <a:ea typeface="+mn-ea"/>
+                <a:cs typeface="+mn-cs"/>
+              </a:defRPr>
+            </a:lvl1pPr>
+            <a:lvl2pPr marL="685800" indent="-228600" algn="l" defTabSz="914400" rtl="0" eaLnBrk="1" latinLnBrk="0" hangingPunct="1">
+              <a:lnSpc>
+                <a:spcPct val="90000"/>
+              </a:lnSpc>
+              <a:spcBef>
+                <a:spcPts val="500"/>
+              </a:spcBef>
+              <a:buFont typeface="Arial" panose="020B0604020202020204" pitchFamily="34" charset="0"/>
+              <a:buChar char="•"/>
+              <a:defRPr sz="2400" kern="1200">
+                <a:solidFill>
+                  <a:schemeClr val="tx1"/>
+                </a:solidFill>
+                <a:latin typeface="+mn-lt"/>
+                <a:ea typeface="+mn-ea"/>
+                <a:cs typeface="+mn-cs"/>
+              </a:defRPr>
+            </a:lvl2pPr>
+            <a:lvl3pPr marL="1143000" indent="-228600" algn="l" defTabSz="914400" rtl="0" eaLnBrk="1" latinLnBrk="0" hangingPunct="1">
+              <a:lnSpc>
+                <a:spcPct val="90000"/>
+              </a:lnSpc>
+              <a:spcBef>
+                <a:spcPts val="500"/>
+              </a:spcBef>
+              <a:buFont typeface="Arial" panose="020B0604020202020204" pitchFamily="34" charset="0"/>
+              <a:buChar char="•"/>
+              <a:defRPr sz="2000" kern="1200">
+                <a:solidFill>
+                  <a:schemeClr val="tx1"/>
+                </a:solidFill>
+                <a:latin typeface="+mn-lt"/>
+                <a:ea typeface="+mn-ea"/>
+                <a:cs typeface="+mn-cs"/>
+              </a:defRPr>
+            </a:lvl3pPr>
+            <a:lvl4pPr marL="1600200" indent="-228600" algn="l" defTabSz="914400" rtl="0" eaLnBrk="1" latinLnBrk="0" hangingPunct="1">
+              <a:lnSpc>
+                <a:spcPct val="90000"/>
+              </a:lnSpc>
+              <a:spcBef>
+                <a:spcPts val="500"/>
+              </a:spcBef>
+              <a:buFont typeface="Arial" panose="020B0604020202020204" pitchFamily="34" charset="0"/>
+              <a:buChar char="•"/>
+              <a:defRPr sz="1800" kern="1200">
+                <a:solidFill>
+                  <a:schemeClr val="tx1"/>
+                </a:solidFill>
+                <a:latin typeface="+mn-lt"/>
+                <a:ea typeface="+mn-ea"/>
+                <a:cs typeface="+mn-cs"/>
+              </a:defRPr>
+            </a:lvl4pPr>
+            <a:lvl5pPr marL="2057400" indent="-228600" algn="l" defTabSz="914400" rtl="0" eaLnBrk="1" latinLnBrk="0" hangingPunct="1">
+              <a:lnSpc>
+                <a:spcPct val="90000"/>
+              </a:lnSpc>
+              <a:spcBef>
+                <a:spcPts val="500"/>
+              </a:spcBef>
+              <a:buFont typeface="Arial" panose="020B0604020202020204" pitchFamily="34" charset="0"/>
+              <a:buChar char="•"/>
+              <a:defRPr sz="1800" kern="1200">
+                <a:solidFill>
+                  <a:schemeClr val="tx1"/>
+                </a:solidFill>
+                <a:latin typeface="+mn-lt"/>
+                <a:ea typeface="+mn-ea"/>
+                <a:cs typeface="+mn-cs"/>
+              </a:defRPr>
+            </a:lvl5pPr>
+            <a:lvl6pPr marL="2514600" indent="-228600" algn="l" defTabSz="914400" rtl="0" eaLnBrk="1" latinLnBrk="0" hangingPunct="1">
+              <a:lnSpc>
+                <a:spcPct val="90000"/>
+              </a:lnSpc>
+              <a:spcBef>
+                <a:spcPts val="500"/>
+              </a:spcBef>
+              <a:buFont typeface="Arial" panose="020B0604020202020204" pitchFamily="34" charset="0"/>
+              <a:buChar char="•"/>
+              <a:defRPr sz="1800" kern="1200">
+                <a:solidFill>
+                  <a:schemeClr val="tx1"/>
+                </a:solidFill>
+                <a:latin typeface="+mn-lt"/>
+                <a:ea typeface="+mn-ea"/>
+                <a:cs typeface="+mn-cs"/>
+              </a:defRPr>
+            </a:lvl6pPr>
+            <a:lvl7pPr marL="2971800" indent="-228600" algn="l" defTabSz="914400" rtl="0" eaLnBrk="1" latinLnBrk="0" hangingPunct="1">
+              <a:lnSpc>
+                <a:spcPct val="90000"/>
+              </a:lnSpc>
+              <a:spcBef>
+                <a:spcPts val="500"/>
+              </a:spcBef>
+              <a:buFont typeface="Arial" panose="020B0604020202020204" pitchFamily="34" charset="0"/>
+              <a:buChar char="•"/>
+              <a:defRPr sz="1800" kern="1200">
+                <a:solidFill>
+                  <a:schemeClr val="tx1"/>
+                </a:solidFill>
+                <a:latin typeface="+mn-lt"/>
+                <a:ea typeface="+mn-ea"/>
+                <a:cs typeface="+mn-cs"/>
+              </a:defRPr>
+            </a:lvl7pPr>
+            <a:lvl8pPr marL="3429000" indent="-228600" algn="l" defTabSz="914400" rtl="0" eaLnBrk="1" latinLnBrk="0" hangingPunct="1">
+              <a:lnSpc>
+                <a:spcPct val="90000"/>
+              </a:lnSpc>
+              <a:spcBef>
+                <a:spcPts val="500"/>
+              </a:spcBef>
+              <a:buFont typeface="Arial" panose="020B0604020202020204" pitchFamily="34" charset="0"/>
+              <a:buChar char="•"/>
+              <a:defRPr sz="1800" kern="1200">
+                <a:solidFill>
+                  <a:schemeClr val="tx1"/>
+                </a:solidFill>
+                <a:latin typeface="+mn-lt"/>
+                <a:ea typeface="+mn-ea"/>
+                <a:cs typeface="+mn-cs"/>
+              </a:defRPr>
+            </a:lvl8pPr>
+            <a:lvl9pPr marL="3886200" indent="-228600" algn="l" defTabSz="914400" rtl="0" eaLnBrk="1" latinLnBrk="0" hangingPunct="1">
+              <a:lnSpc>
+                <a:spcPct val="90000"/>
+              </a:lnSpc>
+              <a:spcBef>
+                <a:spcPts val="500"/>
+              </a:spcBef>
+              <a:buFont typeface="Arial" panose="020B0604020202020204" pitchFamily="34" charset="0"/>
+              <a:buChar char="•"/>
+              <a:defRPr sz="1800" kern="1200">
+                <a:solidFill>
+                  <a:schemeClr val="tx1"/>
+                </a:solidFill>
+                <a:latin typeface="+mn-lt"/>
+                <a:ea typeface="+mn-ea"/>
+                <a:cs typeface="+mn-cs"/>
+              </a:defRPr>
+            </a:lvl9pPr>
+          </a:lstStyle>
+          <a:p>
+            <a:pPr marL="0" indent="0" algn="r">
+              <a:buNone/>
+            </a:pPr>
+            <a:r>
+              <a:rPr lang="fr-FR" dirty="0">
+                <a:solidFill>
+                  <a:srgbClr val="00B050"/>
+                </a:solidFill>
+                <a:latin typeface="Consolas" panose="020B0609020204030204" pitchFamily="49" charset="0"/>
+                <a:sym typeface="Wingdings 3" panose="05040102010807070707" pitchFamily="18" charset="2"/>
+              </a:rPr>
+              <a:t>// 1</a:t>
+            </a:r>
+          </a:p>
+          <a:p>
+            <a:pPr marL="0" indent="0" algn="r">
+              <a:buNone/>
+            </a:pPr>
+            <a:endParaRPr lang="fr-FR" dirty="0">
+              <a:solidFill>
+                <a:srgbClr val="00B050"/>
+              </a:solidFill>
+              <a:latin typeface="Consolas" panose="020B0609020204030204" pitchFamily="49" charset="0"/>
+              <a:sym typeface="Wingdings 3" panose="05040102010807070707" pitchFamily="18" charset="2"/>
+            </a:endParaRPr>
+          </a:p>
+          <a:p>
+            <a:pPr marL="0" indent="0" algn="r">
+              <a:buNone/>
+            </a:pPr>
+            <a:r>
+              <a:rPr lang="fr-FR" dirty="0">
+                <a:solidFill>
+                  <a:srgbClr val="00B050"/>
+                </a:solidFill>
+                <a:latin typeface="Consolas" panose="020B0609020204030204" pitchFamily="49" charset="0"/>
+                <a:sym typeface="Wingdings 3" panose="05040102010807070707" pitchFamily="18" charset="2"/>
+              </a:rPr>
+              <a:t>// 2</a:t>
+            </a:r>
+          </a:p>
+        </p:txBody>
+      </p:sp>
+    </p:spTree>
+    <p:extLst>
+      <p:ext uri="{BB962C8B-B14F-4D97-AF65-F5344CB8AC3E}">
+        <p14:creationId xmlns:p14="http://schemas.microsoft.com/office/powerpoint/2010/main" val="1770820704"/>
+      </p:ext>
+    </p:extLst>
+  </p:cSld>
+  <p:clrMapOvr>
+    <a:masterClrMapping/>
+  </p:clrMapOvr>
+  <p:timing>
+    <p:tnLst>
+      <p:par>
+        <p:cTn id="1" dur="indefinite" restart="never" nodeType="tmRoot">
+          <p:childTnLst>
+            <p:seq concurrent="1" nextAc="seek">
+              <p:cTn id="2" dur="indefinite" nodeType="mainSeq">
+                <p:childTnLst>
+                  <p:par>
+                    <p:cTn id="3" fill="hold">
+                      <p:stCondLst>
+                        <p:cond delay="indefinite"/>
+                      </p:stCondLst>
+                      <p:childTnLst>
+                        <p:par>
+                          <p:cTn id="4" fill="hold">
+                            <p:stCondLst>
+                              <p:cond delay="0"/>
+                            </p:stCondLst>
+                            <p:childTnLst>
+                              <p:par>
+                                <p:cTn id="5" presetID="2" presetClass="entr" presetSubtype="2" fill="hold" grpId="0" nodeType="clickEffect">
+                                  <p:stCondLst>
+                                    <p:cond delay="0"/>
+                                  </p:stCondLst>
+                                  <p:childTnLst>
+                                    <p:set>
+                                      <p:cBhvr>
+                                        <p:cTn id="6" dur="1" fill="hold">
+                                          <p:stCondLst>
+                                            <p:cond delay="0"/>
+                                          </p:stCondLst>
+                                        </p:cTn>
+                                        <p:tgtEl>
+                                          <p:spTgt spid="12"/>
+                                        </p:tgtEl>
+                                        <p:attrNameLst>
+                                          <p:attrName>style.visibility</p:attrName>
+                                        </p:attrNameLst>
+                                      </p:cBhvr>
+                                      <p:to>
+                                        <p:strVal val="visible"/>
+                                      </p:to>
+                                    </p:set>
+                                    <p:anim calcmode="lin" valueType="num">
+                                      <p:cBhvr additive="base">
+                                        <p:cTn id="7" dur="500" fill="hold"/>
+                                        <p:tgtEl>
+                                          <p:spTgt spid="12"/>
+                                        </p:tgtEl>
+                                        <p:attrNameLst>
+                                          <p:attrName>ppt_x</p:attrName>
+                                        </p:attrNameLst>
+                                      </p:cBhvr>
+                                      <p:tavLst>
+                                        <p:tav tm="0">
+                                          <p:val>
+                                            <p:strVal val="1+#ppt_w/2"/>
+                                          </p:val>
+                                        </p:tav>
+                                        <p:tav tm="100000">
+                                          <p:val>
+                                            <p:strVal val="#ppt_x"/>
+                                          </p:val>
+                                        </p:tav>
+                                      </p:tavLst>
+                                    </p:anim>
+                                    <p:anim calcmode="lin" valueType="num">
+                                      <p:cBhvr additive="base">
+                                        <p:cTn id="8" dur="500" fill="hold"/>
+                                        <p:tgtEl>
+                                          <p:spTgt spid="12"/>
+                                        </p:tgtEl>
+                                        <p:attrNameLst>
+                                          <p:attrName>ppt_y</p:attrName>
+                                        </p:attrNameLst>
+                                      </p:cBhvr>
+                                      <p:tavLst>
+                                        <p:tav tm="0">
+                                          <p:val>
+                                            <p:strVal val="#ppt_y"/>
+                                          </p:val>
+                                        </p:tav>
+                                        <p:tav tm="100000">
+                                          <p:val>
+                                            <p:strVal val="#ppt_y"/>
+                                          </p:val>
+                                        </p:tav>
+                                      </p:tavLst>
+                                    </p:anim>
+                                  </p:childTnLst>
+                                </p:cTn>
+                              </p:par>
+                            </p:childTnLst>
+                          </p:cTn>
+                        </p:par>
+                      </p:childTnLst>
+                    </p:cTn>
+                  </p:par>
+                </p:childTnLst>
+              </p:cTn>
+              <p:prevCondLst>
+                <p:cond evt="onPrev" delay="0">
+                  <p:tgtEl>
+                    <p:sldTgt/>
+                  </p:tgtEl>
+                </p:cond>
+              </p:prevCondLst>
+              <p:nextCondLst>
+                <p:cond evt="onNext" delay="0">
+                  <p:tgtEl>
+                    <p:sldTgt/>
+                  </p:tgtEl>
+                </p:cond>
+              </p:nextCondLst>
+            </p:seq>
+          </p:childTnLst>
+        </p:cTn>
+      </p:par>
+    </p:tnLst>
+    <p:bldLst>
+      <p:bldP spid="12" grpId="0"/>
+    </p:bldLst>
+  </p:timing>
+</p:sld>
+</file>
+
+<file path=ppt/slides/slide30.xml><?xml version="1.0" encoding="utf-8"?>
+<p:sld xmlns:a="http://schemas.openxmlformats.org/drawingml/2006/main" xmlns:r="http://schemas.openxmlformats.org/officeDocument/2006/relationships" xmlns:p="http://schemas.openxmlformats.org/presentationml/2006/main">
+  <p:cSld>
+    <p:spTree>
+      <p:nvGrpSpPr>
+        <p:cNvPr id="1" name=""/>
+        <p:cNvGrpSpPr/>
+        <p:nvPr/>
+      </p:nvGrpSpPr>
+      <p:grpSpPr>
+        <a:xfrm>
+          <a:off x="0" y="0"/>
+          <a:ext cx="0" cy="0"/>
+          <a:chOff x="0" y="0"/>
+          <a:chExt cx="0" cy="0"/>
+        </a:xfrm>
+      </p:grpSpPr>
+      <p:sp>
+        <p:nvSpPr>
+          <p:cNvPr id="2" name="Titre 1">
+            <a:extLst>
+              <a:ext uri="{FF2B5EF4-FFF2-40B4-BE49-F238E27FC236}">
                 <a16:creationId xmlns:a16="http://schemas.microsoft.com/office/drawing/2014/main" id="{953B240B-3482-4349-AE0C-741CF30ABF31}"/>
               </a:ext>
             </a:extLst>
@@ -23529,7 +25541,7 @@
 </p:sld>
 </file>
 
-<file path=ppt/slides/slide29.xml><?xml version="1.0" encoding="utf-8"?>
+<file path=ppt/slides/slide31.xml><?xml version="1.0" encoding="utf-8"?>
 <p:sld xmlns:a="http://schemas.openxmlformats.org/drawingml/2006/main" xmlns:r="http://schemas.openxmlformats.org/officeDocument/2006/relationships" xmlns:p="http://schemas.openxmlformats.org/presentationml/2006/main">
   <p:cSld>
     <p:spTree>
@@ -24197,1069 +26209,7 @@
 </p:sld>
 </file>
 
-<file path=ppt/slides/slide3.xml><?xml version="1.0" encoding="utf-8"?>
-<p:sld xmlns:a="http://schemas.openxmlformats.org/drawingml/2006/main" xmlns:r="http://schemas.openxmlformats.org/officeDocument/2006/relationships" xmlns:p="http://schemas.openxmlformats.org/presentationml/2006/main">
-  <p:cSld>
-    <p:spTree>
-      <p:nvGrpSpPr>
-        <p:cNvPr id="1" name=""/>
-        <p:cNvGrpSpPr/>
-        <p:nvPr/>
-      </p:nvGrpSpPr>
-      <p:grpSpPr>
-        <a:xfrm>
-          <a:off x="0" y="0"/>
-          <a:ext cx="0" cy="0"/>
-          <a:chOff x="0" y="0"/>
-          <a:chExt cx="0" cy="0"/>
-        </a:xfrm>
-      </p:grpSpPr>
-      <p:sp>
-        <p:nvSpPr>
-          <p:cNvPr id="2" name="Titre 1">
-            <a:extLst>
-              <a:ext uri="{FF2B5EF4-FFF2-40B4-BE49-F238E27FC236}">
-                <a16:creationId xmlns:a16="http://schemas.microsoft.com/office/drawing/2014/main" id="{CCC5F13B-0095-4A4E-BAC7-AE523A4D9FF8}"/>
-              </a:ext>
-            </a:extLst>
-          </p:cNvPr>
-          <p:cNvSpPr>
-            <a:spLocks noGrp="1"/>
-          </p:cNvSpPr>
-          <p:nvPr>
-            <p:ph type="title"/>
-          </p:nvPr>
-        </p:nvSpPr>
-        <p:spPr/>
-        <p:txBody>
-          <a:bodyPr/>
-          <a:lstStyle/>
-          <a:p>
-            <a:r>
-              <a:rPr lang="fr-FR" dirty="0"/>
-              <a:t>Variables</a:t>
-            </a:r>
-          </a:p>
-        </p:txBody>
-      </p:sp>
-      <p:sp>
-        <p:nvSpPr>
-          <p:cNvPr id="3" name="Espace réservé du contenu 2">
-            <a:extLst>
-              <a:ext uri="{FF2B5EF4-FFF2-40B4-BE49-F238E27FC236}">
-                <a16:creationId xmlns:a16="http://schemas.microsoft.com/office/drawing/2014/main" id="{0579304D-8FF5-4C4A-8A1C-8B53201561FA}"/>
-              </a:ext>
-            </a:extLst>
-          </p:cNvPr>
-          <p:cNvSpPr>
-            <a:spLocks noGrp="1"/>
-          </p:cNvSpPr>
-          <p:nvPr>
-            <p:ph idx="1"/>
-          </p:nvPr>
-        </p:nvSpPr>
-        <p:spPr>
-          <a:xfrm>
-            <a:off x="838200" y="1403928"/>
-            <a:ext cx="10515600" cy="5347854"/>
-          </a:xfrm>
-        </p:spPr>
-        <p:txBody>
-          <a:bodyPr>
-            <a:normAutofit/>
-          </a:bodyPr>
-          <a:lstStyle/>
-          <a:p>
-            <a:pPr marL="0" indent="0">
-              <a:buNone/>
-            </a:pPr>
-            <a:r>
-              <a:rPr lang="fr-FR" b="0" dirty="0">
-                <a:solidFill>
-                  <a:srgbClr val="D73A49"/>
-                </a:solidFill>
-                <a:effectLst/>
-                <a:latin typeface="Consolas" panose="020B0609020204030204" pitchFamily="49" charset="0"/>
-              </a:rPr>
-              <a:t>#include</a:t>
-            </a:r>
-            <a:r>
-              <a:rPr lang="fr-FR" b="0" dirty="0">
-                <a:solidFill>
-                  <a:srgbClr val="24292E"/>
-                </a:solidFill>
-                <a:effectLst/>
-                <a:latin typeface="Consolas" panose="020B0609020204030204" pitchFamily="49" charset="0"/>
-              </a:rPr>
-              <a:t> </a:t>
-            </a:r>
-            <a:r>
-              <a:rPr lang="fr-FR" b="0" dirty="0">
-                <a:solidFill>
-                  <a:srgbClr val="032F62"/>
-                </a:solidFill>
-                <a:effectLst/>
-                <a:latin typeface="Consolas" panose="020B0609020204030204" pitchFamily="49" charset="0"/>
-              </a:rPr>
-              <a:t>&lt;</a:t>
-            </a:r>
-            <a:r>
-              <a:rPr lang="fr-FR" b="0" dirty="0" err="1">
-                <a:solidFill>
-                  <a:srgbClr val="032F62"/>
-                </a:solidFill>
-                <a:effectLst/>
-                <a:latin typeface="Consolas" panose="020B0609020204030204" pitchFamily="49" charset="0"/>
-              </a:rPr>
-              <a:t>stdio.h</a:t>
-            </a:r>
-            <a:r>
-              <a:rPr lang="fr-FR" b="0" dirty="0">
-                <a:solidFill>
-                  <a:srgbClr val="032F62"/>
-                </a:solidFill>
-                <a:effectLst/>
-                <a:latin typeface="Consolas" panose="020B0609020204030204" pitchFamily="49" charset="0"/>
-              </a:rPr>
-              <a:t>&gt;</a:t>
-            </a:r>
-          </a:p>
-          <a:p>
-            <a:pPr marL="0" indent="0">
-              <a:buNone/>
-            </a:pPr>
-            <a:br>
-              <a:rPr lang="fr-FR" b="0" dirty="0">
-                <a:solidFill>
-                  <a:srgbClr val="24292E"/>
-                </a:solidFill>
-                <a:effectLst/>
-                <a:latin typeface="Consolas" panose="020B0609020204030204" pitchFamily="49" charset="0"/>
-              </a:rPr>
-            </a:br>
-            <a:r>
-              <a:rPr lang="fr-FR" b="0" dirty="0" err="1">
-                <a:solidFill>
-                  <a:srgbClr val="D73A49"/>
-                </a:solidFill>
-                <a:effectLst/>
-                <a:latin typeface="Consolas" panose="020B0609020204030204" pitchFamily="49" charset="0"/>
-              </a:rPr>
-              <a:t>int</a:t>
-            </a:r>
-            <a:r>
-              <a:rPr lang="fr-FR" b="0" dirty="0">
-                <a:solidFill>
-                  <a:srgbClr val="24292E"/>
-                </a:solidFill>
-                <a:effectLst/>
-                <a:latin typeface="Consolas" panose="020B0609020204030204" pitchFamily="49" charset="0"/>
-              </a:rPr>
-              <a:t> </a:t>
-            </a:r>
-            <a:r>
-              <a:rPr lang="fr-FR" b="0" dirty="0">
-                <a:solidFill>
-                  <a:srgbClr val="6F42C1"/>
-                </a:solidFill>
-                <a:effectLst/>
-                <a:latin typeface="Consolas" panose="020B0609020204030204" pitchFamily="49" charset="0"/>
-              </a:rPr>
-              <a:t>main</a:t>
-            </a:r>
-            <a:r>
-              <a:rPr lang="fr-FR" b="0" dirty="0">
-                <a:solidFill>
-                  <a:srgbClr val="24292E"/>
-                </a:solidFill>
-                <a:effectLst/>
-                <a:latin typeface="Consolas" panose="020B0609020204030204" pitchFamily="49" charset="0"/>
-              </a:rPr>
-              <a:t>() {</a:t>
-            </a:r>
-          </a:p>
-          <a:p>
-            <a:pPr marL="0" indent="0">
-              <a:buNone/>
-            </a:pPr>
-            <a:r>
-              <a:rPr lang="fr-FR" b="0" dirty="0">
-                <a:solidFill>
-                  <a:srgbClr val="24292E"/>
-                </a:solidFill>
-                <a:effectLst/>
-                <a:latin typeface="Consolas" panose="020B0609020204030204" pitchFamily="49" charset="0"/>
-              </a:rPr>
-              <a:t>    </a:t>
-            </a:r>
-            <a:r>
-              <a:rPr lang="fr-FR" b="0" dirty="0" err="1">
-                <a:solidFill>
-                  <a:srgbClr val="D73A49"/>
-                </a:solidFill>
-                <a:effectLst/>
-                <a:latin typeface="Consolas" panose="020B0609020204030204" pitchFamily="49" charset="0"/>
-              </a:rPr>
-              <a:t>int</a:t>
-            </a:r>
-            <a:r>
-              <a:rPr lang="fr-FR" b="0" dirty="0">
-                <a:solidFill>
-                  <a:srgbClr val="24292E"/>
-                </a:solidFill>
-                <a:effectLst/>
-                <a:latin typeface="Consolas" panose="020B0609020204030204" pitchFamily="49" charset="0"/>
-              </a:rPr>
-              <a:t> chiffre = 1;</a:t>
-            </a:r>
-          </a:p>
-          <a:p>
-            <a:pPr marL="0" indent="0">
-              <a:buNone/>
-            </a:pPr>
-            <a:r>
-              <a:rPr lang="fr-FR" b="0" dirty="0">
-                <a:solidFill>
-                  <a:srgbClr val="24292E"/>
-                </a:solidFill>
-                <a:effectLst/>
-                <a:latin typeface="Consolas" panose="020B0609020204030204" pitchFamily="49" charset="0"/>
-              </a:rPr>
-              <a:t>    </a:t>
-            </a:r>
-            <a:r>
-              <a:rPr lang="fr-FR" b="0" dirty="0">
-                <a:solidFill>
-                  <a:srgbClr val="6F42C1"/>
-                </a:solidFill>
-                <a:effectLst/>
-                <a:latin typeface="Consolas" panose="020B0609020204030204" pitchFamily="49" charset="0"/>
-              </a:rPr>
-              <a:t>printf</a:t>
-            </a:r>
-            <a:r>
-              <a:rPr lang="fr-FR" b="0" dirty="0">
-                <a:solidFill>
-                  <a:srgbClr val="24292E"/>
-                </a:solidFill>
-                <a:effectLst/>
-                <a:latin typeface="Consolas" panose="020B0609020204030204" pitchFamily="49" charset="0"/>
-              </a:rPr>
-              <a:t>(</a:t>
-            </a:r>
-            <a:r>
-              <a:rPr lang="fr-FR" b="0" dirty="0">
-                <a:solidFill>
-                  <a:srgbClr val="032F62"/>
-                </a:solidFill>
-                <a:effectLst/>
-                <a:latin typeface="Consolas" panose="020B0609020204030204" pitchFamily="49" charset="0"/>
-              </a:rPr>
-              <a:t>"</a:t>
-            </a:r>
-            <a:r>
-              <a:rPr lang="fr-FR" b="0" dirty="0">
-                <a:solidFill>
-                  <a:srgbClr val="005CC5"/>
-                </a:solidFill>
-                <a:effectLst/>
-                <a:latin typeface="Consolas" panose="020B0609020204030204" pitchFamily="49" charset="0"/>
-              </a:rPr>
-              <a:t>%d\n</a:t>
-            </a:r>
-            <a:r>
-              <a:rPr lang="fr-FR" b="0" dirty="0">
-                <a:solidFill>
-                  <a:srgbClr val="032F62"/>
-                </a:solidFill>
-                <a:effectLst/>
-                <a:latin typeface="Consolas" panose="020B0609020204030204" pitchFamily="49" charset="0"/>
-              </a:rPr>
-              <a:t>"</a:t>
-            </a:r>
-            <a:r>
-              <a:rPr lang="fr-FR" b="0" dirty="0">
-                <a:solidFill>
-                  <a:srgbClr val="24292E"/>
-                </a:solidFill>
-                <a:effectLst/>
-                <a:latin typeface="Consolas" panose="020B0609020204030204" pitchFamily="49" charset="0"/>
-              </a:rPr>
-              <a:t>, chiffre);</a:t>
-            </a:r>
-          </a:p>
-          <a:p>
-            <a:pPr marL="0" indent="0">
-              <a:buNone/>
-            </a:pPr>
-            <a:r>
-              <a:rPr lang="fr-FR" b="0" dirty="0">
-                <a:solidFill>
-                  <a:srgbClr val="24292E"/>
-                </a:solidFill>
-                <a:effectLst/>
-                <a:latin typeface="Consolas" panose="020B0609020204030204" pitchFamily="49" charset="0"/>
-              </a:rPr>
-              <a:t>    chiffre = 2;</a:t>
-            </a:r>
-          </a:p>
-          <a:p>
-            <a:pPr marL="0" indent="0">
-              <a:buNone/>
-            </a:pPr>
-            <a:r>
-              <a:rPr lang="fr-FR" b="0" dirty="0">
-                <a:solidFill>
-                  <a:srgbClr val="24292E"/>
-                </a:solidFill>
-                <a:effectLst/>
-                <a:latin typeface="Consolas" panose="020B0609020204030204" pitchFamily="49" charset="0"/>
-              </a:rPr>
-              <a:t>    </a:t>
-            </a:r>
-            <a:r>
-              <a:rPr lang="fr-FR" b="0" dirty="0">
-                <a:solidFill>
-                  <a:srgbClr val="6F42C1"/>
-                </a:solidFill>
-                <a:effectLst/>
-                <a:latin typeface="Consolas" panose="020B0609020204030204" pitchFamily="49" charset="0"/>
-              </a:rPr>
-              <a:t>printf</a:t>
-            </a:r>
-            <a:r>
-              <a:rPr lang="fr-FR" b="0" dirty="0">
-                <a:solidFill>
-                  <a:srgbClr val="24292E"/>
-                </a:solidFill>
-                <a:effectLst/>
-                <a:latin typeface="Consolas" panose="020B0609020204030204" pitchFamily="49" charset="0"/>
-              </a:rPr>
-              <a:t>(</a:t>
-            </a:r>
-            <a:r>
-              <a:rPr lang="fr-FR" b="0" dirty="0">
-                <a:solidFill>
-                  <a:srgbClr val="032F62"/>
-                </a:solidFill>
-                <a:effectLst/>
-                <a:latin typeface="Consolas" panose="020B0609020204030204" pitchFamily="49" charset="0"/>
-              </a:rPr>
-              <a:t>"</a:t>
-            </a:r>
-            <a:r>
-              <a:rPr lang="fr-FR" b="0" dirty="0">
-                <a:solidFill>
-                  <a:srgbClr val="005CC5"/>
-                </a:solidFill>
-                <a:effectLst/>
-                <a:latin typeface="Consolas" panose="020B0609020204030204" pitchFamily="49" charset="0"/>
-              </a:rPr>
-              <a:t>%d\n</a:t>
-            </a:r>
-            <a:r>
-              <a:rPr lang="fr-FR" b="0" dirty="0">
-                <a:solidFill>
-                  <a:srgbClr val="032F62"/>
-                </a:solidFill>
-                <a:effectLst/>
-                <a:latin typeface="Consolas" panose="020B0609020204030204" pitchFamily="49" charset="0"/>
-              </a:rPr>
-              <a:t>"</a:t>
-            </a:r>
-            <a:r>
-              <a:rPr lang="fr-FR" b="0" dirty="0">
-                <a:solidFill>
-                  <a:srgbClr val="24292E"/>
-                </a:solidFill>
-                <a:effectLst/>
-                <a:latin typeface="Consolas" panose="020B0609020204030204" pitchFamily="49" charset="0"/>
-              </a:rPr>
-              <a:t>, chiffre);</a:t>
-            </a:r>
-          </a:p>
-          <a:p>
-            <a:pPr marL="0" indent="0">
-              <a:buNone/>
-            </a:pPr>
-            <a:r>
-              <a:rPr lang="fr-FR" b="0" dirty="0">
-                <a:solidFill>
-                  <a:srgbClr val="24292E"/>
-                </a:solidFill>
-                <a:effectLst/>
-                <a:latin typeface="Consolas" panose="020B0609020204030204" pitchFamily="49" charset="0"/>
-              </a:rPr>
-              <a:t>    </a:t>
-            </a:r>
-            <a:r>
-              <a:rPr lang="fr-FR" b="0" dirty="0">
-                <a:solidFill>
-                  <a:srgbClr val="D73A49"/>
-                </a:solidFill>
-                <a:effectLst/>
-                <a:latin typeface="Consolas" panose="020B0609020204030204" pitchFamily="49" charset="0"/>
-              </a:rPr>
-              <a:t>return</a:t>
-            </a:r>
-            <a:r>
-              <a:rPr lang="fr-FR" b="0" dirty="0">
-                <a:solidFill>
-                  <a:srgbClr val="24292E"/>
-                </a:solidFill>
-                <a:effectLst/>
-                <a:latin typeface="Consolas" panose="020B0609020204030204" pitchFamily="49" charset="0"/>
-              </a:rPr>
-              <a:t> </a:t>
-            </a:r>
-            <a:r>
-              <a:rPr lang="fr-FR" b="0" dirty="0">
-                <a:solidFill>
-                  <a:srgbClr val="005CC5"/>
-                </a:solidFill>
-                <a:effectLst/>
-                <a:latin typeface="Consolas" panose="020B0609020204030204" pitchFamily="49" charset="0"/>
-              </a:rPr>
-              <a:t>0</a:t>
-            </a:r>
-            <a:r>
-              <a:rPr lang="fr-FR" b="0" dirty="0">
-                <a:solidFill>
-                  <a:srgbClr val="24292E"/>
-                </a:solidFill>
-                <a:effectLst/>
-                <a:latin typeface="Consolas" panose="020B0609020204030204" pitchFamily="49" charset="0"/>
-              </a:rPr>
-              <a:t>;</a:t>
-            </a:r>
-          </a:p>
-          <a:p>
-            <a:pPr marL="0" indent="0">
-              <a:buNone/>
-            </a:pPr>
-            <a:r>
-              <a:rPr lang="fr-FR" b="0" dirty="0">
-                <a:solidFill>
-                  <a:srgbClr val="24292E"/>
-                </a:solidFill>
-                <a:effectLst/>
-                <a:latin typeface="Consolas" panose="020B0609020204030204" pitchFamily="49" charset="0"/>
-              </a:rPr>
-              <a:t>}</a:t>
-            </a:r>
-          </a:p>
-        </p:txBody>
-      </p:sp>
-      <p:sp>
-        <p:nvSpPr>
-          <p:cNvPr id="5" name="Espace réservé du contenu 2">
-            <a:extLst>
-              <a:ext uri="{FF2B5EF4-FFF2-40B4-BE49-F238E27FC236}">
-                <a16:creationId xmlns:a16="http://schemas.microsoft.com/office/drawing/2014/main" id="{F10D1959-ABE5-4261-8252-3AE0CE4FFBF7}"/>
-              </a:ext>
-            </a:extLst>
-          </p:cNvPr>
-          <p:cNvSpPr txBox="1">
-            <a:spLocks/>
-          </p:cNvSpPr>
-          <p:nvPr/>
-        </p:nvSpPr>
-        <p:spPr>
-          <a:xfrm>
-            <a:off x="838200" y="1825625"/>
-            <a:ext cx="10515600" cy="4351338"/>
-          </a:xfrm>
-          <a:prstGeom prst="rect">
-            <a:avLst/>
-          </a:prstGeom>
-        </p:spPr>
-        <p:txBody>
-          <a:bodyPr vert="horz" lIns="91440" tIns="45720" rIns="91440" bIns="45720" rtlCol="0">
-            <a:normAutofit/>
-          </a:bodyPr>
-          <a:lstStyle>
-            <a:lvl1pPr marL="228600" indent="-228600" algn="l" defTabSz="914400" rtl="0" eaLnBrk="1" latinLnBrk="0" hangingPunct="1">
-              <a:lnSpc>
-                <a:spcPct val="90000"/>
-              </a:lnSpc>
-              <a:spcBef>
-                <a:spcPts val="1000"/>
-              </a:spcBef>
-              <a:buFont typeface="Arial" panose="020B0604020202020204" pitchFamily="34" charset="0"/>
-              <a:buChar char="•"/>
-              <a:defRPr sz="2800" kern="1200">
-                <a:solidFill>
-                  <a:schemeClr val="tx1"/>
-                </a:solidFill>
-                <a:latin typeface="+mn-lt"/>
-                <a:ea typeface="+mn-ea"/>
-                <a:cs typeface="+mn-cs"/>
-              </a:defRPr>
-            </a:lvl1pPr>
-            <a:lvl2pPr marL="685800" indent="-228600" algn="l" defTabSz="914400" rtl="0" eaLnBrk="1" latinLnBrk="0" hangingPunct="1">
-              <a:lnSpc>
-                <a:spcPct val="90000"/>
-              </a:lnSpc>
-              <a:spcBef>
-                <a:spcPts val="500"/>
-              </a:spcBef>
-              <a:buFont typeface="Arial" panose="020B0604020202020204" pitchFamily="34" charset="0"/>
-              <a:buChar char="•"/>
-              <a:defRPr sz="2400" kern="1200">
-                <a:solidFill>
-                  <a:schemeClr val="tx1"/>
-                </a:solidFill>
-                <a:latin typeface="+mn-lt"/>
-                <a:ea typeface="+mn-ea"/>
-                <a:cs typeface="+mn-cs"/>
-              </a:defRPr>
-            </a:lvl2pPr>
-            <a:lvl3pPr marL="1143000" indent="-228600" algn="l" defTabSz="914400" rtl="0" eaLnBrk="1" latinLnBrk="0" hangingPunct="1">
-              <a:lnSpc>
-                <a:spcPct val="90000"/>
-              </a:lnSpc>
-              <a:spcBef>
-                <a:spcPts val="500"/>
-              </a:spcBef>
-              <a:buFont typeface="Arial" panose="020B0604020202020204" pitchFamily="34" charset="0"/>
-              <a:buChar char="•"/>
-              <a:defRPr sz="2000" kern="1200">
-                <a:solidFill>
-                  <a:schemeClr val="tx1"/>
-                </a:solidFill>
-                <a:latin typeface="+mn-lt"/>
-                <a:ea typeface="+mn-ea"/>
-                <a:cs typeface="+mn-cs"/>
-              </a:defRPr>
-            </a:lvl3pPr>
-            <a:lvl4pPr marL="1600200" indent="-228600" algn="l" defTabSz="914400" rtl="0" eaLnBrk="1" latinLnBrk="0" hangingPunct="1">
-              <a:lnSpc>
-                <a:spcPct val="90000"/>
-              </a:lnSpc>
-              <a:spcBef>
-                <a:spcPts val="500"/>
-              </a:spcBef>
-              <a:buFont typeface="Arial" panose="020B0604020202020204" pitchFamily="34" charset="0"/>
-              <a:buChar char="•"/>
-              <a:defRPr sz="1800" kern="1200">
-                <a:solidFill>
-                  <a:schemeClr val="tx1"/>
-                </a:solidFill>
-                <a:latin typeface="+mn-lt"/>
-                <a:ea typeface="+mn-ea"/>
-                <a:cs typeface="+mn-cs"/>
-              </a:defRPr>
-            </a:lvl4pPr>
-            <a:lvl5pPr marL="2057400" indent="-228600" algn="l" defTabSz="914400" rtl="0" eaLnBrk="1" latinLnBrk="0" hangingPunct="1">
-              <a:lnSpc>
-                <a:spcPct val="90000"/>
-              </a:lnSpc>
-              <a:spcBef>
-                <a:spcPts val="500"/>
-              </a:spcBef>
-              <a:buFont typeface="Arial" panose="020B0604020202020204" pitchFamily="34" charset="0"/>
-              <a:buChar char="•"/>
-              <a:defRPr sz="1800" kern="1200">
-                <a:solidFill>
-                  <a:schemeClr val="tx1"/>
-                </a:solidFill>
-                <a:latin typeface="+mn-lt"/>
-                <a:ea typeface="+mn-ea"/>
-                <a:cs typeface="+mn-cs"/>
-              </a:defRPr>
-            </a:lvl5pPr>
-            <a:lvl6pPr marL="2514600" indent="-228600" algn="l" defTabSz="914400" rtl="0" eaLnBrk="1" latinLnBrk="0" hangingPunct="1">
-              <a:lnSpc>
-                <a:spcPct val="90000"/>
-              </a:lnSpc>
-              <a:spcBef>
-                <a:spcPts val="500"/>
-              </a:spcBef>
-              <a:buFont typeface="Arial" panose="020B0604020202020204" pitchFamily="34" charset="0"/>
-              <a:buChar char="•"/>
-              <a:defRPr sz="1800" kern="1200">
-                <a:solidFill>
-                  <a:schemeClr val="tx1"/>
-                </a:solidFill>
-                <a:latin typeface="+mn-lt"/>
-                <a:ea typeface="+mn-ea"/>
-                <a:cs typeface="+mn-cs"/>
-              </a:defRPr>
-            </a:lvl6pPr>
-            <a:lvl7pPr marL="2971800" indent="-228600" algn="l" defTabSz="914400" rtl="0" eaLnBrk="1" latinLnBrk="0" hangingPunct="1">
-              <a:lnSpc>
-                <a:spcPct val="90000"/>
-              </a:lnSpc>
-              <a:spcBef>
-                <a:spcPts val="500"/>
-              </a:spcBef>
-              <a:buFont typeface="Arial" panose="020B0604020202020204" pitchFamily="34" charset="0"/>
-              <a:buChar char="•"/>
-              <a:defRPr sz="1800" kern="1200">
-                <a:solidFill>
-                  <a:schemeClr val="tx1"/>
-                </a:solidFill>
-                <a:latin typeface="+mn-lt"/>
-                <a:ea typeface="+mn-ea"/>
-                <a:cs typeface="+mn-cs"/>
-              </a:defRPr>
-            </a:lvl7pPr>
-            <a:lvl8pPr marL="3429000" indent="-228600" algn="l" defTabSz="914400" rtl="0" eaLnBrk="1" latinLnBrk="0" hangingPunct="1">
-              <a:lnSpc>
-                <a:spcPct val="90000"/>
-              </a:lnSpc>
-              <a:spcBef>
-                <a:spcPts val="500"/>
-              </a:spcBef>
-              <a:buFont typeface="Arial" panose="020B0604020202020204" pitchFamily="34" charset="0"/>
-              <a:buChar char="•"/>
-              <a:defRPr sz="1800" kern="1200">
-                <a:solidFill>
-                  <a:schemeClr val="tx1"/>
-                </a:solidFill>
-                <a:latin typeface="+mn-lt"/>
-                <a:ea typeface="+mn-ea"/>
-                <a:cs typeface="+mn-cs"/>
-              </a:defRPr>
-            </a:lvl8pPr>
-            <a:lvl9pPr marL="3886200" indent="-228600" algn="l" defTabSz="914400" rtl="0" eaLnBrk="1" latinLnBrk="0" hangingPunct="1">
-              <a:lnSpc>
-                <a:spcPct val="90000"/>
-              </a:lnSpc>
-              <a:spcBef>
-                <a:spcPts val="500"/>
-              </a:spcBef>
-              <a:buFont typeface="Arial" panose="020B0604020202020204" pitchFamily="34" charset="0"/>
-              <a:buChar char="•"/>
-              <a:defRPr sz="1800" kern="1200">
-                <a:solidFill>
-                  <a:schemeClr val="tx1"/>
-                </a:solidFill>
-                <a:latin typeface="+mn-lt"/>
-                <a:ea typeface="+mn-ea"/>
-                <a:cs typeface="+mn-cs"/>
-              </a:defRPr>
-            </a:lvl9pPr>
-          </a:lstStyle>
-          <a:p>
-            <a:pPr marL="0" indent="0" algn="r">
-              <a:buFont typeface="Arial" panose="020B0604020202020204" pitchFamily="34" charset="0"/>
-              <a:buNone/>
-            </a:pPr>
-            <a:r>
-              <a:rPr lang="fr-FR" dirty="0">
-                <a:sym typeface="Wingdings 3" panose="05040102010807070707" pitchFamily="18" charset="2"/>
-              </a:rPr>
-              <a:t> </a:t>
-            </a:r>
-          </a:p>
-          <a:p>
-            <a:pPr marL="0" indent="0" algn="r">
-              <a:buNone/>
-            </a:pPr>
-            <a:endParaRPr lang="fr-FR" dirty="0">
-              <a:sym typeface="Wingdings 3" panose="05040102010807070707" pitchFamily="18" charset="2"/>
-            </a:endParaRPr>
-          </a:p>
-          <a:p>
-            <a:pPr marL="0" indent="0" algn="r">
-              <a:buNone/>
-            </a:pPr>
-            <a:endParaRPr lang="fr-FR" dirty="0">
-              <a:sym typeface="Wingdings 3" panose="05040102010807070707" pitchFamily="18" charset="2"/>
-            </a:endParaRPr>
-          </a:p>
-          <a:p>
-            <a:pPr marL="0" indent="0" algn="r">
-              <a:buNone/>
-            </a:pPr>
-            <a:endParaRPr lang="fr-FR" dirty="0">
-              <a:sym typeface="Wingdings 3" panose="05040102010807070707" pitchFamily="18" charset="2"/>
-            </a:endParaRPr>
-          </a:p>
-          <a:p>
-            <a:pPr marL="0" indent="0" algn="r">
-              <a:buNone/>
-            </a:pPr>
-            <a:endParaRPr lang="fr-FR" dirty="0">
-              <a:sym typeface="Wingdings 3" panose="05040102010807070707" pitchFamily="18" charset="2"/>
-            </a:endParaRPr>
-          </a:p>
-        </p:txBody>
-      </p:sp>
-      <p:sp>
-        <p:nvSpPr>
-          <p:cNvPr id="12" name="Espace réservé du contenu 2">
-            <a:extLst>
-              <a:ext uri="{FF2B5EF4-FFF2-40B4-BE49-F238E27FC236}">
-                <a16:creationId xmlns:a16="http://schemas.microsoft.com/office/drawing/2014/main" id="{B9343F4B-F9DC-4809-8E16-28003E1E1894}"/>
-              </a:ext>
-            </a:extLst>
-          </p:cNvPr>
-          <p:cNvSpPr txBox="1">
-            <a:spLocks/>
-          </p:cNvSpPr>
-          <p:nvPr/>
-        </p:nvSpPr>
-        <p:spPr>
-          <a:xfrm>
-            <a:off x="981364" y="3315849"/>
-            <a:ext cx="10515600" cy="2366963"/>
-          </a:xfrm>
-          <a:prstGeom prst="rect">
-            <a:avLst/>
-          </a:prstGeom>
-        </p:spPr>
-        <p:txBody>
-          <a:bodyPr vert="horz" lIns="91440" tIns="45720" rIns="91440" bIns="45720" rtlCol="0">
-            <a:normAutofit/>
-          </a:bodyPr>
-          <a:lstStyle>
-            <a:lvl1pPr marL="228600" indent="-228600" algn="l" defTabSz="914400" rtl="0" eaLnBrk="1" latinLnBrk="0" hangingPunct="1">
-              <a:lnSpc>
-                <a:spcPct val="90000"/>
-              </a:lnSpc>
-              <a:spcBef>
-                <a:spcPts val="1000"/>
-              </a:spcBef>
-              <a:buFont typeface="Arial" panose="020B0604020202020204" pitchFamily="34" charset="0"/>
-              <a:buChar char="•"/>
-              <a:defRPr sz="2800" kern="1200">
-                <a:solidFill>
-                  <a:schemeClr val="tx1"/>
-                </a:solidFill>
-                <a:latin typeface="+mn-lt"/>
-                <a:ea typeface="+mn-ea"/>
-                <a:cs typeface="+mn-cs"/>
-              </a:defRPr>
-            </a:lvl1pPr>
-            <a:lvl2pPr marL="685800" indent="-228600" algn="l" defTabSz="914400" rtl="0" eaLnBrk="1" latinLnBrk="0" hangingPunct="1">
-              <a:lnSpc>
-                <a:spcPct val="90000"/>
-              </a:lnSpc>
-              <a:spcBef>
-                <a:spcPts val="500"/>
-              </a:spcBef>
-              <a:buFont typeface="Arial" panose="020B0604020202020204" pitchFamily="34" charset="0"/>
-              <a:buChar char="•"/>
-              <a:defRPr sz="2400" kern="1200">
-                <a:solidFill>
-                  <a:schemeClr val="tx1"/>
-                </a:solidFill>
-                <a:latin typeface="+mn-lt"/>
-                <a:ea typeface="+mn-ea"/>
-                <a:cs typeface="+mn-cs"/>
-              </a:defRPr>
-            </a:lvl2pPr>
-            <a:lvl3pPr marL="1143000" indent="-228600" algn="l" defTabSz="914400" rtl="0" eaLnBrk="1" latinLnBrk="0" hangingPunct="1">
-              <a:lnSpc>
-                <a:spcPct val="90000"/>
-              </a:lnSpc>
-              <a:spcBef>
-                <a:spcPts val="500"/>
-              </a:spcBef>
-              <a:buFont typeface="Arial" panose="020B0604020202020204" pitchFamily="34" charset="0"/>
-              <a:buChar char="•"/>
-              <a:defRPr sz="2000" kern="1200">
-                <a:solidFill>
-                  <a:schemeClr val="tx1"/>
-                </a:solidFill>
-                <a:latin typeface="+mn-lt"/>
-                <a:ea typeface="+mn-ea"/>
-                <a:cs typeface="+mn-cs"/>
-              </a:defRPr>
-            </a:lvl3pPr>
-            <a:lvl4pPr marL="1600200" indent="-228600" algn="l" defTabSz="914400" rtl="0" eaLnBrk="1" latinLnBrk="0" hangingPunct="1">
-              <a:lnSpc>
-                <a:spcPct val="90000"/>
-              </a:lnSpc>
-              <a:spcBef>
-                <a:spcPts val="500"/>
-              </a:spcBef>
-              <a:buFont typeface="Arial" panose="020B0604020202020204" pitchFamily="34" charset="0"/>
-              <a:buChar char="•"/>
-              <a:defRPr sz="1800" kern="1200">
-                <a:solidFill>
-                  <a:schemeClr val="tx1"/>
-                </a:solidFill>
-                <a:latin typeface="+mn-lt"/>
-                <a:ea typeface="+mn-ea"/>
-                <a:cs typeface="+mn-cs"/>
-              </a:defRPr>
-            </a:lvl4pPr>
-            <a:lvl5pPr marL="2057400" indent="-228600" algn="l" defTabSz="914400" rtl="0" eaLnBrk="1" latinLnBrk="0" hangingPunct="1">
-              <a:lnSpc>
-                <a:spcPct val="90000"/>
-              </a:lnSpc>
-              <a:spcBef>
-                <a:spcPts val="500"/>
-              </a:spcBef>
-              <a:buFont typeface="Arial" panose="020B0604020202020204" pitchFamily="34" charset="0"/>
-              <a:buChar char="•"/>
-              <a:defRPr sz="1800" kern="1200">
-                <a:solidFill>
-                  <a:schemeClr val="tx1"/>
-                </a:solidFill>
-                <a:latin typeface="+mn-lt"/>
-                <a:ea typeface="+mn-ea"/>
-                <a:cs typeface="+mn-cs"/>
-              </a:defRPr>
-            </a:lvl5pPr>
-            <a:lvl6pPr marL="2514600" indent="-228600" algn="l" defTabSz="914400" rtl="0" eaLnBrk="1" latinLnBrk="0" hangingPunct="1">
-              <a:lnSpc>
-                <a:spcPct val="90000"/>
-              </a:lnSpc>
-              <a:spcBef>
-                <a:spcPts val="500"/>
-              </a:spcBef>
-              <a:buFont typeface="Arial" panose="020B0604020202020204" pitchFamily="34" charset="0"/>
-              <a:buChar char="•"/>
-              <a:defRPr sz="1800" kern="1200">
-                <a:solidFill>
-                  <a:schemeClr val="tx1"/>
-                </a:solidFill>
-                <a:latin typeface="+mn-lt"/>
-                <a:ea typeface="+mn-ea"/>
-                <a:cs typeface="+mn-cs"/>
-              </a:defRPr>
-            </a:lvl6pPr>
-            <a:lvl7pPr marL="2971800" indent="-228600" algn="l" defTabSz="914400" rtl="0" eaLnBrk="1" latinLnBrk="0" hangingPunct="1">
-              <a:lnSpc>
-                <a:spcPct val="90000"/>
-              </a:lnSpc>
-              <a:spcBef>
-                <a:spcPts val="500"/>
-              </a:spcBef>
-              <a:buFont typeface="Arial" panose="020B0604020202020204" pitchFamily="34" charset="0"/>
-              <a:buChar char="•"/>
-              <a:defRPr sz="1800" kern="1200">
-                <a:solidFill>
-                  <a:schemeClr val="tx1"/>
-                </a:solidFill>
-                <a:latin typeface="+mn-lt"/>
-                <a:ea typeface="+mn-ea"/>
-                <a:cs typeface="+mn-cs"/>
-              </a:defRPr>
-            </a:lvl7pPr>
-            <a:lvl8pPr marL="3429000" indent="-228600" algn="l" defTabSz="914400" rtl="0" eaLnBrk="1" latinLnBrk="0" hangingPunct="1">
-              <a:lnSpc>
-                <a:spcPct val="90000"/>
-              </a:lnSpc>
-              <a:spcBef>
-                <a:spcPts val="500"/>
-              </a:spcBef>
-              <a:buFont typeface="Arial" panose="020B0604020202020204" pitchFamily="34" charset="0"/>
-              <a:buChar char="•"/>
-              <a:defRPr sz="1800" kern="1200">
-                <a:solidFill>
-                  <a:schemeClr val="tx1"/>
-                </a:solidFill>
-                <a:latin typeface="+mn-lt"/>
-                <a:ea typeface="+mn-ea"/>
-                <a:cs typeface="+mn-cs"/>
-              </a:defRPr>
-            </a:lvl8pPr>
-            <a:lvl9pPr marL="3886200" indent="-228600" algn="l" defTabSz="914400" rtl="0" eaLnBrk="1" latinLnBrk="0" hangingPunct="1">
-              <a:lnSpc>
-                <a:spcPct val="90000"/>
-              </a:lnSpc>
-              <a:spcBef>
-                <a:spcPts val="500"/>
-              </a:spcBef>
-              <a:buFont typeface="Arial" panose="020B0604020202020204" pitchFamily="34" charset="0"/>
-              <a:buChar char="•"/>
-              <a:defRPr sz="1800" kern="1200">
-                <a:solidFill>
-                  <a:schemeClr val="tx1"/>
-                </a:solidFill>
-                <a:latin typeface="+mn-lt"/>
-                <a:ea typeface="+mn-ea"/>
-                <a:cs typeface="+mn-cs"/>
-              </a:defRPr>
-            </a:lvl9pPr>
-          </a:lstStyle>
-          <a:p>
-            <a:pPr marL="0" indent="0" algn="r">
-              <a:buNone/>
-            </a:pPr>
-            <a:r>
-              <a:rPr lang="fr-FR" dirty="0">
-                <a:solidFill>
-                  <a:srgbClr val="00B050"/>
-                </a:solidFill>
-                <a:latin typeface="Consolas" panose="020B0609020204030204" pitchFamily="49" charset="0"/>
-                <a:sym typeface="Wingdings 3" panose="05040102010807070707" pitchFamily="18" charset="2"/>
-              </a:rPr>
-              <a:t>// 1</a:t>
-            </a:r>
-          </a:p>
-          <a:p>
-            <a:pPr marL="0" indent="0" algn="r">
-              <a:buNone/>
-            </a:pPr>
-            <a:endParaRPr lang="fr-FR" dirty="0">
-              <a:solidFill>
-                <a:srgbClr val="00B050"/>
-              </a:solidFill>
-              <a:latin typeface="Consolas" panose="020B0609020204030204" pitchFamily="49" charset="0"/>
-              <a:sym typeface="Wingdings 3" panose="05040102010807070707" pitchFamily="18" charset="2"/>
-            </a:endParaRPr>
-          </a:p>
-          <a:p>
-            <a:pPr marL="0" indent="0" algn="r">
-              <a:buNone/>
-            </a:pPr>
-            <a:r>
-              <a:rPr lang="fr-FR" dirty="0">
-                <a:solidFill>
-                  <a:srgbClr val="00B050"/>
-                </a:solidFill>
-                <a:latin typeface="Consolas" panose="020B0609020204030204" pitchFamily="49" charset="0"/>
-                <a:sym typeface="Wingdings 3" panose="05040102010807070707" pitchFamily="18" charset="2"/>
-              </a:rPr>
-              <a:t>// 2</a:t>
-            </a:r>
-          </a:p>
-        </p:txBody>
-      </p:sp>
-    </p:spTree>
-    <p:extLst>
-      <p:ext uri="{BB962C8B-B14F-4D97-AF65-F5344CB8AC3E}">
-        <p14:creationId xmlns:p14="http://schemas.microsoft.com/office/powerpoint/2010/main" val="1770820704"/>
-      </p:ext>
-    </p:extLst>
-  </p:cSld>
-  <p:clrMapOvr>
-    <a:masterClrMapping/>
-  </p:clrMapOvr>
-  <p:timing>
-    <p:tnLst>
-      <p:par>
-        <p:cTn id="1" dur="indefinite" restart="never" nodeType="tmRoot">
-          <p:childTnLst>
-            <p:seq concurrent="1" nextAc="seek">
-              <p:cTn id="2" dur="indefinite" nodeType="mainSeq">
-                <p:childTnLst>
-                  <p:par>
-                    <p:cTn id="3" fill="hold">
-                      <p:stCondLst>
-                        <p:cond delay="indefinite"/>
-                      </p:stCondLst>
-                      <p:childTnLst>
-                        <p:par>
-                          <p:cTn id="4" fill="hold">
-                            <p:stCondLst>
-                              <p:cond delay="0"/>
-                            </p:stCondLst>
-                            <p:childTnLst>
-                              <p:par>
-                                <p:cTn id="5" presetID="2" presetClass="entr" presetSubtype="2" fill="hold" grpId="0" nodeType="clickEffect">
-                                  <p:stCondLst>
-                                    <p:cond delay="0"/>
-                                  </p:stCondLst>
-                                  <p:childTnLst>
-                                    <p:set>
-                                      <p:cBhvr>
-                                        <p:cTn id="6" dur="1" fill="hold">
-                                          <p:stCondLst>
-                                            <p:cond delay="0"/>
-                                          </p:stCondLst>
-                                        </p:cTn>
-                                        <p:tgtEl>
-                                          <p:spTgt spid="12"/>
-                                        </p:tgtEl>
-                                        <p:attrNameLst>
-                                          <p:attrName>style.visibility</p:attrName>
-                                        </p:attrNameLst>
-                                      </p:cBhvr>
-                                      <p:to>
-                                        <p:strVal val="visible"/>
-                                      </p:to>
-                                    </p:set>
-                                    <p:anim calcmode="lin" valueType="num">
-                                      <p:cBhvr additive="base">
-                                        <p:cTn id="7" dur="500" fill="hold"/>
-                                        <p:tgtEl>
-                                          <p:spTgt spid="12"/>
-                                        </p:tgtEl>
-                                        <p:attrNameLst>
-                                          <p:attrName>ppt_x</p:attrName>
-                                        </p:attrNameLst>
-                                      </p:cBhvr>
-                                      <p:tavLst>
-                                        <p:tav tm="0">
-                                          <p:val>
-                                            <p:strVal val="1+#ppt_w/2"/>
-                                          </p:val>
-                                        </p:tav>
-                                        <p:tav tm="100000">
-                                          <p:val>
-                                            <p:strVal val="#ppt_x"/>
-                                          </p:val>
-                                        </p:tav>
-                                      </p:tavLst>
-                                    </p:anim>
-                                    <p:anim calcmode="lin" valueType="num">
-                                      <p:cBhvr additive="base">
-                                        <p:cTn id="8" dur="500" fill="hold"/>
-                                        <p:tgtEl>
-                                          <p:spTgt spid="12"/>
-                                        </p:tgtEl>
-                                        <p:attrNameLst>
-                                          <p:attrName>ppt_y</p:attrName>
-                                        </p:attrNameLst>
-                                      </p:cBhvr>
-                                      <p:tavLst>
-                                        <p:tav tm="0">
-                                          <p:val>
-                                            <p:strVal val="#ppt_y"/>
-                                          </p:val>
-                                        </p:tav>
-                                        <p:tav tm="100000">
-                                          <p:val>
-                                            <p:strVal val="#ppt_y"/>
-                                          </p:val>
-                                        </p:tav>
-                                      </p:tavLst>
-                                    </p:anim>
-                                  </p:childTnLst>
-                                </p:cTn>
-                              </p:par>
-                            </p:childTnLst>
-                          </p:cTn>
-                        </p:par>
-                      </p:childTnLst>
-                    </p:cTn>
-                  </p:par>
-                </p:childTnLst>
-              </p:cTn>
-              <p:prevCondLst>
-                <p:cond evt="onPrev" delay="0">
-                  <p:tgtEl>
-                    <p:sldTgt/>
-                  </p:tgtEl>
-                </p:cond>
-              </p:prevCondLst>
-              <p:nextCondLst>
-                <p:cond evt="onNext" delay="0">
-                  <p:tgtEl>
-                    <p:sldTgt/>
-                  </p:tgtEl>
-                </p:cond>
-              </p:nextCondLst>
-            </p:seq>
-          </p:childTnLst>
-        </p:cTn>
-      </p:par>
-    </p:tnLst>
-    <p:bldLst>
-      <p:bldP spid="12" grpId="0"/>
-    </p:bldLst>
-  </p:timing>
-</p:sld>
-</file>
-
-<file path=ppt/slides/slide30.xml><?xml version="1.0" encoding="utf-8"?>
+<file path=ppt/slides/slide32.xml><?xml version="1.0" encoding="utf-8"?>
 <p:sld xmlns:a="http://schemas.openxmlformats.org/drawingml/2006/main" xmlns:r="http://schemas.openxmlformats.org/officeDocument/2006/relationships" xmlns:p="http://schemas.openxmlformats.org/presentationml/2006/main">
   <p:cSld>
     <p:spTree>
@@ -26376,7 +27326,7 @@
 </p:sld>
 </file>
 
-<file path=ppt/slides/slide31.xml><?xml version="1.0" encoding="utf-8"?>
+<file path=ppt/slides/slide33.xml><?xml version="1.0" encoding="utf-8"?>
 <p:sld xmlns:a="http://schemas.openxmlformats.org/drawingml/2006/main" xmlns:r="http://schemas.openxmlformats.org/officeDocument/2006/relationships" xmlns:p="http://schemas.openxmlformats.org/presentationml/2006/main">
   <p:cSld>
     <p:spTree>
@@ -26503,7 +27453,7 @@
 </p:sld>
 </file>
 
-<file path=ppt/slides/slide32.xml><?xml version="1.0" encoding="utf-8"?>
+<file path=ppt/slides/slide34.xml><?xml version="1.0" encoding="utf-8"?>
 <p:sld xmlns:a="http://schemas.openxmlformats.org/drawingml/2006/main" xmlns:r="http://schemas.openxmlformats.org/officeDocument/2006/relationships" xmlns:p="http://schemas.openxmlformats.org/presentationml/2006/main">
   <p:cSld>
     <p:spTree>
@@ -27181,7 +28131,687 @@
 </p:sld>
 </file>
 
-<file path=ppt/slides/slide33.xml><?xml version="1.0" encoding="utf-8"?>
+<file path=ppt/slides/slide35.xml><?xml version="1.0" encoding="utf-8"?>
+<p:sld xmlns:a="http://schemas.openxmlformats.org/drawingml/2006/main" xmlns:r="http://schemas.openxmlformats.org/officeDocument/2006/relationships" xmlns:p="http://schemas.openxmlformats.org/presentationml/2006/main">
+  <p:cSld>
+    <p:spTree>
+      <p:nvGrpSpPr>
+        <p:cNvPr id="1" name=""/>
+        <p:cNvGrpSpPr/>
+        <p:nvPr/>
+      </p:nvGrpSpPr>
+      <p:grpSpPr>
+        <a:xfrm>
+          <a:off x="0" y="0"/>
+          <a:ext cx="0" cy="0"/>
+          <a:chOff x="0" y="0"/>
+          <a:chExt cx="0" cy="0"/>
+        </a:xfrm>
+      </p:grpSpPr>
+      <p:sp>
+        <p:nvSpPr>
+          <p:cNvPr id="2" name="Titre 1">
+            <a:extLst>
+              <a:ext uri="{FF2B5EF4-FFF2-40B4-BE49-F238E27FC236}">
+                <a16:creationId xmlns:a16="http://schemas.microsoft.com/office/drawing/2014/main" id="{27B60B06-E33F-4D38-9B5D-D39A488F4BE6}"/>
+              </a:ext>
+            </a:extLst>
+          </p:cNvPr>
+          <p:cNvSpPr>
+            <a:spLocks noGrp="1"/>
+          </p:cNvSpPr>
+          <p:nvPr>
+            <p:ph type="title"/>
+          </p:nvPr>
+        </p:nvSpPr>
+        <p:spPr/>
+        <p:txBody>
+          <a:bodyPr/>
+          <a:lstStyle/>
+          <a:p>
+            <a:r>
+              <a:rPr lang="fr-FR" dirty="0"/>
+              <a:t>I/O : </a:t>
+            </a:r>
+            <a:r>
+              <a:rPr lang="fr-FR" dirty="0" err="1"/>
+              <a:t>putchar</a:t>
+            </a:r>
+            <a:r>
+              <a:rPr lang="fr-FR" dirty="0"/>
+              <a:t>()</a:t>
+            </a:r>
+          </a:p>
+        </p:txBody>
+      </p:sp>
+      <p:sp>
+        <p:nvSpPr>
+          <p:cNvPr id="3" name="Espace réservé du contenu 2">
+            <a:extLst>
+              <a:ext uri="{FF2B5EF4-FFF2-40B4-BE49-F238E27FC236}">
+                <a16:creationId xmlns:a16="http://schemas.microsoft.com/office/drawing/2014/main" id="{C279AE06-7A82-437F-80CB-07405FBD63DA}"/>
+              </a:ext>
+            </a:extLst>
+          </p:cNvPr>
+          <p:cNvSpPr>
+            <a:spLocks noGrp="1"/>
+          </p:cNvSpPr>
+          <p:nvPr>
+            <p:ph idx="1"/>
+          </p:nvPr>
+        </p:nvSpPr>
+        <p:spPr/>
+        <p:txBody>
+          <a:bodyPr/>
+          <a:lstStyle/>
+          <a:p>
+            <a:pPr marL="0" indent="0">
+              <a:buNone/>
+            </a:pPr>
+            <a:r>
+              <a:rPr lang="fr-FR" dirty="0"/>
+              <a:t>écrit un seul caractère (sans \n).</a:t>
+            </a:r>
+          </a:p>
+          <a:p>
+            <a:pPr marL="0" indent="0">
+              <a:buNone/>
+            </a:pPr>
+            <a:endParaRPr lang="fr-FR" dirty="0"/>
+          </a:p>
+          <a:p>
+            <a:endParaRPr lang="fr-FR" b="0" dirty="0">
+              <a:solidFill>
+                <a:srgbClr val="24292E"/>
+              </a:solidFill>
+              <a:effectLst/>
+              <a:latin typeface="Consolas" panose="020B0609020204030204" pitchFamily="49" charset="0"/>
+            </a:endParaRPr>
+          </a:p>
+          <a:p>
+            <a:pPr marL="0" indent="0">
+              <a:lnSpc>
+                <a:spcPct val="150000"/>
+              </a:lnSpc>
+              <a:buNone/>
+            </a:pPr>
+            <a:r>
+              <a:rPr lang="fr-FR" b="0" dirty="0" err="1">
+                <a:solidFill>
+                  <a:srgbClr val="6F42C1"/>
+                </a:solidFill>
+                <a:effectLst/>
+                <a:latin typeface="Consolas" panose="020B0609020204030204" pitchFamily="49" charset="0"/>
+              </a:rPr>
+              <a:t>putchar</a:t>
+            </a:r>
+            <a:r>
+              <a:rPr lang="fr-FR" b="0" dirty="0">
+                <a:solidFill>
+                  <a:srgbClr val="24292E"/>
+                </a:solidFill>
+                <a:effectLst/>
+                <a:latin typeface="Consolas" panose="020B0609020204030204" pitchFamily="49" charset="0"/>
+              </a:rPr>
+              <a:t>(a);</a:t>
+            </a:r>
+          </a:p>
+          <a:p>
+            <a:pPr marL="0" indent="0">
+              <a:lnSpc>
+                <a:spcPct val="150000"/>
+              </a:lnSpc>
+              <a:buNone/>
+            </a:pPr>
+            <a:r>
+              <a:rPr lang="fr-FR" dirty="0"/>
+              <a:t>est équivalent à</a:t>
+            </a:r>
+          </a:p>
+          <a:p>
+            <a:pPr marL="0" indent="0">
+              <a:lnSpc>
+                <a:spcPct val="150000"/>
+              </a:lnSpc>
+              <a:buNone/>
+            </a:pPr>
+            <a:r>
+              <a:rPr lang="fr-FR" b="0" dirty="0">
+                <a:solidFill>
+                  <a:srgbClr val="6F42C1"/>
+                </a:solidFill>
+                <a:effectLst/>
+                <a:latin typeface="Consolas" panose="020B0609020204030204" pitchFamily="49" charset="0"/>
+              </a:rPr>
+              <a:t>printf</a:t>
+            </a:r>
+            <a:r>
+              <a:rPr lang="fr-FR" b="0" dirty="0">
+                <a:solidFill>
+                  <a:srgbClr val="24292E"/>
+                </a:solidFill>
+                <a:effectLst/>
+                <a:latin typeface="Consolas" panose="020B0609020204030204" pitchFamily="49" charset="0"/>
+              </a:rPr>
+              <a:t>(</a:t>
+            </a:r>
+            <a:r>
+              <a:rPr lang="fr-FR" b="0" dirty="0">
+                <a:solidFill>
+                  <a:srgbClr val="032F62"/>
+                </a:solidFill>
+                <a:effectLst/>
+                <a:latin typeface="Consolas" panose="020B0609020204030204" pitchFamily="49" charset="0"/>
+              </a:rPr>
+              <a:t>"</a:t>
+            </a:r>
+            <a:r>
+              <a:rPr lang="fr-FR" b="0" dirty="0">
+                <a:solidFill>
+                  <a:srgbClr val="005CC5"/>
+                </a:solidFill>
+                <a:effectLst/>
+                <a:latin typeface="Consolas" panose="020B0609020204030204" pitchFamily="49" charset="0"/>
+              </a:rPr>
+              <a:t>%c</a:t>
+            </a:r>
+            <a:r>
+              <a:rPr lang="fr-FR" b="0" dirty="0">
+                <a:solidFill>
+                  <a:srgbClr val="032F62"/>
+                </a:solidFill>
+                <a:effectLst/>
+                <a:latin typeface="Consolas" panose="020B0609020204030204" pitchFamily="49" charset="0"/>
+              </a:rPr>
+              <a:t>"</a:t>
+            </a:r>
+            <a:r>
+              <a:rPr lang="fr-FR" b="0" dirty="0">
+                <a:solidFill>
+                  <a:srgbClr val="24292E"/>
+                </a:solidFill>
+                <a:effectLst/>
+                <a:latin typeface="Consolas" panose="020B0609020204030204" pitchFamily="49" charset="0"/>
+              </a:rPr>
+              <a:t>, a);</a:t>
+            </a:r>
+          </a:p>
+        </p:txBody>
+      </p:sp>
+    </p:spTree>
+    <p:extLst>
+      <p:ext uri="{BB962C8B-B14F-4D97-AF65-F5344CB8AC3E}">
+        <p14:creationId xmlns:p14="http://schemas.microsoft.com/office/powerpoint/2010/main" val="329421418"/>
+      </p:ext>
+    </p:extLst>
+  </p:cSld>
+  <p:clrMapOvr>
+    <a:masterClrMapping/>
+  </p:clrMapOvr>
+</p:sld>
+</file>
+
+<file path=ppt/slides/slide36.xml><?xml version="1.0" encoding="utf-8"?>
+<p:sld xmlns:a="http://schemas.openxmlformats.org/drawingml/2006/main" xmlns:r="http://schemas.openxmlformats.org/officeDocument/2006/relationships" xmlns:p="http://schemas.openxmlformats.org/presentationml/2006/main">
+  <p:cSld>
+    <p:spTree>
+      <p:nvGrpSpPr>
+        <p:cNvPr id="1" name=""/>
+        <p:cNvGrpSpPr/>
+        <p:nvPr/>
+      </p:nvGrpSpPr>
+      <p:grpSpPr>
+        <a:xfrm>
+          <a:off x="0" y="0"/>
+          <a:ext cx="0" cy="0"/>
+          <a:chOff x="0" y="0"/>
+          <a:chExt cx="0" cy="0"/>
+        </a:xfrm>
+      </p:grpSpPr>
+      <p:sp>
+        <p:nvSpPr>
+          <p:cNvPr id="2" name="Titre 1">
+            <a:extLst>
+              <a:ext uri="{FF2B5EF4-FFF2-40B4-BE49-F238E27FC236}">
+                <a16:creationId xmlns:a16="http://schemas.microsoft.com/office/drawing/2014/main" id="{F48221DC-C87A-41E1-8CF9-3284D07FBB1E}"/>
+              </a:ext>
+            </a:extLst>
+          </p:cNvPr>
+          <p:cNvSpPr>
+            <a:spLocks noGrp="1"/>
+          </p:cNvSpPr>
+          <p:nvPr>
+            <p:ph type="title"/>
+          </p:nvPr>
+        </p:nvSpPr>
+        <p:spPr/>
+        <p:txBody>
+          <a:bodyPr/>
+          <a:lstStyle/>
+          <a:p>
+            <a:r>
+              <a:rPr lang="fr-FR" dirty="0"/>
+              <a:t>I/O : </a:t>
+            </a:r>
+            <a:r>
+              <a:rPr lang="fr-FR" dirty="0" err="1"/>
+              <a:t>getchar</a:t>
+            </a:r>
+            <a:r>
+              <a:rPr lang="fr-FR" dirty="0"/>
+              <a:t>()</a:t>
+            </a:r>
+          </a:p>
+        </p:txBody>
+      </p:sp>
+      <p:sp>
+        <p:nvSpPr>
+          <p:cNvPr id="3" name="Espace réservé du contenu 2">
+            <a:extLst>
+              <a:ext uri="{FF2B5EF4-FFF2-40B4-BE49-F238E27FC236}">
+                <a16:creationId xmlns:a16="http://schemas.microsoft.com/office/drawing/2014/main" id="{09FFC490-7508-4F83-934B-77C3423ED65C}"/>
+              </a:ext>
+            </a:extLst>
+          </p:cNvPr>
+          <p:cNvSpPr>
+            <a:spLocks noGrp="1"/>
+          </p:cNvSpPr>
+          <p:nvPr>
+            <p:ph idx="1"/>
+          </p:nvPr>
+        </p:nvSpPr>
+        <p:spPr/>
+        <p:txBody>
+          <a:bodyPr/>
+          <a:lstStyle/>
+          <a:p>
+            <a:pPr marL="0" indent="0">
+              <a:buNone/>
+            </a:pPr>
+            <a:r>
+              <a:rPr lang="fr-FR" dirty="0"/>
+              <a:t>lit un caractère unique et renvoie le caractère lu.</a:t>
+            </a:r>
+          </a:p>
+          <a:p>
+            <a:pPr marL="0" indent="0">
+              <a:buNone/>
+            </a:pPr>
+            <a:endParaRPr lang="fr-FR" dirty="0"/>
+          </a:p>
+          <a:p>
+            <a:pPr marL="0" indent="0">
+              <a:buNone/>
+            </a:pPr>
+            <a:r>
+              <a:rPr lang="fr-FR" b="0" dirty="0">
+                <a:solidFill>
+                  <a:srgbClr val="D73A49"/>
+                </a:solidFill>
+                <a:effectLst/>
+                <a:latin typeface="Consolas" panose="020B0609020204030204" pitchFamily="49" charset="0"/>
+              </a:rPr>
+              <a:t>char</a:t>
+            </a:r>
+            <a:r>
+              <a:rPr lang="fr-FR" b="0" dirty="0">
+                <a:solidFill>
+                  <a:srgbClr val="24292E"/>
+                </a:solidFill>
+                <a:effectLst/>
+                <a:latin typeface="Consolas" panose="020B0609020204030204" pitchFamily="49" charset="0"/>
+              </a:rPr>
+              <a:t> c;</a:t>
+            </a:r>
+          </a:p>
+          <a:p>
+            <a:pPr marL="0" indent="0">
+              <a:buNone/>
+            </a:pPr>
+            <a:r>
+              <a:rPr lang="fr-FR" b="0" dirty="0">
+                <a:solidFill>
+                  <a:srgbClr val="24292E"/>
+                </a:solidFill>
+                <a:effectLst/>
+                <a:latin typeface="Consolas" panose="020B0609020204030204" pitchFamily="49" charset="0"/>
+              </a:rPr>
+              <a:t>c </a:t>
+            </a:r>
+            <a:r>
+              <a:rPr lang="fr-FR" b="0" dirty="0">
+                <a:solidFill>
+                  <a:srgbClr val="D73A49"/>
+                </a:solidFill>
+                <a:effectLst/>
+                <a:latin typeface="Consolas" panose="020B0609020204030204" pitchFamily="49" charset="0"/>
+              </a:rPr>
+              <a:t>=</a:t>
+            </a:r>
+            <a:r>
+              <a:rPr lang="fr-FR" b="0" dirty="0">
+                <a:solidFill>
+                  <a:srgbClr val="24292E"/>
+                </a:solidFill>
+                <a:effectLst/>
+                <a:latin typeface="Consolas" panose="020B0609020204030204" pitchFamily="49" charset="0"/>
+              </a:rPr>
+              <a:t> </a:t>
+            </a:r>
+            <a:r>
+              <a:rPr lang="fr-FR" b="0" dirty="0" err="1">
+                <a:solidFill>
+                  <a:srgbClr val="6F42C1"/>
+                </a:solidFill>
+                <a:effectLst/>
+                <a:latin typeface="Consolas" panose="020B0609020204030204" pitchFamily="49" charset="0"/>
+              </a:rPr>
+              <a:t>getchar</a:t>
+            </a:r>
+            <a:r>
+              <a:rPr lang="fr-FR" b="0" dirty="0">
+                <a:solidFill>
+                  <a:srgbClr val="24292E"/>
+                </a:solidFill>
+                <a:effectLst/>
+                <a:latin typeface="Consolas" panose="020B0609020204030204" pitchFamily="49" charset="0"/>
+              </a:rPr>
+              <a:t>();</a:t>
+            </a:r>
+          </a:p>
+        </p:txBody>
+      </p:sp>
+    </p:spTree>
+    <p:extLst>
+      <p:ext uri="{BB962C8B-B14F-4D97-AF65-F5344CB8AC3E}">
+        <p14:creationId xmlns:p14="http://schemas.microsoft.com/office/powerpoint/2010/main" val="1588953503"/>
+      </p:ext>
+    </p:extLst>
+  </p:cSld>
+  <p:clrMapOvr>
+    <a:masterClrMapping/>
+  </p:clrMapOvr>
+</p:sld>
+</file>
+
+<file path=ppt/slides/slide37.xml><?xml version="1.0" encoding="utf-8"?>
+<p:sld xmlns:a="http://schemas.openxmlformats.org/drawingml/2006/main" xmlns:r="http://schemas.openxmlformats.org/officeDocument/2006/relationships" xmlns:p="http://schemas.openxmlformats.org/presentationml/2006/main">
+  <p:cSld>
+    <p:spTree>
+      <p:nvGrpSpPr>
+        <p:cNvPr id="1" name=""/>
+        <p:cNvGrpSpPr/>
+        <p:nvPr/>
+      </p:nvGrpSpPr>
+      <p:grpSpPr>
+        <a:xfrm>
+          <a:off x="0" y="0"/>
+          <a:ext cx="0" cy="0"/>
+          <a:chOff x="0" y="0"/>
+          <a:chExt cx="0" cy="0"/>
+        </a:xfrm>
+      </p:grpSpPr>
+      <p:sp>
+        <p:nvSpPr>
+          <p:cNvPr id="2" name="Titre 1">
+            <a:extLst>
+              <a:ext uri="{FF2B5EF4-FFF2-40B4-BE49-F238E27FC236}">
+                <a16:creationId xmlns:a16="http://schemas.microsoft.com/office/drawing/2014/main" id="{3936D6E0-66E4-4B19-8D59-3B80DB10B1C1}"/>
+              </a:ext>
+            </a:extLst>
+          </p:cNvPr>
+          <p:cNvSpPr>
+            <a:spLocks noGrp="1"/>
+          </p:cNvSpPr>
+          <p:nvPr>
+            <p:ph type="title"/>
+          </p:nvPr>
+        </p:nvSpPr>
+        <p:spPr/>
+        <p:txBody>
+          <a:bodyPr/>
+          <a:lstStyle/>
+          <a:p>
+            <a:r>
+              <a:rPr lang="fr-FR" dirty="0"/>
+              <a:t>I/O : </a:t>
+            </a:r>
+            <a:r>
+              <a:rPr lang="fr-FR" dirty="0" err="1"/>
+              <a:t>getch</a:t>
+            </a:r>
+            <a:r>
+              <a:rPr lang="fr-FR" dirty="0"/>
+              <a:t>() / </a:t>
+            </a:r>
+            <a:r>
+              <a:rPr lang="fr-FR" dirty="0" err="1"/>
+              <a:t>getche</a:t>
+            </a:r>
+            <a:r>
+              <a:rPr lang="fr-FR" dirty="0"/>
+              <a:t>()</a:t>
+            </a:r>
+          </a:p>
+        </p:txBody>
+      </p:sp>
+      <p:sp>
+        <p:nvSpPr>
+          <p:cNvPr id="3" name="Espace réservé du contenu 2">
+            <a:extLst>
+              <a:ext uri="{FF2B5EF4-FFF2-40B4-BE49-F238E27FC236}">
+                <a16:creationId xmlns:a16="http://schemas.microsoft.com/office/drawing/2014/main" id="{289608A6-B0A4-4BFF-9029-F20D738960B8}"/>
+              </a:ext>
+            </a:extLst>
+          </p:cNvPr>
+          <p:cNvSpPr>
+            <a:spLocks noGrp="1"/>
+          </p:cNvSpPr>
+          <p:nvPr>
+            <p:ph idx="1"/>
+          </p:nvPr>
+        </p:nvSpPr>
+        <p:spPr/>
+        <p:txBody>
+          <a:bodyPr>
+            <a:normAutofit/>
+          </a:bodyPr>
+          <a:lstStyle/>
+          <a:p>
+            <a:pPr marL="0" indent="0">
+              <a:buNone/>
+            </a:pPr>
+            <a:r>
+              <a:rPr lang="fr-FR" dirty="0" err="1"/>
+              <a:t>getch</a:t>
+            </a:r>
+            <a:r>
+              <a:rPr lang="fr-FR" dirty="0"/>
+              <a:t>() renvoie un caractère lu au clavier sans écho à l'écran.</a:t>
+            </a:r>
+          </a:p>
+          <a:p>
+            <a:pPr marL="0" indent="0">
+              <a:buNone/>
+            </a:pPr>
+            <a:r>
+              <a:rPr lang="en-US" b="0" dirty="0">
+                <a:solidFill>
+                  <a:srgbClr val="24292E"/>
+                </a:solidFill>
+                <a:effectLst/>
+                <a:latin typeface="Consolas" panose="020B0609020204030204" pitchFamily="49" charset="0"/>
+              </a:rPr>
+              <a:t>c </a:t>
+            </a:r>
+            <a:r>
+              <a:rPr lang="en-US" b="0" dirty="0">
+                <a:solidFill>
+                  <a:srgbClr val="D73A49"/>
+                </a:solidFill>
+                <a:effectLst/>
+                <a:latin typeface="Consolas" panose="020B0609020204030204" pitchFamily="49" charset="0"/>
+              </a:rPr>
+              <a:t>=</a:t>
+            </a:r>
+            <a:r>
+              <a:rPr lang="en-US" b="0" dirty="0">
+                <a:solidFill>
+                  <a:srgbClr val="24292E"/>
+                </a:solidFill>
+                <a:effectLst/>
+                <a:latin typeface="Consolas" panose="020B0609020204030204" pitchFamily="49" charset="0"/>
+              </a:rPr>
+              <a:t> </a:t>
+            </a:r>
+            <a:r>
+              <a:rPr lang="en-US" b="0" dirty="0" err="1">
+                <a:solidFill>
+                  <a:srgbClr val="6F42C1"/>
+                </a:solidFill>
+                <a:effectLst/>
+                <a:latin typeface="Consolas" panose="020B0609020204030204" pitchFamily="49" charset="0"/>
+              </a:rPr>
+              <a:t>getch</a:t>
+            </a:r>
+            <a:r>
+              <a:rPr lang="en-US" b="0" dirty="0">
+                <a:solidFill>
+                  <a:srgbClr val="24292E"/>
+                </a:solidFill>
+                <a:effectLst/>
+                <a:latin typeface="Consolas" panose="020B0609020204030204" pitchFamily="49" charset="0"/>
+              </a:rPr>
+              <a:t>();</a:t>
+            </a:r>
+          </a:p>
+          <a:p>
+            <a:pPr marL="0" indent="0">
+              <a:buNone/>
+            </a:pPr>
+            <a:endParaRPr lang="fr-FR" dirty="0"/>
+          </a:p>
+          <a:p>
+            <a:pPr marL="0" indent="0">
+              <a:buNone/>
+            </a:pPr>
+            <a:r>
+              <a:rPr lang="fr-FR" dirty="0" err="1"/>
+              <a:t>getche</a:t>
+            </a:r>
+            <a:r>
+              <a:rPr lang="fr-FR" dirty="0"/>
+              <a:t>() renvoie un caractère lu au clavier avec écho à l'écran.</a:t>
+            </a:r>
+            <a:endParaRPr lang="en-US" b="0" dirty="0">
+              <a:solidFill>
+                <a:srgbClr val="24292E"/>
+              </a:solidFill>
+              <a:effectLst/>
+              <a:latin typeface="Consolas" panose="020B0609020204030204" pitchFamily="49" charset="0"/>
+            </a:endParaRPr>
+          </a:p>
+          <a:p>
+            <a:pPr marL="0" indent="0">
+              <a:buNone/>
+            </a:pPr>
+            <a:r>
+              <a:rPr lang="en-US" b="0" dirty="0">
+                <a:solidFill>
+                  <a:srgbClr val="24292E"/>
+                </a:solidFill>
+                <a:effectLst/>
+                <a:latin typeface="Consolas" panose="020B0609020204030204" pitchFamily="49" charset="0"/>
+              </a:rPr>
+              <a:t>c </a:t>
+            </a:r>
+            <a:r>
+              <a:rPr lang="en-US" b="0" dirty="0">
+                <a:solidFill>
+                  <a:srgbClr val="D73A49"/>
+                </a:solidFill>
+                <a:effectLst/>
+                <a:latin typeface="Consolas" panose="020B0609020204030204" pitchFamily="49" charset="0"/>
+              </a:rPr>
+              <a:t>=</a:t>
+            </a:r>
+            <a:r>
+              <a:rPr lang="en-US" b="0" dirty="0">
+                <a:solidFill>
+                  <a:srgbClr val="24292E"/>
+                </a:solidFill>
+                <a:effectLst/>
+                <a:latin typeface="Consolas" panose="020B0609020204030204" pitchFamily="49" charset="0"/>
+              </a:rPr>
+              <a:t> </a:t>
+            </a:r>
+            <a:r>
+              <a:rPr lang="en-US" b="0" dirty="0" err="1">
+                <a:solidFill>
+                  <a:srgbClr val="6F42C1"/>
+                </a:solidFill>
+                <a:effectLst/>
+                <a:latin typeface="Consolas" panose="020B0609020204030204" pitchFamily="49" charset="0"/>
+              </a:rPr>
+              <a:t>getche</a:t>
+            </a:r>
+            <a:r>
+              <a:rPr lang="en-US" b="0" dirty="0">
+                <a:solidFill>
+                  <a:srgbClr val="24292E"/>
+                </a:solidFill>
+                <a:effectLst/>
+                <a:latin typeface="Consolas" panose="020B0609020204030204" pitchFamily="49" charset="0"/>
+              </a:rPr>
+              <a:t>();</a:t>
+            </a:r>
+            <a:endParaRPr lang="fr-FR" dirty="0"/>
+          </a:p>
+          <a:p>
+            <a:pPr marL="0" indent="0">
+              <a:buNone/>
+            </a:pPr>
+            <a:endParaRPr lang="fr-FR" dirty="0"/>
+          </a:p>
+          <a:p>
+            <a:pPr marL="0" indent="0">
+              <a:buNone/>
+            </a:pPr>
+            <a:r>
+              <a:rPr lang="fr-FR" dirty="0"/>
+              <a:t>Ces fonctions ne nécessitent pas l'appui sur la touche Entrée</a:t>
+            </a:r>
+          </a:p>
+          <a:p>
+            <a:pPr marL="0" indent="0">
+              <a:buNone/>
+            </a:pPr>
+            <a:r>
+              <a:rPr lang="fr-FR" dirty="0"/>
+              <a:t>pour lire le caractère et sont disponibles dans la librairie </a:t>
+            </a:r>
+            <a:r>
+              <a:rPr lang="fr-FR" dirty="0" err="1"/>
+              <a:t>conio.h</a:t>
+            </a:r>
+            <a:endParaRPr lang="fr-FR" dirty="0"/>
+          </a:p>
+        </p:txBody>
+      </p:sp>
+    </p:spTree>
+    <p:extLst>
+      <p:ext uri="{BB962C8B-B14F-4D97-AF65-F5344CB8AC3E}">
+        <p14:creationId xmlns:p14="http://schemas.microsoft.com/office/powerpoint/2010/main" val="64873330"/>
+      </p:ext>
+    </p:extLst>
+  </p:cSld>
+  <p:clrMapOvr>
+    <a:masterClrMapping/>
+  </p:clrMapOvr>
+</p:sld>
+</file>
+
+<file path=ppt/slides/slide38.xml><?xml version="1.0" encoding="utf-8"?>
 <p:sld xmlns:a="http://schemas.openxmlformats.org/drawingml/2006/main" xmlns:r="http://schemas.openxmlformats.org/officeDocument/2006/relationships" xmlns:p="http://schemas.openxmlformats.org/presentationml/2006/main">
   <p:cSld>
     <p:spTree>
@@ -27694,7 +29324,7 @@
 </p:sld>
 </file>
 
-<file path=ppt/slides/slide34.xml><?xml version="1.0" encoding="utf-8"?>
+<file path=ppt/slides/slide39.xml><?xml version="1.0" encoding="utf-8"?>
 <p:sld xmlns:a="http://schemas.openxmlformats.org/drawingml/2006/main" xmlns:r="http://schemas.openxmlformats.org/officeDocument/2006/relationships" xmlns:p="http://schemas.openxmlformats.org/presentationml/2006/main">
   <p:cSld>
     <p:spTree>
@@ -28034,7 +29664,1086 @@
 </p:sld>
 </file>
 
-<file path=ppt/slides/slide35.xml><?xml version="1.0" encoding="utf-8"?>
+<file path=ppt/slides/slide4.xml><?xml version="1.0" encoding="utf-8"?>
+<p:sld xmlns:a="http://schemas.openxmlformats.org/drawingml/2006/main" xmlns:r="http://schemas.openxmlformats.org/officeDocument/2006/relationships" xmlns:p="http://schemas.openxmlformats.org/presentationml/2006/main">
+  <p:cSld>
+    <p:spTree>
+      <p:nvGrpSpPr>
+        <p:cNvPr id="1" name=""/>
+        <p:cNvGrpSpPr/>
+        <p:nvPr/>
+      </p:nvGrpSpPr>
+      <p:grpSpPr>
+        <a:xfrm>
+          <a:off x="0" y="0"/>
+          <a:ext cx="0" cy="0"/>
+          <a:chOff x="0" y="0"/>
+          <a:chExt cx="0" cy="0"/>
+        </a:xfrm>
+      </p:grpSpPr>
+      <p:sp>
+        <p:nvSpPr>
+          <p:cNvPr id="2" name="Titre 1">
+            <a:extLst>
+              <a:ext uri="{FF2B5EF4-FFF2-40B4-BE49-F238E27FC236}">
+                <a16:creationId xmlns:a16="http://schemas.microsoft.com/office/drawing/2014/main" id="{953B240B-3482-4349-AE0C-741CF30ABF31}"/>
+              </a:ext>
+            </a:extLst>
+          </p:cNvPr>
+          <p:cNvSpPr>
+            <a:spLocks noGrp="1"/>
+          </p:cNvSpPr>
+          <p:nvPr>
+            <p:ph type="title"/>
+          </p:nvPr>
+        </p:nvSpPr>
+        <p:spPr/>
+        <p:txBody>
+          <a:bodyPr/>
+          <a:lstStyle/>
+          <a:p>
+            <a:r>
+              <a:rPr lang="fr-FR" dirty="0"/>
+              <a:t>Types : Entiers</a:t>
+            </a:r>
+          </a:p>
+        </p:txBody>
+      </p:sp>
+      <p:graphicFrame>
+        <p:nvGraphicFramePr>
+          <p:cNvPr id="9" name="Tableau 10">
+            <a:extLst>
+              <a:ext uri="{FF2B5EF4-FFF2-40B4-BE49-F238E27FC236}">
+                <a16:creationId xmlns:a16="http://schemas.microsoft.com/office/drawing/2014/main" id="{EAD53C5D-A5CF-4390-A640-A87A6EAE5397}"/>
+              </a:ext>
+            </a:extLst>
+          </p:cNvPr>
+          <p:cNvGraphicFramePr>
+            <a:graphicFrameLocks noGrp="1"/>
+          </p:cNvGraphicFramePr>
+          <p:nvPr>
+            <p:ph idx="1"/>
+            <p:extLst>
+              <p:ext uri="{D42A27DB-BD31-4B8C-83A1-F6EECF244321}">
+                <p14:modId xmlns:p14="http://schemas.microsoft.com/office/powerpoint/2010/main" val="2912979075"/>
+              </p:ext>
+            </p:extLst>
+          </p:nvPr>
+        </p:nvGraphicFramePr>
+        <p:xfrm>
+          <a:off x="838203" y="1760219"/>
+          <a:ext cx="10515597" cy="3962125"/>
+        </p:xfrm>
+        <a:graphic>
+          <a:graphicData uri="http://schemas.openxmlformats.org/drawingml/2006/table">
+            <a:tbl>
+              <a:tblPr firstRow="1" bandRow="1">
+                <a:tableStyleId>{5C22544A-7EE6-4342-B048-85BDC9FD1C3A}</a:tableStyleId>
+              </a:tblPr>
+              <a:tblGrid>
+                <a:gridCol w="2089724">
+                  <a:extLst>
+                    <a:ext uri="{9D8B030D-6E8A-4147-A177-3AD203B41FA5}">
+                      <a16:colId xmlns:a16="http://schemas.microsoft.com/office/drawing/2014/main" val="3804268852"/>
+                    </a:ext>
+                  </a:extLst>
+                </a:gridCol>
+                <a:gridCol w="1948873">
+                  <a:extLst>
+                    <a:ext uri="{9D8B030D-6E8A-4147-A177-3AD203B41FA5}">
+                      <a16:colId xmlns:a16="http://schemas.microsoft.com/office/drawing/2014/main" val="3731289624"/>
+                    </a:ext>
+                  </a:extLst>
+                </a:gridCol>
+                <a:gridCol w="6477000">
+                  <a:extLst>
+                    <a:ext uri="{9D8B030D-6E8A-4147-A177-3AD203B41FA5}">
+                      <a16:colId xmlns:a16="http://schemas.microsoft.com/office/drawing/2014/main" val="2816706443"/>
+                    </a:ext>
+                  </a:extLst>
+                </a:gridCol>
+              </a:tblGrid>
+              <a:tr h="439144">
+                <a:tc>
+                  <a:txBody>
+                    <a:bodyPr/>
+                    <a:lstStyle/>
+                    <a:p>
+                      <a:r>
+                        <a:rPr lang="fr-FR" dirty="0"/>
+                        <a:t>Type</a:t>
+                      </a:r>
+                    </a:p>
+                  </a:txBody>
+                  <a:tcPr/>
+                </a:tc>
+                <a:tc>
+                  <a:txBody>
+                    <a:bodyPr/>
+                    <a:lstStyle/>
+                    <a:p>
+                      <a:r>
+                        <a:rPr lang="fr-FR" dirty="0"/>
+                        <a:t>Taille (octets/bits)</a:t>
+                      </a:r>
+                    </a:p>
+                  </a:txBody>
+                  <a:tcPr/>
+                </a:tc>
+                <a:tc>
+                  <a:txBody>
+                    <a:bodyPr/>
+                    <a:lstStyle/>
+                    <a:p>
+                      <a:pPr algn="ctr"/>
+                      <a:r>
+                        <a:rPr lang="fr-FR" dirty="0"/>
+                        <a:t>Limites</a:t>
+                      </a:r>
+                    </a:p>
+                  </a:txBody>
+                  <a:tcPr/>
+                </a:tc>
+                <a:extLst>
+                  <a:ext uri="{0D108BD9-81ED-4DB2-BD59-A6C34878D82A}">
+                    <a16:rowId xmlns:a16="http://schemas.microsoft.com/office/drawing/2014/main" val="2393012598"/>
+                  </a:ext>
+                </a:extLst>
+              </a:tr>
+              <a:tr h="439144">
+                <a:tc>
+                  <a:txBody>
+                    <a:bodyPr/>
+                    <a:lstStyle/>
+                    <a:p>
+                      <a:r>
+                        <a:rPr lang="fr-FR" dirty="0"/>
+                        <a:t>short</a:t>
+                      </a:r>
+                    </a:p>
+                  </a:txBody>
+                  <a:tcPr/>
+                </a:tc>
+                <a:tc>
+                  <a:txBody>
+                    <a:bodyPr/>
+                    <a:lstStyle/>
+                    <a:p>
+                      <a:r>
+                        <a:rPr lang="fr-FR" dirty="0"/>
+                        <a:t>2/16</a:t>
+                      </a:r>
+                    </a:p>
+                  </a:txBody>
+                  <a:tcPr/>
+                </a:tc>
+                <a:tc>
+                  <a:txBody>
+                    <a:bodyPr/>
+                    <a:lstStyle/>
+                    <a:p>
+                      <a:pPr algn="ctr"/>
+                      <a:r>
+                        <a:rPr lang="fr-FR" sz="1800" b="0" i="0" kern="1200" dirty="0">
+                          <a:solidFill>
+                            <a:schemeClr val="dk1"/>
+                          </a:solidFill>
+                          <a:effectLst/>
+                          <a:latin typeface="+mn-lt"/>
+                          <a:ea typeface="+mn-ea"/>
+                          <a:cs typeface="+mn-cs"/>
+                        </a:rPr>
+                        <a:t>-32 768 à +32 767</a:t>
+                      </a:r>
+                      <a:endParaRPr lang="fr-FR" dirty="0"/>
+                    </a:p>
+                  </a:txBody>
+                  <a:tcPr/>
+                </a:tc>
+                <a:extLst>
+                  <a:ext uri="{0D108BD9-81ED-4DB2-BD59-A6C34878D82A}">
+                    <a16:rowId xmlns:a16="http://schemas.microsoft.com/office/drawing/2014/main" val="3559964944"/>
+                  </a:ext>
+                </a:extLst>
+              </a:tr>
+              <a:tr h="439144">
+                <a:tc>
+                  <a:txBody>
+                    <a:bodyPr/>
+                    <a:lstStyle/>
+                    <a:p>
+                      <a:r>
+                        <a:rPr lang="fr-FR" dirty="0" err="1"/>
+                        <a:t>unsigned</a:t>
+                      </a:r>
+                      <a:r>
+                        <a:rPr lang="fr-FR" dirty="0"/>
+                        <a:t> short</a:t>
+                      </a:r>
+                    </a:p>
+                  </a:txBody>
+                  <a:tcPr/>
+                </a:tc>
+                <a:tc>
+                  <a:txBody>
+                    <a:bodyPr/>
+                    <a:lstStyle/>
+                    <a:p>
+                      <a:r>
+                        <a:rPr lang="fr-FR" dirty="0"/>
+                        <a:t>2/16</a:t>
+                      </a:r>
+                    </a:p>
+                  </a:txBody>
+                  <a:tcPr/>
+                </a:tc>
+                <a:tc>
+                  <a:txBody>
+                    <a:bodyPr/>
+                    <a:lstStyle/>
+                    <a:p>
+                      <a:pPr algn="ctr"/>
+                      <a:r>
+                        <a:rPr lang="fr-FR" dirty="0"/>
+                        <a:t>0 à +65 535</a:t>
+                      </a:r>
+                    </a:p>
+                  </a:txBody>
+                  <a:tcPr/>
+                </a:tc>
+                <a:extLst>
+                  <a:ext uri="{0D108BD9-81ED-4DB2-BD59-A6C34878D82A}">
+                    <a16:rowId xmlns:a16="http://schemas.microsoft.com/office/drawing/2014/main" val="1523342754"/>
+                  </a:ext>
+                </a:extLst>
+              </a:tr>
+              <a:tr h="439144">
+                <a:tc>
+                  <a:txBody>
+                    <a:bodyPr/>
+                    <a:lstStyle/>
+                    <a:p>
+                      <a:r>
+                        <a:rPr lang="fr-FR" b="1" dirty="0" err="1"/>
+                        <a:t>int</a:t>
+                      </a:r>
+                      <a:endParaRPr lang="fr-FR" b="1" dirty="0"/>
+                    </a:p>
+                  </a:txBody>
+                  <a:tcPr>
+                    <a:solidFill>
+                      <a:schemeClr val="accent2">
+                        <a:lumMod val="20000"/>
+                        <a:lumOff val="80000"/>
+                      </a:schemeClr>
+                    </a:solidFill>
+                  </a:tcPr>
+                </a:tc>
+                <a:tc>
+                  <a:txBody>
+                    <a:bodyPr/>
+                    <a:lstStyle/>
+                    <a:p>
+                      <a:r>
+                        <a:rPr lang="fr-FR" b="1" dirty="0"/>
+                        <a:t>4/32</a:t>
+                      </a:r>
+                    </a:p>
+                  </a:txBody>
+                  <a:tcPr>
+                    <a:solidFill>
+                      <a:schemeClr val="accent2">
+                        <a:lumMod val="20000"/>
+                        <a:lumOff val="80000"/>
+                      </a:schemeClr>
+                    </a:solidFill>
+                  </a:tcPr>
+                </a:tc>
+                <a:tc>
+                  <a:txBody>
+                    <a:bodyPr/>
+                    <a:lstStyle/>
+                    <a:p>
+                      <a:pPr algn="ctr"/>
+                      <a:r>
+                        <a:rPr lang="fr-FR" sz="1800" b="1" i="0" kern="1200" dirty="0">
+                          <a:solidFill>
+                            <a:schemeClr val="dk1"/>
+                          </a:solidFill>
+                          <a:effectLst/>
+                          <a:latin typeface="+mn-lt"/>
+                          <a:ea typeface="+mn-ea"/>
+                          <a:cs typeface="+mn-cs"/>
+                        </a:rPr>
+                        <a:t>-2 147 483 648 à +2 147 483 647</a:t>
+                      </a:r>
+                      <a:endParaRPr lang="fr-FR" b="1" dirty="0"/>
+                    </a:p>
+                  </a:txBody>
+                  <a:tcPr>
+                    <a:solidFill>
+                      <a:schemeClr val="accent2">
+                        <a:lumMod val="20000"/>
+                        <a:lumOff val="80000"/>
+                      </a:schemeClr>
+                    </a:solidFill>
+                  </a:tcPr>
+                </a:tc>
+                <a:extLst>
+                  <a:ext uri="{0D108BD9-81ED-4DB2-BD59-A6C34878D82A}">
+                    <a16:rowId xmlns:a16="http://schemas.microsoft.com/office/drawing/2014/main" val="709204894"/>
+                  </a:ext>
+                </a:extLst>
+              </a:tr>
+              <a:tr h="439144">
+                <a:tc>
+                  <a:txBody>
+                    <a:bodyPr/>
+                    <a:lstStyle/>
+                    <a:p>
+                      <a:r>
+                        <a:rPr lang="fr-FR" dirty="0" err="1"/>
+                        <a:t>unsigned</a:t>
+                      </a:r>
+                      <a:r>
+                        <a:rPr lang="fr-FR" dirty="0"/>
+                        <a:t> </a:t>
+                      </a:r>
+                      <a:r>
+                        <a:rPr lang="fr-FR" dirty="0" err="1"/>
+                        <a:t>int</a:t>
+                      </a:r>
+                      <a:endParaRPr lang="fr-FR" dirty="0"/>
+                    </a:p>
+                  </a:txBody>
+                  <a:tcPr/>
+                </a:tc>
+                <a:tc>
+                  <a:txBody>
+                    <a:bodyPr/>
+                    <a:lstStyle/>
+                    <a:p>
+                      <a:r>
+                        <a:rPr lang="fr-FR" dirty="0"/>
+                        <a:t>4/32</a:t>
+                      </a:r>
+                    </a:p>
+                  </a:txBody>
+                  <a:tcPr/>
+                </a:tc>
+                <a:tc>
+                  <a:txBody>
+                    <a:bodyPr/>
+                    <a:lstStyle/>
+                    <a:p>
+                      <a:pPr algn="ctr"/>
+                      <a:r>
+                        <a:rPr lang="fr-FR" dirty="0"/>
+                        <a:t>0 à </a:t>
+                      </a:r>
+                      <a:r>
+                        <a:rPr lang="fr-FR" sz="1800" b="0" i="0" kern="1200" dirty="0">
+                          <a:solidFill>
+                            <a:schemeClr val="dk1"/>
+                          </a:solidFill>
+                          <a:effectLst/>
+                          <a:latin typeface="+mn-lt"/>
+                          <a:ea typeface="+mn-ea"/>
+                          <a:cs typeface="+mn-cs"/>
+                        </a:rPr>
+                        <a:t>+4 294 967 295</a:t>
+                      </a:r>
+                      <a:endParaRPr lang="fr-FR" dirty="0"/>
+                    </a:p>
+                  </a:txBody>
+                  <a:tcPr/>
+                </a:tc>
+                <a:extLst>
+                  <a:ext uri="{0D108BD9-81ED-4DB2-BD59-A6C34878D82A}">
+                    <a16:rowId xmlns:a16="http://schemas.microsoft.com/office/drawing/2014/main" val="1275750104"/>
+                  </a:ext>
+                </a:extLst>
+              </a:tr>
+              <a:tr h="439144">
+                <a:tc>
+                  <a:txBody>
+                    <a:bodyPr/>
+                    <a:lstStyle/>
+                    <a:p>
+                      <a:r>
+                        <a:rPr lang="fr-FR" dirty="0"/>
+                        <a:t>long</a:t>
+                      </a:r>
+                    </a:p>
+                  </a:txBody>
+                  <a:tcPr/>
+                </a:tc>
+                <a:tc>
+                  <a:txBody>
+                    <a:bodyPr/>
+                    <a:lstStyle/>
+                    <a:p>
+                      <a:pPr marL="0" marR="0" lvl="0" indent="0" algn="l" defTabSz="914400" rtl="0" eaLnBrk="1" fontAlgn="auto" latinLnBrk="0" hangingPunct="1">
+                        <a:lnSpc>
+                          <a:spcPct val="100000"/>
+                        </a:lnSpc>
+                        <a:spcBef>
+                          <a:spcPts val="0"/>
+                        </a:spcBef>
+                        <a:spcAft>
+                          <a:spcPts val="0"/>
+                        </a:spcAft>
+                        <a:buClrTx/>
+                        <a:buSzTx/>
+                        <a:buFontTx/>
+                        <a:buNone/>
+                        <a:tabLst/>
+                        <a:defRPr/>
+                      </a:pPr>
+                      <a:r>
+                        <a:rPr lang="fr-FR" dirty="0"/>
+                        <a:t>4/32</a:t>
+                      </a:r>
+                    </a:p>
+                  </a:txBody>
+                  <a:tcPr/>
+                </a:tc>
+                <a:tc>
+                  <a:txBody>
+                    <a:bodyPr/>
+                    <a:lstStyle/>
+                    <a:p>
+                      <a:pPr algn="ctr"/>
+                      <a:r>
+                        <a:rPr lang="fr-FR" sz="1800" b="0" i="0" kern="1200" dirty="0">
+                          <a:solidFill>
+                            <a:schemeClr val="dk1"/>
+                          </a:solidFill>
+                          <a:effectLst/>
+                          <a:latin typeface="+mn-lt"/>
+                          <a:ea typeface="+mn-ea"/>
+                          <a:cs typeface="+mn-cs"/>
+                        </a:rPr>
+                        <a:t>-2 147 483 648 à +2 147 483 647</a:t>
+                      </a:r>
+                      <a:endParaRPr lang="fr-FR" dirty="0"/>
+                    </a:p>
+                  </a:txBody>
+                  <a:tcPr/>
+                </a:tc>
+                <a:extLst>
+                  <a:ext uri="{0D108BD9-81ED-4DB2-BD59-A6C34878D82A}">
+                    <a16:rowId xmlns:a16="http://schemas.microsoft.com/office/drawing/2014/main" val="815135402"/>
+                  </a:ext>
+                </a:extLst>
+              </a:tr>
+              <a:tr h="439144">
+                <a:tc>
+                  <a:txBody>
+                    <a:bodyPr/>
+                    <a:lstStyle/>
+                    <a:p>
+                      <a:r>
+                        <a:rPr lang="fr-FR" dirty="0" err="1"/>
+                        <a:t>unsigned</a:t>
+                      </a:r>
+                      <a:r>
+                        <a:rPr lang="fr-FR" dirty="0"/>
+                        <a:t> long</a:t>
+                      </a:r>
+                    </a:p>
+                  </a:txBody>
+                  <a:tcPr/>
+                </a:tc>
+                <a:tc>
+                  <a:txBody>
+                    <a:bodyPr/>
+                    <a:lstStyle/>
+                    <a:p>
+                      <a:pPr marL="0" marR="0" lvl="0" indent="0" algn="l" defTabSz="914400" rtl="0" eaLnBrk="1" fontAlgn="auto" latinLnBrk="0" hangingPunct="1">
+                        <a:lnSpc>
+                          <a:spcPct val="100000"/>
+                        </a:lnSpc>
+                        <a:spcBef>
+                          <a:spcPts val="0"/>
+                        </a:spcBef>
+                        <a:spcAft>
+                          <a:spcPts val="0"/>
+                        </a:spcAft>
+                        <a:buClrTx/>
+                        <a:buSzTx/>
+                        <a:buFontTx/>
+                        <a:buNone/>
+                        <a:tabLst/>
+                        <a:defRPr/>
+                      </a:pPr>
+                      <a:r>
+                        <a:rPr lang="fr-FR" dirty="0"/>
+                        <a:t>4/32</a:t>
+                      </a:r>
+                    </a:p>
+                  </a:txBody>
+                  <a:tcPr/>
+                </a:tc>
+                <a:tc>
+                  <a:txBody>
+                    <a:bodyPr/>
+                    <a:lstStyle/>
+                    <a:p>
+                      <a:pPr marL="0" marR="0" lvl="0" indent="0" algn="ctr" defTabSz="914400" rtl="0" eaLnBrk="1" fontAlgn="auto" latinLnBrk="0" hangingPunct="1">
+                        <a:lnSpc>
+                          <a:spcPct val="100000"/>
+                        </a:lnSpc>
+                        <a:spcBef>
+                          <a:spcPts val="0"/>
+                        </a:spcBef>
+                        <a:spcAft>
+                          <a:spcPts val="0"/>
+                        </a:spcAft>
+                        <a:buClrTx/>
+                        <a:buSzTx/>
+                        <a:buFontTx/>
+                        <a:buNone/>
+                        <a:tabLst/>
+                        <a:defRPr/>
+                      </a:pPr>
+                      <a:r>
+                        <a:rPr lang="fr-FR" dirty="0"/>
+                        <a:t>0 à </a:t>
+                      </a:r>
+                      <a:r>
+                        <a:rPr lang="fr-FR" sz="1800" b="0" i="0" kern="1200" dirty="0">
+                          <a:solidFill>
+                            <a:schemeClr val="dk1"/>
+                          </a:solidFill>
+                          <a:effectLst/>
+                          <a:latin typeface="+mn-lt"/>
+                          <a:ea typeface="+mn-ea"/>
+                          <a:cs typeface="+mn-cs"/>
+                        </a:rPr>
+                        <a:t>+4 294 967 295</a:t>
+                      </a:r>
+                      <a:endParaRPr lang="fr-FR" dirty="0"/>
+                    </a:p>
+                  </a:txBody>
+                  <a:tcPr/>
+                </a:tc>
+                <a:extLst>
+                  <a:ext uri="{0D108BD9-81ED-4DB2-BD59-A6C34878D82A}">
+                    <a16:rowId xmlns:a16="http://schemas.microsoft.com/office/drawing/2014/main" val="1631502400"/>
+                  </a:ext>
+                </a:extLst>
+              </a:tr>
+              <a:tr h="448973">
+                <a:tc>
+                  <a:txBody>
+                    <a:bodyPr/>
+                    <a:lstStyle/>
+                    <a:p>
+                      <a:r>
+                        <a:rPr lang="fr-FR" dirty="0"/>
+                        <a:t>long </a:t>
+                      </a:r>
+                      <a:r>
+                        <a:rPr lang="fr-FR" dirty="0" err="1"/>
+                        <a:t>long</a:t>
+                      </a:r>
+                      <a:endParaRPr lang="fr-FR" dirty="0"/>
+                    </a:p>
+                  </a:txBody>
+                  <a:tcPr/>
+                </a:tc>
+                <a:tc>
+                  <a:txBody>
+                    <a:bodyPr/>
+                    <a:lstStyle/>
+                    <a:p>
+                      <a:pPr marL="0" marR="0" lvl="0" indent="0" algn="l" defTabSz="914400" rtl="0" eaLnBrk="1" fontAlgn="auto" latinLnBrk="0" hangingPunct="1">
+                        <a:lnSpc>
+                          <a:spcPct val="100000"/>
+                        </a:lnSpc>
+                        <a:spcBef>
+                          <a:spcPts val="0"/>
+                        </a:spcBef>
+                        <a:spcAft>
+                          <a:spcPts val="0"/>
+                        </a:spcAft>
+                        <a:buClrTx/>
+                        <a:buSzTx/>
+                        <a:buFontTx/>
+                        <a:buNone/>
+                        <a:tabLst/>
+                        <a:defRPr/>
+                      </a:pPr>
+                      <a:r>
+                        <a:rPr lang="fr-FR" dirty="0"/>
+                        <a:t>8/64</a:t>
+                      </a:r>
+                    </a:p>
+                  </a:txBody>
+                  <a:tcPr/>
+                </a:tc>
+                <a:tc>
+                  <a:txBody>
+                    <a:bodyPr/>
+                    <a:lstStyle/>
+                    <a:p>
+                      <a:pPr algn="ctr"/>
+                      <a:r>
+                        <a:rPr lang="fr-FR" sz="1800" b="0" i="0" kern="1200" dirty="0">
+                          <a:solidFill>
+                            <a:schemeClr val="dk1"/>
+                          </a:solidFill>
+                          <a:effectLst/>
+                          <a:latin typeface="+mn-lt"/>
+                          <a:ea typeface="+mn-ea"/>
+                          <a:cs typeface="+mn-cs"/>
+                        </a:rPr>
+                        <a:t>-9 223 372 036 854 775 807 à +9 223 372 036 854 775 807</a:t>
+                      </a:r>
+                      <a:endParaRPr lang="fr-FR" dirty="0"/>
+                    </a:p>
+                  </a:txBody>
+                  <a:tcPr/>
+                </a:tc>
+                <a:extLst>
+                  <a:ext uri="{0D108BD9-81ED-4DB2-BD59-A6C34878D82A}">
+                    <a16:rowId xmlns:a16="http://schemas.microsoft.com/office/drawing/2014/main" val="2508139135"/>
+                  </a:ext>
+                </a:extLst>
+              </a:tr>
+              <a:tr h="439144">
+                <a:tc>
+                  <a:txBody>
+                    <a:bodyPr/>
+                    <a:lstStyle/>
+                    <a:p>
+                      <a:r>
+                        <a:rPr lang="fr-FR" dirty="0" err="1"/>
+                        <a:t>unsigned</a:t>
+                      </a:r>
+                      <a:r>
+                        <a:rPr lang="fr-FR" dirty="0"/>
+                        <a:t> long </a:t>
+                      </a:r>
+                      <a:r>
+                        <a:rPr lang="fr-FR" dirty="0" err="1"/>
+                        <a:t>long</a:t>
+                      </a:r>
+                      <a:endParaRPr lang="fr-FR" dirty="0"/>
+                    </a:p>
+                  </a:txBody>
+                  <a:tcPr/>
+                </a:tc>
+                <a:tc>
+                  <a:txBody>
+                    <a:bodyPr/>
+                    <a:lstStyle/>
+                    <a:p>
+                      <a:pPr marL="0" marR="0" lvl="0" indent="0" algn="l" defTabSz="914400" rtl="0" eaLnBrk="1" fontAlgn="auto" latinLnBrk="0" hangingPunct="1">
+                        <a:lnSpc>
+                          <a:spcPct val="100000"/>
+                        </a:lnSpc>
+                        <a:spcBef>
+                          <a:spcPts val="0"/>
+                        </a:spcBef>
+                        <a:spcAft>
+                          <a:spcPts val="0"/>
+                        </a:spcAft>
+                        <a:buClrTx/>
+                        <a:buSzTx/>
+                        <a:buFontTx/>
+                        <a:buNone/>
+                        <a:tabLst/>
+                        <a:defRPr/>
+                      </a:pPr>
+                      <a:r>
+                        <a:rPr lang="fr-FR" dirty="0"/>
+                        <a:t>8/64</a:t>
+                      </a:r>
+                    </a:p>
+                  </a:txBody>
+                  <a:tcPr/>
+                </a:tc>
+                <a:tc>
+                  <a:txBody>
+                    <a:bodyPr/>
+                    <a:lstStyle/>
+                    <a:p>
+                      <a:pPr algn="ctr"/>
+                      <a:r>
+                        <a:rPr lang="fr-FR" dirty="0">
+                          <a:effectLst/>
+                        </a:rPr>
+                        <a:t>0 à +18 446 744 073 709 551 615</a:t>
+                      </a:r>
+                    </a:p>
+                  </a:txBody>
+                  <a:tcPr anchor="ctr"/>
+                </a:tc>
+                <a:extLst>
+                  <a:ext uri="{0D108BD9-81ED-4DB2-BD59-A6C34878D82A}">
+                    <a16:rowId xmlns:a16="http://schemas.microsoft.com/office/drawing/2014/main" val="1448969886"/>
+                  </a:ext>
+                </a:extLst>
+              </a:tr>
+            </a:tbl>
+          </a:graphicData>
+        </a:graphic>
+      </p:graphicFrame>
+      <p:sp>
+        <p:nvSpPr>
+          <p:cNvPr id="21" name="Espace réservé du contenu 2">
+            <a:extLst>
+              <a:ext uri="{FF2B5EF4-FFF2-40B4-BE49-F238E27FC236}">
+                <a16:creationId xmlns:a16="http://schemas.microsoft.com/office/drawing/2014/main" id="{DE8392B2-26AF-472E-9BD8-F5D4A7DB06D0}"/>
+              </a:ext>
+            </a:extLst>
+          </p:cNvPr>
+          <p:cNvSpPr txBox="1">
+            <a:spLocks/>
+          </p:cNvSpPr>
+          <p:nvPr/>
+        </p:nvSpPr>
+        <p:spPr>
+          <a:xfrm>
+            <a:off x="838200" y="5975926"/>
+            <a:ext cx="10515600" cy="775855"/>
+          </a:xfrm>
+          <a:prstGeom prst="rect">
+            <a:avLst/>
+          </a:prstGeom>
+        </p:spPr>
+        <p:txBody>
+          <a:bodyPr vert="horz" lIns="91440" tIns="45720" rIns="91440" bIns="45720" rtlCol="0">
+            <a:normAutofit/>
+          </a:bodyPr>
+          <a:lstStyle>
+            <a:lvl1pPr marL="228600" indent="-228600" algn="l" defTabSz="914400" rtl="0" eaLnBrk="1" latinLnBrk="0" hangingPunct="1">
+              <a:lnSpc>
+                <a:spcPct val="90000"/>
+              </a:lnSpc>
+              <a:spcBef>
+                <a:spcPts val="1000"/>
+              </a:spcBef>
+              <a:buFont typeface="Arial" panose="020B0604020202020204" pitchFamily="34" charset="0"/>
+              <a:buChar char="•"/>
+              <a:defRPr sz="2800" kern="1200">
+                <a:solidFill>
+                  <a:schemeClr val="tx1"/>
+                </a:solidFill>
+                <a:latin typeface="+mn-lt"/>
+                <a:ea typeface="+mn-ea"/>
+                <a:cs typeface="+mn-cs"/>
+              </a:defRPr>
+            </a:lvl1pPr>
+            <a:lvl2pPr marL="685800" indent="-228600" algn="l" defTabSz="914400" rtl="0" eaLnBrk="1" latinLnBrk="0" hangingPunct="1">
+              <a:lnSpc>
+                <a:spcPct val="90000"/>
+              </a:lnSpc>
+              <a:spcBef>
+                <a:spcPts val="500"/>
+              </a:spcBef>
+              <a:buFont typeface="Arial" panose="020B0604020202020204" pitchFamily="34" charset="0"/>
+              <a:buChar char="•"/>
+              <a:defRPr sz="2400" kern="1200">
+                <a:solidFill>
+                  <a:schemeClr val="tx1"/>
+                </a:solidFill>
+                <a:latin typeface="+mn-lt"/>
+                <a:ea typeface="+mn-ea"/>
+                <a:cs typeface="+mn-cs"/>
+              </a:defRPr>
+            </a:lvl2pPr>
+            <a:lvl3pPr marL="1143000" indent="-228600" algn="l" defTabSz="914400" rtl="0" eaLnBrk="1" latinLnBrk="0" hangingPunct="1">
+              <a:lnSpc>
+                <a:spcPct val="90000"/>
+              </a:lnSpc>
+              <a:spcBef>
+                <a:spcPts val="500"/>
+              </a:spcBef>
+              <a:buFont typeface="Arial" panose="020B0604020202020204" pitchFamily="34" charset="0"/>
+              <a:buChar char="•"/>
+              <a:defRPr sz="2000" kern="1200">
+                <a:solidFill>
+                  <a:schemeClr val="tx1"/>
+                </a:solidFill>
+                <a:latin typeface="+mn-lt"/>
+                <a:ea typeface="+mn-ea"/>
+                <a:cs typeface="+mn-cs"/>
+              </a:defRPr>
+            </a:lvl3pPr>
+            <a:lvl4pPr marL="1600200" indent="-228600" algn="l" defTabSz="914400" rtl="0" eaLnBrk="1" latinLnBrk="0" hangingPunct="1">
+              <a:lnSpc>
+                <a:spcPct val="90000"/>
+              </a:lnSpc>
+              <a:spcBef>
+                <a:spcPts val="500"/>
+              </a:spcBef>
+              <a:buFont typeface="Arial" panose="020B0604020202020204" pitchFamily="34" charset="0"/>
+              <a:buChar char="•"/>
+              <a:defRPr sz="1800" kern="1200">
+                <a:solidFill>
+                  <a:schemeClr val="tx1"/>
+                </a:solidFill>
+                <a:latin typeface="+mn-lt"/>
+                <a:ea typeface="+mn-ea"/>
+                <a:cs typeface="+mn-cs"/>
+              </a:defRPr>
+            </a:lvl4pPr>
+            <a:lvl5pPr marL="2057400" indent="-228600" algn="l" defTabSz="914400" rtl="0" eaLnBrk="1" latinLnBrk="0" hangingPunct="1">
+              <a:lnSpc>
+                <a:spcPct val="90000"/>
+              </a:lnSpc>
+              <a:spcBef>
+                <a:spcPts val="500"/>
+              </a:spcBef>
+              <a:buFont typeface="Arial" panose="020B0604020202020204" pitchFamily="34" charset="0"/>
+              <a:buChar char="•"/>
+              <a:defRPr sz="1800" kern="1200">
+                <a:solidFill>
+                  <a:schemeClr val="tx1"/>
+                </a:solidFill>
+                <a:latin typeface="+mn-lt"/>
+                <a:ea typeface="+mn-ea"/>
+                <a:cs typeface="+mn-cs"/>
+              </a:defRPr>
+            </a:lvl5pPr>
+            <a:lvl6pPr marL="2514600" indent="-228600" algn="l" defTabSz="914400" rtl="0" eaLnBrk="1" latinLnBrk="0" hangingPunct="1">
+              <a:lnSpc>
+                <a:spcPct val="90000"/>
+              </a:lnSpc>
+              <a:spcBef>
+                <a:spcPts val="500"/>
+              </a:spcBef>
+              <a:buFont typeface="Arial" panose="020B0604020202020204" pitchFamily="34" charset="0"/>
+              <a:buChar char="•"/>
+              <a:defRPr sz="1800" kern="1200">
+                <a:solidFill>
+                  <a:schemeClr val="tx1"/>
+                </a:solidFill>
+                <a:latin typeface="+mn-lt"/>
+                <a:ea typeface="+mn-ea"/>
+                <a:cs typeface="+mn-cs"/>
+              </a:defRPr>
+            </a:lvl6pPr>
+            <a:lvl7pPr marL="2971800" indent="-228600" algn="l" defTabSz="914400" rtl="0" eaLnBrk="1" latinLnBrk="0" hangingPunct="1">
+              <a:lnSpc>
+                <a:spcPct val="90000"/>
+              </a:lnSpc>
+              <a:spcBef>
+                <a:spcPts val="500"/>
+              </a:spcBef>
+              <a:buFont typeface="Arial" panose="020B0604020202020204" pitchFamily="34" charset="0"/>
+              <a:buChar char="•"/>
+              <a:defRPr sz="1800" kern="1200">
+                <a:solidFill>
+                  <a:schemeClr val="tx1"/>
+                </a:solidFill>
+                <a:latin typeface="+mn-lt"/>
+                <a:ea typeface="+mn-ea"/>
+                <a:cs typeface="+mn-cs"/>
+              </a:defRPr>
+            </a:lvl7pPr>
+            <a:lvl8pPr marL="3429000" indent="-228600" algn="l" defTabSz="914400" rtl="0" eaLnBrk="1" latinLnBrk="0" hangingPunct="1">
+              <a:lnSpc>
+                <a:spcPct val="90000"/>
+              </a:lnSpc>
+              <a:spcBef>
+                <a:spcPts val="500"/>
+              </a:spcBef>
+              <a:buFont typeface="Arial" panose="020B0604020202020204" pitchFamily="34" charset="0"/>
+              <a:buChar char="•"/>
+              <a:defRPr sz="1800" kern="1200">
+                <a:solidFill>
+                  <a:schemeClr val="tx1"/>
+                </a:solidFill>
+                <a:latin typeface="+mn-lt"/>
+                <a:ea typeface="+mn-ea"/>
+                <a:cs typeface="+mn-cs"/>
+              </a:defRPr>
+            </a:lvl8pPr>
+            <a:lvl9pPr marL="3886200" indent="-228600" algn="l" defTabSz="914400" rtl="0" eaLnBrk="1" latinLnBrk="0" hangingPunct="1">
+              <a:lnSpc>
+                <a:spcPct val="90000"/>
+              </a:lnSpc>
+              <a:spcBef>
+                <a:spcPts val="500"/>
+              </a:spcBef>
+              <a:buFont typeface="Arial" panose="020B0604020202020204" pitchFamily="34" charset="0"/>
+              <a:buChar char="•"/>
+              <a:defRPr sz="1800" kern="1200">
+                <a:solidFill>
+                  <a:schemeClr val="tx1"/>
+                </a:solidFill>
+                <a:latin typeface="+mn-lt"/>
+                <a:ea typeface="+mn-ea"/>
+                <a:cs typeface="+mn-cs"/>
+              </a:defRPr>
+            </a:lvl9pPr>
+          </a:lstStyle>
+          <a:p>
+            <a:pPr marL="0" indent="0" algn="ctr">
+              <a:buNone/>
+            </a:pPr>
+            <a:endParaRPr lang="en-US" dirty="0">
+              <a:latin typeface="Consolas" panose="020B0609020204030204" pitchFamily="49" charset="0"/>
+            </a:endParaRPr>
+          </a:p>
+        </p:txBody>
+      </p:sp>
+    </p:spTree>
+    <p:extLst>
+      <p:ext uri="{BB962C8B-B14F-4D97-AF65-F5344CB8AC3E}">
+        <p14:creationId xmlns:p14="http://schemas.microsoft.com/office/powerpoint/2010/main" val="4192082760"/>
+      </p:ext>
+    </p:extLst>
+  </p:cSld>
+  <p:clrMapOvr>
+    <a:masterClrMapping/>
+  </p:clrMapOvr>
+  <p:timing>
+    <p:tnLst>
+      <p:par>
+        <p:cTn id="1" dur="indefinite" restart="never" nodeType="tmRoot">
+          <p:childTnLst>
+            <p:seq concurrent="1" nextAc="seek">
+              <p:cTn id="2" dur="indefinite" nodeType="mainSeq">
+                <p:childTnLst>
+                  <p:par>
+                    <p:cTn id="3" fill="hold">
+                      <p:stCondLst>
+                        <p:cond delay="indefinite"/>
+                      </p:stCondLst>
+                      <p:childTnLst>
+                        <p:par>
+                          <p:cTn id="4" fill="hold">
+                            <p:stCondLst>
+                              <p:cond delay="0"/>
+                            </p:stCondLst>
+                            <p:childTnLst>
+                              <p:par>
+                                <p:cTn id="5" presetID="2" presetClass="entr" presetSubtype="8" fill="hold" nodeType="clickEffect" nodePh="1">
+                                  <p:stCondLst>
+                                    <p:cond delay="0"/>
+                                  </p:stCondLst>
+                                  <p:endCondLst>
+                                    <p:cond evt="begin" delay="0">
+                                      <p:tn val="5"/>
+                                    </p:cond>
+                                  </p:endCondLst>
+                                  <p:childTnLst>
+                                    <p:set>
+                                      <p:cBhvr>
+                                        <p:cTn id="6" dur="1" fill="hold">
+                                          <p:stCondLst>
+                                            <p:cond delay="0"/>
+                                          </p:stCondLst>
+                                        </p:cTn>
+                                        <p:tgtEl>
+                                          <p:spTgt spid="21">
+                                            <p:txEl>
+                                              <p:pRg st="0" end="0"/>
+                                            </p:txEl>
+                                          </p:spTgt>
+                                        </p:tgtEl>
+                                        <p:attrNameLst>
+                                          <p:attrName>style.visibility</p:attrName>
+                                        </p:attrNameLst>
+                                      </p:cBhvr>
+                                      <p:to>
+                                        <p:strVal val="visible"/>
+                                      </p:to>
+                                    </p:set>
+                                    <p:anim calcmode="lin" valueType="num">
+                                      <p:cBhvr additive="base">
+                                        <p:cTn id="7" dur="500" fill="hold"/>
+                                        <p:tgtEl>
+                                          <p:spTgt spid="21">
+                                            <p:txEl>
+                                              <p:pRg st="0" end="0"/>
+                                            </p:txEl>
+                                          </p:spTgt>
+                                        </p:tgtEl>
+                                        <p:attrNameLst>
+                                          <p:attrName>ppt_x</p:attrName>
+                                        </p:attrNameLst>
+                                      </p:cBhvr>
+                                      <p:tavLst>
+                                        <p:tav tm="0">
+                                          <p:val>
+                                            <p:strVal val="0-#ppt_w/2"/>
+                                          </p:val>
+                                        </p:tav>
+                                        <p:tav tm="100000">
+                                          <p:val>
+                                            <p:strVal val="#ppt_x"/>
+                                          </p:val>
+                                        </p:tav>
+                                      </p:tavLst>
+                                    </p:anim>
+                                    <p:anim calcmode="lin" valueType="num">
+                                      <p:cBhvr additive="base">
+                                        <p:cTn id="8" dur="500" fill="hold"/>
+                                        <p:tgtEl>
+                                          <p:spTgt spid="21">
+                                            <p:txEl>
+                                              <p:pRg st="0" end="0"/>
+                                            </p:txEl>
+                                          </p:spTgt>
+                                        </p:tgtEl>
+                                        <p:attrNameLst>
+                                          <p:attrName>ppt_y</p:attrName>
+                                        </p:attrNameLst>
+                                      </p:cBhvr>
+                                      <p:tavLst>
+                                        <p:tav tm="0">
+                                          <p:val>
+                                            <p:strVal val="#ppt_y"/>
+                                          </p:val>
+                                        </p:tav>
+                                        <p:tav tm="100000">
+                                          <p:val>
+                                            <p:strVal val="#ppt_y"/>
+                                          </p:val>
+                                        </p:tav>
+                                      </p:tavLst>
+                                    </p:anim>
+                                  </p:childTnLst>
+                                </p:cTn>
+                              </p:par>
+                            </p:childTnLst>
+                          </p:cTn>
+                        </p:par>
+                      </p:childTnLst>
+                    </p:cTn>
+                  </p:par>
+                </p:childTnLst>
+              </p:cTn>
+              <p:prevCondLst>
+                <p:cond evt="onPrev" delay="0">
+                  <p:tgtEl>
+                    <p:sldTgt/>
+                  </p:tgtEl>
+                </p:cond>
+              </p:prevCondLst>
+              <p:nextCondLst>
+                <p:cond evt="onNext" delay="0">
+                  <p:tgtEl>
+                    <p:sldTgt/>
+                  </p:tgtEl>
+                </p:cond>
+              </p:nextCondLst>
+            </p:seq>
+          </p:childTnLst>
+        </p:cTn>
+      </p:par>
+    </p:tnLst>
+  </p:timing>
+</p:sld>
+</file>
+
+<file path=ppt/slides/slide40.xml><?xml version="1.0" encoding="utf-8"?>
 <p:sld xmlns:a="http://schemas.openxmlformats.org/drawingml/2006/main" xmlns:r="http://schemas.openxmlformats.org/officeDocument/2006/relationships" xmlns:p="http://schemas.openxmlformats.org/presentationml/2006/main">
   <p:cSld>
     <p:spTree>
@@ -28212,7 +30921,7 @@
 </p:sld>
 </file>
 
-<file path=ppt/slides/slide36.xml><?xml version="1.0" encoding="utf-8"?>
+<file path=ppt/slides/slide41.xml><?xml version="1.0" encoding="utf-8"?>
 <p:sld xmlns:a="http://schemas.openxmlformats.org/drawingml/2006/main" xmlns:r="http://schemas.openxmlformats.org/officeDocument/2006/relationships" xmlns:p="http://schemas.openxmlformats.org/presentationml/2006/main">
   <p:cSld>
     <p:spTree>
@@ -29717,7 +32426,7 @@
 </p:sld>
 </file>
 
-<file path=ppt/slides/slide37.xml><?xml version="1.0" encoding="utf-8"?>
+<file path=ppt/slides/slide42.xml><?xml version="1.0" encoding="utf-8"?>
 <p:sld xmlns:a="http://schemas.openxmlformats.org/drawingml/2006/main" xmlns:r="http://schemas.openxmlformats.org/officeDocument/2006/relationships" xmlns:p="http://schemas.openxmlformats.org/presentationml/2006/main">
   <p:cSld>
     <p:spTree>
@@ -30308,7 +33017,7 @@
 </p:sld>
 </file>
 
-<file path=ppt/slides/slide38.xml><?xml version="1.0" encoding="utf-8"?>
+<file path=ppt/slides/slide43.xml><?xml version="1.0" encoding="utf-8"?>
 <p:sld xmlns:a="http://schemas.openxmlformats.org/drawingml/2006/main" xmlns:r="http://schemas.openxmlformats.org/officeDocument/2006/relationships" xmlns:p="http://schemas.openxmlformats.org/presentationml/2006/main">
   <p:cSld>
     <p:spTree>
@@ -32295,7 +35004,7 @@
 </p:sld>
 </file>
 
-<file path=ppt/slides/slide39.xml><?xml version="1.0" encoding="utf-8"?>
+<file path=ppt/slides/slide44.xml><?xml version="1.0" encoding="utf-8"?>
 <p:sld xmlns:a="http://schemas.openxmlformats.org/drawingml/2006/main" xmlns:r="http://schemas.openxmlformats.org/officeDocument/2006/relationships" xmlns:p="http://schemas.openxmlformats.org/presentationml/2006/main">
   <p:cSld>
     <p:spTree>
@@ -32628,1086 +35337,7 @@
 </p:sld>
 </file>
 
-<file path=ppt/slides/slide4.xml><?xml version="1.0" encoding="utf-8"?>
-<p:sld xmlns:a="http://schemas.openxmlformats.org/drawingml/2006/main" xmlns:r="http://schemas.openxmlformats.org/officeDocument/2006/relationships" xmlns:p="http://schemas.openxmlformats.org/presentationml/2006/main">
-  <p:cSld>
-    <p:spTree>
-      <p:nvGrpSpPr>
-        <p:cNvPr id="1" name=""/>
-        <p:cNvGrpSpPr/>
-        <p:nvPr/>
-      </p:nvGrpSpPr>
-      <p:grpSpPr>
-        <a:xfrm>
-          <a:off x="0" y="0"/>
-          <a:ext cx="0" cy="0"/>
-          <a:chOff x="0" y="0"/>
-          <a:chExt cx="0" cy="0"/>
-        </a:xfrm>
-      </p:grpSpPr>
-      <p:sp>
-        <p:nvSpPr>
-          <p:cNvPr id="2" name="Titre 1">
-            <a:extLst>
-              <a:ext uri="{FF2B5EF4-FFF2-40B4-BE49-F238E27FC236}">
-                <a16:creationId xmlns:a16="http://schemas.microsoft.com/office/drawing/2014/main" id="{953B240B-3482-4349-AE0C-741CF30ABF31}"/>
-              </a:ext>
-            </a:extLst>
-          </p:cNvPr>
-          <p:cNvSpPr>
-            <a:spLocks noGrp="1"/>
-          </p:cNvSpPr>
-          <p:nvPr>
-            <p:ph type="title"/>
-          </p:nvPr>
-        </p:nvSpPr>
-        <p:spPr/>
-        <p:txBody>
-          <a:bodyPr/>
-          <a:lstStyle/>
-          <a:p>
-            <a:r>
-              <a:rPr lang="fr-FR" dirty="0"/>
-              <a:t>Types : Entiers</a:t>
-            </a:r>
-          </a:p>
-        </p:txBody>
-      </p:sp>
-      <p:graphicFrame>
-        <p:nvGraphicFramePr>
-          <p:cNvPr id="9" name="Tableau 10">
-            <a:extLst>
-              <a:ext uri="{FF2B5EF4-FFF2-40B4-BE49-F238E27FC236}">
-                <a16:creationId xmlns:a16="http://schemas.microsoft.com/office/drawing/2014/main" id="{EAD53C5D-A5CF-4390-A640-A87A6EAE5397}"/>
-              </a:ext>
-            </a:extLst>
-          </p:cNvPr>
-          <p:cNvGraphicFramePr>
-            <a:graphicFrameLocks noGrp="1"/>
-          </p:cNvGraphicFramePr>
-          <p:nvPr>
-            <p:ph idx="1"/>
-            <p:extLst>
-              <p:ext uri="{D42A27DB-BD31-4B8C-83A1-F6EECF244321}">
-                <p14:modId xmlns:p14="http://schemas.microsoft.com/office/powerpoint/2010/main" val="2912979075"/>
-              </p:ext>
-            </p:extLst>
-          </p:nvPr>
-        </p:nvGraphicFramePr>
-        <p:xfrm>
-          <a:off x="838203" y="1760219"/>
-          <a:ext cx="10515597" cy="3962125"/>
-        </p:xfrm>
-        <a:graphic>
-          <a:graphicData uri="http://schemas.openxmlformats.org/drawingml/2006/table">
-            <a:tbl>
-              <a:tblPr firstRow="1" bandRow="1">
-                <a:tableStyleId>{5C22544A-7EE6-4342-B048-85BDC9FD1C3A}</a:tableStyleId>
-              </a:tblPr>
-              <a:tblGrid>
-                <a:gridCol w="2089724">
-                  <a:extLst>
-                    <a:ext uri="{9D8B030D-6E8A-4147-A177-3AD203B41FA5}">
-                      <a16:colId xmlns:a16="http://schemas.microsoft.com/office/drawing/2014/main" val="3804268852"/>
-                    </a:ext>
-                  </a:extLst>
-                </a:gridCol>
-                <a:gridCol w="1948873">
-                  <a:extLst>
-                    <a:ext uri="{9D8B030D-6E8A-4147-A177-3AD203B41FA5}">
-                      <a16:colId xmlns:a16="http://schemas.microsoft.com/office/drawing/2014/main" val="3731289624"/>
-                    </a:ext>
-                  </a:extLst>
-                </a:gridCol>
-                <a:gridCol w="6477000">
-                  <a:extLst>
-                    <a:ext uri="{9D8B030D-6E8A-4147-A177-3AD203B41FA5}">
-                      <a16:colId xmlns:a16="http://schemas.microsoft.com/office/drawing/2014/main" val="2816706443"/>
-                    </a:ext>
-                  </a:extLst>
-                </a:gridCol>
-              </a:tblGrid>
-              <a:tr h="439144">
-                <a:tc>
-                  <a:txBody>
-                    <a:bodyPr/>
-                    <a:lstStyle/>
-                    <a:p>
-                      <a:r>
-                        <a:rPr lang="fr-FR" dirty="0"/>
-                        <a:t>Type</a:t>
-                      </a:r>
-                    </a:p>
-                  </a:txBody>
-                  <a:tcPr/>
-                </a:tc>
-                <a:tc>
-                  <a:txBody>
-                    <a:bodyPr/>
-                    <a:lstStyle/>
-                    <a:p>
-                      <a:r>
-                        <a:rPr lang="fr-FR" dirty="0"/>
-                        <a:t>Taille (octets/bits)</a:t>
-                      </a:r>
-                    </a:p>
-                  </a:txBody>
-                  <a:tcPr/>
-                </a:tc>
-                <a:tc>
-                  <a:txBody>
-                    <a:bodyPr/>
-                    <a:lstStyle/>
-                    <a:p>
-                      <a:pPr algn="ctr"/>
-                      <a:r>
-                        <a:rPr lang="fr-FR" dirty="0"/>
-                        <a:t>Limites</a:t>
-                      </a:r>
-                    </a:p>
-                  </a:txBody>
-                  <a:tcPr/>
-                </a:tc>
-                <a:extLst>
-                  <a:ext uri="{0D108BD9-81ED-4DB2-BD59-A6C34878D82A}">
-                    <a16:rowId xmlns:a16="http://schemas.microsoft.com/office/drawing/2014/main" val="2393012598"/>
-                  </a:ext>
-                </a:extLst>
-              </a:tr>
-              <a:tr h="439144">
-                <a:tc>
-                  <a:txBody>
-                    <a:bodyPr/>
-                    <a:lstStyle/>
-                    <a:p>
-                      <a:r>
-                        <a:rPr lang="fr-FR" dirty="0"/>
-                        <a:t>short</a:t>
-                      </a:r>
-                    </a:p>
-                  </a:txBody>
-                  <a:tcPr/>
-                </a:tc>
-                <a:tc>
-                  <a:txBody>
-                    <a:bodyPr/>
-                    <a:lstStyle/>
-                    <a:p>
-                      <a:r>
-                        <a:rPr lang="fr-FR" dirty="0"/>
-                        <a:t>2/16</a:t>
-                      </a:r>
-                    </a:p>
-                  </a:txBody>
-                  <a:tcPr/>
-                </a:tc>
-                <a:tc>
-                  <a:txBody>
-                    <a:bodyPr/>
-                    <a:lstStyle/>
-                    <a:p>
-                      <a:pPr algn="ctr"/>
-                      <a:r>
-                        <a:rPr lang="fr-FR" sz="1800" b="0" i="0" kern="1200" dirty="0">
-                          <a:solidFill>
-                            <a:schemeClr val="dk1"/>
-                          </a:solidFill>
-                          <a:effectLst/>
-                          <a:latin typeface="+mn-lt"/>
-                          <a:ea typeface="+mn-ea"/>
-                          <a:cs typeface="+mn-cs"/>
-                        </a:rPr>
-                        <a:t>-32 768 à +32 767</a:t>
-                      </a:r>
-                      <a:endParaRPr lang="fr-FR" dirty="0"/>
-                    </a:p>
-                  </a:txBody>
-                  <a:tcPr/>
-                </a:tc>
-                <a:extLst>
-                  <a:ext uri="{0D108BD9-81ED-4DB2-BD59-A6C34878D82A}">
-                    <a16:rowId xmlns:a16="http://schemas.microsoft.com/office/drawing/2014/main" val="3559964944"/>
-                  </a:ext>
-                </a:extLst>
-              </a:tr>
-              <a:tr h="439144">
-                <a:tc>
-                  <a:txBody>
-                    <a:bodyPr/>
-                    <a:lstStyle/>
-                    <a:p>
-                      <a:r>
-                        <a:rPr lang="fr-FR" dirty="0" err="1"/>
-                        <a:t>unsigned</a:t>
-                      </a:r>
-                      <a:r>
-                        <a:rPr lang="fr-FR" dirty="0"/>
-                        <a:t> short</a:t>
-                      </a:r>
-                    </a:p>
-                  </a:txBody>
-                  <a:tcPr/>
-                </a:tc>
-                <a:tc>
-                  <a:txBody>
-                    <a:bodyPr/>
-                    <a:lstStyle/>
-                    <a:p>
-                      <a:r>
-                        <a:rPr lang="fr-FR" dirty="0"/>
-                        <a:t>2/16</a:t>
-                      </a:r>
-                    </a:p>
-                  </a:txBody>
-                  <a:tcPr/>
-                </a:tc>
-                <a:tc>
-                  <a:txBody>
-                    <a:bodyPr/>
-                    <a:lstStyle/>
-                    <a:p>
-                      <a:pPr algn="ctr"/>
-                      <a:r>
-                        <a:rPr lang="fr-FR" dirty="0"/>
-                        <a:t>0 à +65 535</a:t>
-                      </a:r>
-                    </a:p>
-                  </a:txBody>
-                  <a:tcPr/>
-                </a:tc>
-                <a:extLst>
-                  <a:ext uri="{0D108BD9-81ED-4DB2-BD59-A6C34878D82A}">
-                    <a16:rowId xmlns:a16="http://schemas.microsoft.com/office/drawing/2014/main" val="1523342754"/>
-                  </a:ext>
-                </a:extLst>
-              </a:tr>
-              <a:tr h="439144">
-                <a:tc>
-                  <a:txBody>
-                    <a:bodyPr/>
-                    <a:lstStyle/>
-                    <a:p>
-                      <a:r>
-                        <a:rPr lang="fr-FR" b="1" dirty="0" err="1"/>
-                        <a:t>int</a:t>
-                      </a:r>
-                      <a:endParaRPr lang="fr-FR" b="1" dirty="0"/>
-                    </a:p>
-                  </a:txBody>
-                  <a:tcPr>
-                    <a:solidFill>
-                      <a:schemeClr val="accent2">
-                        <a:lumMod val="20000"/>
-                        <a:lumOff val="80000"/>
-                      </a:schemeClr>
-                    </a:solidFill>
-                  </a:tcPr>
-                </a:tc>
-                <a:tc>
-                  <a:txBody>
-                    <a:bodyPr/>
-                    <a:lstStyle/>
-                    <a:p>
-                      <a:r>
-                        <a:rPr lang="fr-FR" b="1" dirty="0"/>
-                        <a:t>4/32</a:t>
-                      </a:r>
-                    </a:p>
-                  </a:txBody>
-                  <a:tcPr>
-                    <a:solidFill>
-                      <a:schemeClr val="accent2">
-                        <a:lumMod val="20000"/>
-                        <a:lumOff val="80000"/>
-                      </a:schemeClr>
-                    </a:solidFill>
-                  </a:tcPr>
-                </a:tc>
-                <a:tc>
-                  <a:txBody>
-                    <a:bodyPr/>
-                    <a:lstStyle/>
-                    <a:p>
-                      <a:pPr algn="ctr"/>
-                      <a:r>
-                        <a:rPr lang="fr-FR" sz="1800" b="1" i="0" kern="1200" dirty="0">
-                          <a:solidFill>
-                            <a:schemeClr val="dk1"/>
-                          </a:solidFill>
-                          <a:effectLst/>
-                          <a:latin typeface="+mn-lt"/>
-                          <a:ea typeface="+mn-ea"/>
-                          <a:cs typeface="+mn-cs"/>
-                        </a:rPr>
-                        <a:t>-2 147 483 648 à +2 147 483 647</a:t>
-                      </a:r>
-                      <a:endParaRPr lang="fr-FR" b="1" dirty="0"/>
-                    </a:p>
-                  </a:txBody>
-                  <a:tcPr>
-                    <a:solidFill>
-                      <a:schemeClr val="accent2">
-                        <a:lumMod val="20000"/>
-                        <a:lumOff val="80000"/>
-                      </a:schemeClr>
-                    </a:solidFill>
-                  </a:tcPr>
-                </a:tc>
-                <a:extLst>
-                  <a:ext uri="{0D108BD9-81ED-4DB2-BD59-A6C34878D82A}">
-                    <a16:rowId xmlns:a16="http://schemas.microsoft.com/office/drawing/2014/main" val="709204894"/>
-                  </a:ext>
-                </a:extLst>
-              </a:tr>
-              <a:tr h="439144">
-                <a:tc>
-                  <a:txBody>
-                    <a:bodyPr/>
-                    <a:lstStyle/>
-                    <a:p>
-                      <a:r>
-                        <a:rPr lang="fr-FR" dirty="0" err="1"/>
-                        <a:t>unsigned</a:t>
-                      </a:r>
-                      <a:r>
-                        <a:rPr lang="fr-FR" dirty="0"/>
-                        <a:t> </a:t>
-                      </a:r>
-                      <a:r>
-                        <a:rPr lang="fr-FR" dirty="0" err="1"/>
-                        <a:t>int</a:t>
-                      </a:r>
-                      <a:endParaRPr lang="fr-FR" dirty="0"/>
-                    </a:p>
-                  </a:txBody>
-                  <a:tcPr/>
-                </a:tc>
-                <a:tc>
-                  <a:txBody>
-                    <a:bodyPr/>
-                    <a:lstStyle/>
-                    <a:p>
-                      <a:r>
-                        <a:rPr lang="fr-FR" dirty="0"/>
-                        <a:t>4/32</a:t>
-                      </a:r>
-                    </a:p>
-                  </a:txBody>
-                  <a:tcPr/>
-                </a:tc>
-                <a:tc>
-                  <a:txBody>
-                    <a:bodyPr/>
-                    <a:lstStyle/>
-                    <a:p>
-                      <a:pPr algn="ctr"/>
-                      <a:r>
-                        <a:rPr lang="fr-FR" dirty="0"/>
-                        <a:t>0 à </a:t>
-                      </a:r>
-                      <a:r>
-                        <a:rPr lang="fr-FR" sz="1800" b="0" i="0" kern="1200" dirty="0">
-                          <a:solidFill>
-                            <a:schemeClr val="dk1"/>
-                          </a:solidFill>
-                          <a:effectLst/>
-                          <a:latin typeface="+mn-lt"/>
-                          <a:ea typeface="+mn-ea"/>
-                          <a:cs typeface="+mn-cs"/>
-                        </a:rPr>
-                        <a:t>+4 294 967 295</a:t>
-                      </a:r>
-                      <a:endParaRPr lang="fr-FR" dirty="0"/>
-                    </a:p>
-                  </a:txBody>
-                  <a:tcPr/>
-                </a:tc>
-                <a:extLst>
-                  <a:ext uri="{0D108BD9-81ED-4DB2-BD59-A6C34878D82A}">
-                    <a16:rowId xmlns:a16="http://schemas.microsoft.com/office/drawing/2014/main" val="1275750104"/>
-                  </a:ext>
-                </a:extLst>
-              </a:tr>
-              <a:tr h="439144">
-                <a:tc>
-                  <a:txBody>
-                    <a:bodyPr/>
-                    <a:lstStyle/>
-                    <a:p>
-                      <a:r>
-                        <a:rPr lang="fr-FR" dirty="0"/>
-                        <a:t>long</a:t>
-                      </a:r>
-                    </a:p>
-                  </a:txBody>
-                  <a:tcPr/>
-                </a:tc>
-                <a:tc>
-                  <a:txBody>
-                    <a:bodyPr/>
-                    <a:lstStyle/>
-                    <a:p>
-                      <a:pPr marL="0" marR="0" lvl="0" indent="0" algn="l" defTabSz="914400" rtl="0" eaLnBrk="1" fontAlgn="auto" latinLnBrk="0" hangingPunct="1">
-                        <a:lnSpc>
-                          <a:spcPct val="100000"/>
-                        </a:lnSpc>
-                        <a:spcBef>
-                          <a:spcPts val="0"/>
-                        </a:spcBef>
-                        <a:spcAft>
-                          <a:spcPts val="0"/>
-                        </a:spcAft>
-                        <a:buClrTx/>
-                        <a:buSzTx/>
-                        <a:buFontTx/>
-                        <a:buNone/>
-                        <a:tabLst/>
-                        <a:defRPr/>
-                      </a:pPr>
-                      <a:r>
-                        <a:rPr lang="fr-FR" dirty="0"/>
-                        <a:t>4/32</a:t>
-                      </a:r>
-                    </a:p>
-                  </a:txBody>
-                  <a:tcPr/>
-                </a:tc>
-                <a:tc>
-                  <a:txBody>
-                    <a:bodyPr/>
-                    <a:lstStyle/>
-                    <a:p>
-                      <a:pPr algn="ctr"/>
-                      <a:r>
-                        <a:rPr lang="fr-FR" sz="1800" b="0" i="0" kern="1200" dirty="0">
-                          <a:solidFill>
-                            <a:schemeClr val="dk1"/>
-                          </a:solidFill>
-                          <a:effectLst/>
-                          <a:latin typeface="+mn-lt"/>
-                          <a:ea typeface="+mn-ea"/>
-                          <a:cs typeface="+mn-cs"/>
-                        </a:rPr>
-                        <a:t>-2 147 483 648 à +2 147 483 647</a:t>
-                      </a:r>
-                      <a:endParaRPr lang="fr-FR" dirty="0"/>
-                    </a:p>
-                  </a:txBody>
-                  <a:tcPr/>
-                </a:tc>
-                <a:extLst>
-                  <a:ext uri="{0D108BD9-81ED-4DB2-BD59-A6C34878D82A}">
-                    <a16:rowId xmlns:a16="http://schemas.microsoft.com/office/drawing/2014/main" val="815135402"/>
-                  </a:ext>
-                </a:extLst>
-              </a:tr>
-              <a:tr h="439144">
-                <a:tc>
-                  <a:txBody>
-                    <a:bodyPr/>
-                    <a:lstStyle/>
-                    <a:p>
-                      <a:r>
-                        <a:rPr lang="fr-FR" dirty="0" err="1"/>
-                        <a:t>unsigned</a:t>
-                      </a:r>
-                      <a:r>
-                        <a:rPr lang="fr-FR" dirty="0"/>
-                        <a:t> long</a:t>
-                      </a:r>
-                    </a:p>
-                  </a:txBody>
-                  <a:tcPr/>
-                </a:tc>
-                <a:tc>
-                  <a:txBody>
-                    <a:bodyPr/>
-                    <a:lstStyle/>
-                    <a:p>
-                      <a:pPr marL="0" marR="0" lvl="0" indent="0" algn="l" defTabSz="914400" rtl="0" eaLnBrk="1" fontAlgn="auto" latinLnBrk="0" hangingPunct="1">
-                        <a:lnSpc>
-                          <a:spcPct val="100000"/>
-                        </a:lnSpc>
-                        <a:spcBef>
-                          <a:spcPts val="0"/>
-                        </a:spcBef>
-                        <a:spcAft>
-                          <a:spcPts val="0"/>
-                        </a:spcAft>
-                        <a:buClrTx/>
-                        <a:buSzTx/>
-                        <a:buFontTx/>
-                        <a:buNone/>
-                        <a:tabLst/>
-                        <a:defRPr/>
-                      </a:pPr>
-                      <a:r>
-                        <a:rPr lang="fr-FR" dirty="0"/>
-                        <a:t>4/32</a:t>
-                      </a:r>
-                    </a:p>
-                  </a:txBody>
-                  <a:tcPr/>
-                </a:tc>
-                <a:tc>
-                  <a:txBody>
-                    <a:bodyPr/>
-                    <a:lstStyle/>
-                    <a:p>
-                      <a:pPr marL="0" marR="0" lvl="0" indent="0" algn="ctr" defTabSz="914400" rtl="0" eaLnBrk="1" fontAlgn="auto" latinLnBrk="0" hangingPunct="1">
-                        <a:lnSpc>
-                          <a:spcPct val="100000"/>
-                        </a:lnSpc>
-                        <a:spcBef>
-                          <a:spcPts val="0"/>
-                        </a:spcBef>
-                        <a:spcAft>
-                          <a:spcPts val="0"/>
-                        </a:spcAft>
-                        <a:buClrTx/>
-                        <a:buSzTx/>
-                        <a:buFontTx/>
-                        <a:buNone/>
-                        <a:tabLst/>
-                        <a:defRPr/>
-                      </a:pPr>
-                      <a:r>
-                        <a:rPr lang="fr-FR" dirty="0"/>
-                        <a:t>0 à </a:t>
-                      </a:r>
-                      <a:r>
-                        <a:rPr lang="fr-FR" sz="1800" b="0" i="0" kern="1200" dirty="0">
-                          <a:solidFill>
-                            <a:schemeClr val="dk1"/>
-                          </a:solidFill>
-                          <a:effectLst/>
-                          <a:latin typeface="+mn-lt"/>
-                          <a:ea typeface="+mn-ea"/>
-                          <a:cs typeface="+mn-cs"/>
-                        </a:rPr>
-                        <a:t>+4 294 967 295</a:t>
-                      </a:r>
-                      <a:endParaRPr lang="fr-FR" dirty="0"/>
-                    </a:p>
-                  </a:txBody>
-                  <a:tcPr/>
-                </a:tc>
-                <a:extLst>
-                  <a:ext uri="{0D108BD9-81ED-4DB2-BD59-A6C34878D82A}">
-                    <a16:rowId xmlns:a16="http://schemas.microsoft.com/office/drawing/2014/main" val="1631502400"/>
-                  </a:ext>
-                </a:extLst>
-              </a:tr>
-              <a:tr h="448973">
-                <a:tc>
-                  <a:txBody>
-                    <a:bodyPr/>
-                    <a:lstStyle/>
-                    <a:p>
-                      <a:r>
-                        <a:rPr lang="fr-FR" dirty="0"/>
-                        <a:t>long </a:t>
-                      </a:r>
-                      <a:r>
-                        <a:rPr lang="fr-FR" dirty="0" err="1"/>
-                        <a:t>long</a:t>
-                      </a:r>
-                      <a:endParaRPr lang="fr-FR" dirty="0"/>
-                    </a:p>
-                  </a:txBody>
-                  <a:tcPr/>
-                </a:tc>
-                <a:tc>
-                  <a:txBody>
-                    <a:bodyPr/>
-                    <a:lstStyle/>
-                    <a:p>
-                      <a:pPr marL="0" marR="0" lvl="0" indent="0" algn="l" defTabSz="914400" rtl="0" eaLnBrk="1" fontAlgn="auto" latinLnBrk="0" hangingPunct="1">
-                        <a:lnSpc>
-                          <a:spcPct val="100000"/>
-                        </a:lnSpc>
-                        <a:spcBef>
-                          <a:spcPts val="0"/>
-                        </a:spcBef>
-                        <a:spcAft>
-                          <a:spcPts val="0"/>
-                        </a:spcAft>
-                        <a:buClrTx/>
-                        <a:buSzTx/>
-                        <a:buFontTx/>
-                        <a:buNone/>
-                        <a:tabLst/>
-                        <a:defRPr/>
-                      </a:pPr>
-                      <a:r>
-                        <a:rPr lang="fr-FR" dirty="0"/>
-                        <a:t>8/64</a:t>
-                      </a:r>
-                    </a:p>
-                  </a:txBody>
-                  <a:tcPr/>
-                </a:tc>
-                <a:tc>
-                  <a:txBody>
-                    <a:bodyPr/>
-                    <a:lstStyle/>
-                    <a:p>
-                      <a:pPr algn="ctr"/>
-                      <a:r>
-                        <a:rPr lang="fr-FR" sz="1800" b="0" i="0" kern="1200" dirty="0">
-                          <a:solidFill>
-                            <a:schemeClr val="dk1"/>
-                          </a:solidFill>
-                          <a:effectLst/>
-                          <a:latin typeface="+mn-lt"/>
-                          <a:ea typeface="+mn-ea"/>
-                          <a:cs typeface="+mn-cs"/>
-                        </a:rPr>
-                        <a:t>-9 223 372 036 854 775 807 à +9 223 372 036 854 775 807</a:t>
-                      </a:r>
-                      <a:endParaRPr lang="fr-FR" dirty="0"/>
-                    </a:p>
-                  </a:txBody>
-                  <a:tcPr/>
-                </a:tc>
-                <a:extLst>
-                  <a:ext uri="{0D108BD9-81ED-4DB2-BD59-A6C34878D82A}">
-                    <a16:rowId xmlns:a16="http://schemas.microsoft.com/office/drawing/2014/main" val="2508139135"/>
-                  </a:ext>
-                </a:extLst>
-              </a:tr>
-              <a:tr h="439144">
-                <a:tc>
-                  <a:txBody>
-                    <a:bodyPr/>
-                    <a:lstStyle/>
-                    <a:p>
-                      <a:r>
-                        <a:rPr lang="fr-FR" dirty="0" err="1"/>
-                        <a:t>unsigned</a:t>
-                      </a:r>
-                      <a:r>
-                        <a:rPr lang="fr-FR" dirty="0"/>
-                        <a:t> long </a:t>
-                      </a:r>
-                      <a:r>
-                        <a:rPr lang="fr-FR" dirty="0" err="1"/>
-                        <a:t>long</a:t>
-                      </a:r>
-                      <a:endParaRPr lang="fr-FR" dirty="0"/>
-                    </a:p>
-                  </a:txBody>
-                  <a:tcPr/>
-                </a:tc>
-                <a:tc>
-                  <a:txBody>
-                    <a:bodyPr/>
-                    <a:lstStyle/>
-                    <a:p>
-                      <a:pPr marL="0" marR="0" lvl="0" indent="0" algn="l" defTabSz="914400" rtl="0" eaLnBrk="1" fontAlgn="auto" latinLnBrk="0" hangingPunct="1">
-                        <a:lnSpc>
-                          <a:spcPct val="100000"/>
-                        </a:lnSpc>
-                        <a:spcBef>
-                          <a:spcPts val="0"/>
-                        </a:spcBef>
-                        <a:spcAft>
-                          <a:spcPts val="0"/>
-                        </a:spcAft>
-                        <a:buClrTx/>
-                        <a:buSzTx/>
-                        <a:buFontTx/>
-                        <a:buNone/>
-                        <a:tabLst/>
-                        <a:defRPr/>
-                      </a:pPr>
-                      <a:r>
-                        <a:rPr lang="fr-FR" dirty="0"/>
-                        <a:t>8/64</a:t>
-                      </a:r>
-                    </a:p>
-                  </a:txBody>
-                  <a:tcPr/>
-                </a:tc>
-                <a:tc>
-                  <a:txBody>
-                    <a:bodyPr/>
-                    <a:lstStyle/>
-                    <a:p>
-                      <a:pPr algn="ctr"/>
-                      <a:r>
-                        <a:rPr lang="fr-FR" dirty="0">
-                          <a:effectLst/>
-                        </a:rPr>
-                        <a:t>0 à +18 446 744 073 709 551 615</a:t>
-                      </a:r>
-                    </a:p>
-                  </a:txBody>
-                  <a:tcPr anchor="ctr"/>
-                </a:tc>
-                <a:extLst>
-                  <a:ext uri="{0D108BD9-81ED-4DB2-BD59-A6C34878D82A}">
-                    <a16:rowId xmlns:a16="http://schemas.microsoft.com/office/drawing/2014/main" val="1448969886"/>
-                  </a:ext>
-                </a:extLst>
-              </a:tr>
-            </a:tbl>
-          </a:graphicData>
-        </a:graphic>
-      </p:graphicFrame>
-      <p:sp>
-        <p:nvSpPr>
-          <p:cNvPr id="21" name="Espace réservé du contenu 2">
-            <a:extLst>
-              <a:ext uri="{FF2B5EF4-FFF2-40B4-BE49-F238E27FC236}">
-                <a16:creationId xmlns:a16="http://schemas.microsoft.com/office/drawing/2014/main" id="{DE8392B2-26AF-472E-9BD8-F5D4A7DB06D0}"/>
-              </a:ext>
-            </a:extLst>
-          </p:cNvPr>
-          <p:cNvSpPr txBox="1">
-            <a:spLocks/>
-          </p:cNvSpPr>
-          <p:nvPr/>
-        </p:nvSpPr>
-        <p:spPr>
-          <a:xfrm>
-            <a:off x="838200" y="5975926"/>
-            <a:ext cx="10515600" cy="775855"/>
-          </a:xfrm>
-          <a:prstGeom prst="rect">
-            <a:avLst/>
-          </a:prstGeom>
-        </p:spPr>
-        <p:txBody>
-          <a:bodyPr vert="horz" lIns="91440" tIns="45720" rIns="91440" bIns="45720" rtlCol="0">
-            <a:normAutofit/>
-          </a:bodyPr>
-          <a:lstStyle>
-            <a:lvl1pPr marL="228600" indent="-228600" algn="l" defTabSz="914400" rtl="0" eaLnBrk="1" latinLnBrk="0" hangingPunct="1">
-              <a:lnSpc>
-                <a:spcPct val="90000"/>
-              </a:lnSpc>
-              <a:spcBef>
-                <a:spcPts val="1000"/>
-              </a:spcBef>
-              <a:buFont typeface="Arial" panose="020B0604020202020204" pitchFamily="34" charset="0"/>
-              <a:buChar char="•"/>
-              <a:defRPr sz="2800" kern="1200">
-                <a:solidFill>
-                  <a:schemeClr val="tx1"/>
-                </a:solidFill>
-                <a:latin typeface="+mn-lt"/>
-                <a:ea typeface="+mn-ea"/>
-                <a:cs typeface="+mn-cs"/>
-              </a:defRPr>
-            </a:lvl1pPr>
-            <a:lvl2pPr marL="685800" indent="-228600" algn="l" defTabSz="914400" rtl="0" eaLnBrk="1" latinLnBrk="0" hangingPunct="1">
-              <a:lnSpc>
-                <a:spcPct val="90000"/>
-              </a:lnSpc>
-              <a:spcBef>
-                <a:spcPts val="500"/>
-              </a:spcBef>
-              <a:buFont typeface="Arial" panose="020B0604020202020204" pitchFamily="34" charset="0"/>
-              <a:buChar char="•"/>
-              <a:defRPr sz="2400" kern="1200">
-                <a:solidFill>
-                  <a:schemeClr val="tx1"/>
-                </a:solidFill>
-                <a:latin typeface="+mn-lt"/>
-                <a:ea typeface="+mn-ea"/>
-                <a:cs typeface="+mn-cs"/>
-              </a:defRPr>
-            </a:lvl2pPr>
-            <a:lvl3pPr marL="1143000" indent="-228600" algn="l" defTabSz="914400" rtl="0" eaLnBrk="1" latinLnBrk="0" hangingPunct="1">
-              <a:lnSpc>
-                <a:spcPct val="90000"/>
-              </a:lnSpc>
-              <a:spcBef>
-                <a:spcPts val="500"/>
-              </a:spcBef>
-              <a:buFont typeface="Arial" panose="020B0604020202020204" pitchFamily="34" charset="0"/>
-              <a:buChar char="•"/>
-              <a:defRPr sz="2000" kern="1200">
-                <a:solidFill>
-                  <a:schemeClr val="tx1"/>
-                </a:solidFill>
-                <a:latin typeface="+mn-lt"/>
-                <a:ea typeface="+mn-ea"/>
-                <a:cs typeface="+mn-cs"/>
-              </a:defRPr>
-            </a:lvl3pPr>
-            <a:lvl4pPr marL="1600200" indent="-228600" algn="l" defTabSz="914400" rtl="0" eaLnBrk="1" latinLnBrk="0" hangingPunct="1">
-              <a:lnSpc>
-                <a:spcPct val="90000"/>
-              </a:lnSpc>
-              <a:spcBef>
-                <a:spcPts val="500"/>
-              </a:spcBef>
-              <a:buFont typeface="Arial" panose="020B0604020202020204" pitchFamily="34" charset="0"/>
-              <a:buChar char="•"/>
-              <a:defRPr sz="1800" kern="1200">
-                <a:solidFill>
-                  <a:schemeClr val="tx1"/>
-                </a:solidFill>
-                <a:latin typeface="+mn-lt"/>
-                <a:ea typeface="+mn-ea"/>
-                <a:cs typeface="+mn-cs"/>
-              </a:defRPr>
-            </a:lvl4pPr>
-            <a:lvl5pPr marL="2057400" indent="-228600" algn="l" defTabSz="914400" rtl="0" eaLnBrk="1" latinLnBrk="0" hangingPunct="1">
-              <a:lnSpc>
-                <a:spcPct val="90000"/>
-              </a:lnSpc>
-              <a:spcBef>
-                <a:spcPts val="500"/>
-              </a:spcBef>
-              <a:buFont typeface="Arial" panose="020B0604020202020204" pitchFamily="34" charset="0"/>
-              <a:buChar char="•"/>
-              <a:defRPr sz="1800" kern="1200">
-                <a:solidFill>
-                  <a:schemeClr val="tx1"/>
-                </a:solidFill>
-                <a:latin typeface="+mn-lt"/>
-                <a:ea typeface="+mn-ea"/>
-                <a:cs typeface="+mn-cs"/>
-              </a:defRPr>
-            </a:lvl5pPr>
-            <a:lvl6pPr marL="2514600" indent="-228600" algn="l" defTabSz="914400" rtl="0" eaLnBrk="1" latinLnBrk="0" hangingPunct="1">
-              <a:lnSpc>
-                <a:spcPct val="90000"/>
-              </a:lnSpc>
-              <a:spcBef>
-                <a:spcPts val="500"/>
-              </a:spcBef>
-              <a:buFont typeface="Arial" panose="020B0604020202020204" pitchFamily="34" charset="0"/>
-              <a:buChar char="•"/>
-              <a:defRPr sz="1800" kern="1200">
-                <a:solidFill>
-                  <a:schemeClr val="tx1"/>
-                </a:solidFill>
-                <a:latin typeface="+mn-lt"/>
-                <a:ea typeface="+mn-ea"/>
-                <a:cs typeface="+mn-cs"/>
-              </a:defRPr>
-            </a:lvl6pPr>
-            <a:lvl7pPr marL="2971800" indent="-228600" algn="l" defTabSz="914400" rtl="0" eaLnBrk="1" latinLnBrk="0" hangingPunct="1">
-              <a:lnSpc>
-                <a:spcPct val="90000"/>
-              </a:lnSpc>
-              <a:spcBef>
-                <a:spcPts val="500"/>
-              </a:spcBef>
-              <a:buFont typeface="Arial" panose="020B0604020202020204" pitchFamily="34" charset="0"/>
-              <a:buChar char="•"/>
-              <a:defRPr sz="1800" kern="1200">
-                <a:solidFill>
-                  <a:schemeClr val="tx1"/>
-                </a:solidFill>
-                <a:latin typeface="+mn-lt"/>
-                <a:ea typeface="+mn-ea"/>
-                <a:cs typeface="+mn-cs"/>
-              </a:defRPr>
-            </a:lvl7pPr>
-            <a:lvl8pPr marL="3429000" indent="-228600" algn="l" defTabSz="914400" rtl="0" eaLnBrk="1" latinLnBrk="0" hangingPunct="1">
-              <a:lnSpc>
-                <a:spcPct val="90000"/>
-              </a:lnSpc>
-              <a:spcBef>
-                <a:spcPts val="500"/>
-              </a:spcBef>
-              <a:buFont typeface="Arial" panose="020B0604020202020204" pitchFamily="34" charset="0"/>
-              <a:buChar char="•"/>
-              <a:defRPr sz="1800" kern="1200">
-                <a:solidFill>
-                  <a:schemeClr val="tx1"/>
-                </a:solidFill>
-                <a:latin typeface="+mn-lt"/>
-                <a:ea typeface="+mn-ea"/>
-                <a:cs typeface="+mn-cs"/>
-              </a:defRPr>
-            </a:lvl8pPr>
-            <a:lvl9pPr marL="3886200" indent="-228600" algn="l" defTabSz="914400" rtl="0" eaLnBrk="1" latinLnBrk="0" hangingPunct="1">
-              <a:lnSpc>
-                <a:spcPct val="90000"/>
-              </a:lnSpc>
-              <a:spcBef>
-                <a:spcPts val="500"/>
-              </a:spcBef>
-              <a:buFont typeface="Arial" panose="020B0604020202020204" pitchFamily="34" charset="0"/>
-              <a:buChar char="•"/>
-              <a:defRPr sz="1800" kern="1200">
-                <a:solidFill>
-                  <a:schemeClr val="tx1"/>
-                </a:solidFill>
-                <a:latin typeface="+mn-lt"/>
-                <a:ea typeface="+mn-ea"/>
-                <a:cs typeface="+mn-cs"/>
-              </a:defRPr>
-            </a:lvl9pPr>
-          </a:lstStyle>
-          <a:p>
-            <a:pPr marL="0" indent="0" algn="ctr">
-              <a:buNone/>
-            </a:pPr>
-            <a:endParaRPr lang="en-US" dirty="0">
-              <a:latin typeface="Consolas" panose="020B0609020204030204" pitchFamily="49" charset="0"/>
-            </a:endParaRPr>
-          </a:p>
-        </p:txBody>
-      </p:sp>
-    </p:spTree>
-    <p:extLst>
-      <p:ext uri="{BB962C8B-B14F-4D97-AF65-F5344CB8AC3E}">
-        <p14:creationId xmlns:p14="http://schemas.microsoft.com/office/powerpoint/2010/main" val="4192082760"/>
-      </p:ext>
-    </p:extLst>
-  </p:cSld>
-  <p:clrMapOvr>
-    <a:masterClrMapping/>
-  </p:clrMapOvr>
-  <p:timing>
-    <p:tnLst>
-      <p:par>
-        <p:cTn id="1" dur="indefinite" restart="never" nodeType="tmRoot">
-          <p:childTnLst>
-            <p:seq concurrent="1" nextAc="seek">
-              <p:cTn id="2" dur="indefinite" nodeType="mainSeq">
-                <p:childTnLst>
-                  <p:par>
-                    <p:cTn id="3" fill="hold">
-                      <p:stCondLst>
-                        <p:cond delay="indefinite"/>
-                      </p:stCondLst>
-                      <p:childTnLst>
-                        <p:par>
-                          <p:cTn id="4" fill="hold">
-                            <p:stCondLst>
-                              <p:cond delay="0"/>
-                            </p:stCondLst>
-                            <p:childTnLst>
-                              <p:par>
-                                <p:cTn id="5" presetID="2" presetClass="entr" presetSubtype="8" fill="hold" nodeType="clickEffect" nodePh="1">
-                                  <p:stCondLst>
-                                    <p:cond delay="0"/>
-                                  </p:stCondLst>
-                                  <p:endCondLst>
-                                    <p:cond evt="begin" delay="0">
-                                      <p:tn val="5"/>
-                                    </p:cond>
-                                  </p:endCondLst>
-                                  <p:childTnLst>
-                                    <p:set>
-                                      <p:cBhvr>
-                                        <p:cTn id="6" dur="1" fill="hold">
-                                          <p:stCondLst>
-                                            <p:cond delay="0"/>
-                                          </p:stCondLst>
-                                        </p:cTn>
-                                        <p:tgtEl>
-                                          <p:spTgt spid="21">
-                                            <p:txEl>
-                                              <p:pRg st="0" end="0"/>
-                                            </p:txEl>
-                                          </p:spTgt>
-                                        </p:tgtEl>
-                                        <p:attrNameLst>
-                                          <p:attrName>style.visibility</p:attrName>
-                                        </p:attrNameLst>
-                                      </p:cBhvr>
-                                      <p:to>
-                                        <p:strVal val="visible"/>
-                                      </p:to>
-                                    </p:set>
-                                    <p:anim calcmode="lin" valueType="num">
-                                      <p:cBhvr additive="base">
-                                        <p:cTn id="7" dur="500" fill="hold"/>
-                                        <p:tgtEl>
-                                          <p:spTgt spid="21">
-                                            <p:txEl>
-                                              <p:pRg st="0" end="0"/>
-                                            </p:txEl>
-                                          </p:spTgt>
-                                        </p:tgtEl>
-                                        <p:attrNameLst>
-                                          <p:attrName>ppt_x</p:attrName>
-                                        </p:attrNameLst>
-                                      </p:cBhvr>
-                                      <p:tavLst>
-                                        <p:tav tm="0">
-                                          <p:val>
-                                            <p:strVal val="0-#ppt_w/2"/>
-                                          </p:val>
-                                        </p:tav>
-                                        <p:tav tm="100000">
-                                          <p:val>
-                                            <p:strVal val="#ppt_x"/>
-                                          </p:val>
-                                        </p:tav>
-                                      </p:tavLst>
-                                    </p:anim>
-                                    <p:anim calcmode="lin" valueType="num">
-                                      <p:cBhvr additive="base">
-                                        <p:cTn id="8" dur="500" fill="hold"/>
-                                        <p:tgtEl>
-                                          <p:spTgt spid="21">
-                                            <p:txEl>
-                                              <p:pRg st="0" end="0"/>
-                                            </p:txEl>
-                                          </p:spTgt>
-                                        </p:tgtEl>
-                                        <p:attrNameLst>
-                                          <p:attrName>ppt_y</p:attrName>
-                                        </p:attrNameLst>
-                                      </p:cBhvr>
-                                      <p:tavLst>
-                                        <p:tav tm="0">
-                                          <p:val>
-                                            <p:strVal val="#ppt_y"/>
-                                          </p:val>
-                                        </p:tav>
-                                        <p:tav tm="100000">
-                                          <p:val>
-                                            <p:strVal val="#ppt_y"/>
-                                          </p:val>
-                                        </p:tav>
-                                      </p:tavLst>
-                                    </p:anim>
-                                  </p:childTnLst>
-                                </p:cTn>
-                              </p:par>
-                            </p:childTnLst>
-                          </p:cTn>
-                        </p:par>
-                      </p:childTnLst>
-                    </p:cTn>
-                  </p:par>
-                </p:childTnLst>
-              </p:cTn>
-              <p:prevCondLst>
-                <p:cond evt="onPrev" delay="0">
-                  <p:tgtEl>
-                    <p:sldTgt/>
-                  </p:tgtEl>
-                </p:cond>
-              </p:prevCondLst>
-              <p:nextCondLst>
-                <p:cond evt="onNext" delay="0">
-                  <p:tgtEl>
-                    <p:sldTgt/>
-                  </p:tgtEl>
-                </p:cond>
-              </p:nextCondLst>
-            </p:seq>
-          </p:childTnLst>
-        </p:cTn>
-      </p:par>
-    </p:tnLst>
-  </p:timing>
-</p:sld>
-</file>
-
-<file path=ppt/slides/slide40.xml><?xml version="1.0" encoding="utf-8"?>
+<file path=ppt/slides/slide45.xml><?xml version="1.0" encoding="utf-8"?>
 <p:sld xmlns:a="http://schemas.openxmlformats.org/drawingml/2006/main" xmlns:r="http://schemas.openxmlformats.org/officeDocument/2006/relationships" xmlns:p="http://schemas.openxmlformats.org/presentationml/2006/main">
   <p:cSld>
     <p:spTree>
